--- a/Documents/SA Presentation.pptx
+++ b/Documents/SA Presentation.pptx
@@ -18,23 +18,24 @@
     <p:sldId id="264" r:id="rId12"/>
     <p:sldId id="273" r:id="rId13"/>
     <p:sldId id="272" r:id="rId14"/>
-    <p:sldId id="271" r:id="rId15"/>
-    <p:sldId id="288" r:id="rId16"/>
-    <p:sldId id="286" r:id="rId17"/>
-    <p:sldId id="289" r:id="rId18"/>
-    <p:sldId id="290" r:id="rId19"/>
-    <p:sldId id="291" r:id="rId20"/>
-    <p:sldId id="293" r:id="rId21"/>
+    <p:sldId id="288" r:id="rId15"/>
+    <p:sldId id="286" r:id="rId16"/>
+    <p:sldId id="289" r:id="rId17"/>
+    <p:sldId id="290" r:id="rId18"/>
+    <p:sldId id="291" r:id="rId19"/>
+    <p:sldId id="293" r:id="rId20"/>
+    <p:sldId id="294" r:id="rId21"/>
     <p:sldId id="292" r:id="rId22"/>
-    <p:sldId id="275" r:id="rId23"/>
-    <p:sldId id="276" r:id="rId24"/>
-    <p:sldId id="277" r:id="rId25"/>
-    <p:sldId id="278" r:id="rId26"/>
-    <p:sldId id="263" r:id="rId27"/>
-    <p:sldId id="280" r:id="rId28"/>
-    <p:sldId id="281" r:id="rId29"/>
-    <p:sldId id="285" r:id="rId30"/>
-    <p:sldId id="266" r:id="rId31"/>
+    <p:sldId id="295" r:id="rId23"/>
+    <p:sldId id="275" r:id="rId24"/>
+    <p:sldId id="276" r:id="rId25"/>
+    <p:sldId id="277" r:id="rId26"/>
+    <p:sldId id="278" r:id="rId27"/>
+    <p:sldId id="263" r:id="rId28"/>
+    <p:sldId id="280" r:id="rId29"/>
+    <p:sldId id="281" r:id="rId30"/>
+    <p:sldId id="285" r:id="rId31"/>
+    <p:sldId id="266" r:id="rId32"/>
   </p:sldIdLst>
   <p:sldSz cx="12192000" cy="6858000"/>
   <p:notesSz cx="6858000" cy="9144000"/>
@@ -144,16 +145,15 @@
 <file path=ppt/revisionInfo.xml><?xml version="1.0" encoding="utf-8"?>
 <p1510:revInfo xmlns:a="http://schemas.openxmlformats.org/drawingml/2006/main" xmlns:r="http://schemas.openxmlformats.org/officeDocument/2006/relationships" xmlns:p1510="http://schemas.microsoft.com/office/powerpoint/2015/10/main">
   <p1510:revLst>
-    <p1510:client id="{04B65E84-BC31-4897-AC5F-BFABEE26F92B}" v="358" dt="2019-02-06T00:42:55.927"/>
     <p1510:client id="{DFB90EFC-D1AC-A6F8-C9D6-AEAD7E96EA65}" v="178" dt="2019-02-06T06:34:22.590"/>
     <p1510:client id="{C7950789-276C-0A0F-7C85-95412B85975B}" v="499" dt="2019-02-06T06:52:49.757"/>
-    <p1510:client id="{CD354938-5B42-E325-174F-8B4E89EE2CE0}" v="110" dt="2019-02-06T01:45:47.829"/>
     <p1510:client id="{EC51EA77-BFB9-9D0B-4590-7407895338F1}" v="13" dt="2019-02-06T18:16:29.468"/>
     <p1510:client id="{11F8D6B3-99A4-385F-E31E-443DA330B3D2}" v="954" dt="2019-02-06T18:47:10.573"/>
     <p1510:client id="{47EB2AF2-69E9-D9C5-B286-63813D6AAF0A}" v="247" dt="2019-02-06T21:47:11.022"/>
     <p1510:client id="{ED5EFD56-9E27-185B-5892-BF327F11B68F}" v="1" dt="2019-02-06T21:48:11.872"/>
     <p1510:client id="{B93454F7-E4D7-680C-27DB-96A3AA6FB4B6}" v="132" dt="2019-02-06T21:45:20.231"/>
     <p1510:client id="{A06E8E80-71DC-5566-7F25-FB40F4D805F2}" v="344" dt="2019-02-06T18:25:56.423"/>
+    <p1510:client id="{082CB375-B14E-00BB-B475-0102444B9B54}" v="4" dt="2019-02-07T03:11:16.690"/>
   </p1510:revLst>
 </p1510:revInfo>
 </file>
@@ -6293,7 +6293,7 @@
                   </a:schemeClr>
                 </a:solidFill>
               </a:rPr>
-              <a:t>Level Design</a:t>
+              <a:t>Level Management</a:t>
             </a:r>
           </a:p>
         </p:txBody>
@@ -7660,7 +7660,7 @@
     </p:spTree>
     <p:extLst>
       <p:ext uri="{BB962C8B-B14F-4D97-AF65-F5344CB8AC3E}">
-        <p14:creationId xmlns:p14="http://schemas.microsoft.com/office/powerpoint/2010/main" val="3112596605"/>
+        <p14:creationId xmlns:p14="http://schemas.microsoft.com/office/powerpoint/2010/main" val="2930588488"/>
       </p:ext>
     </p:extLst>
   </p:cSld>
@@ -7705,142 +7705,6 @@
         </p:nvSpPr>
         <p:spPr>
           <a:xfrm>
-            <a:off x="2928401" y="1380068"/>
-            <a:ext cx="8574622" cy="53550"/>
-          </a:xfrm>
-        </p:spPr>
-        <p:txBody>
-          <a:bodyPr>
-            <a:normAutofit fontScale="90000"/>
-          </a:bodyPr>
-          <a:lstStyle/>
-          <a:p>
-            <a:pPr algn="ctr"/>
-            <a:r>
-              <a:rPr lang="en-US">
-                <a:solidFill>
-                  <a:schemeClr val="accent1">
-                    <a:lumMod val="75000"/>
-                  </a:schemeClr>
-                </a:solidFill>
-              </a:rPr>
-              <a:t>Player Management</a:t>
-            </a:r>
-          </a:p>
-        </p:txBody>
-      </p:sp>
-      <p:sp>
-        <p:nvSpPr>
-          <p:cNvPr id="3" name="Subtitle 2">
-            <a:extLst>
-              <a:ext uri="{FF2B5EF4-FFF2-40B4-BE49-F238E27FC236}">
-                <a16:creationId xmlns:a16="http://schemas.microsoft.com/office/drawing/2014/main" id="{4A3C2BE8-C9F0-4C1D-B6F4-0E7F68071EE3}"/>
-              </a:ext>
-            </a:extLst>
-          </p:cNvPr>
-          <p:cNvSpPr>
-            <a:spLocks noGrp="1"/>
-          </p:cNvSpPr>
-          <p:nvPr>
-            <p:ph type="subTitle" idx="1"/>
-          </p:nvPr>
-        </p:nvSpPr>
-        <p:spPr>
-          <a:xfrm>
-            <a:off x="3674549" y="2857646"/>
-            <a:ext cx="6987645" cy="1388534"/>
-          </a:xfrm>
-        </p:spPr>
-        <p:txBody>
-          <a:bodyPr/>
-          <a:lstStyle/>
-          <a:p>
-            <a:pPr algn="ctr"/>
-            <a:r>
-              <a:rPr lang="en-US" sz="4800"/>
-              <a:t>Questions?</a:t>
-            </a:r>
-          </a:p>
-        </p:txBody>
-      </p:sp>
-      <p:pic>
-        <p:nvPicPr>
-          <p:cNvPr id="4" name="Picture 4" descr="A close up of a sign&#10;&#10;Description generated with very high confidence">
-            <a:extLst>
-              <a:ext uri="{FF2B5EF4-FFF2-40B4-BE49-F238E27FC236}">
-                <a16:creationId xmlns:a16="http://schemas.microsoft.com/office/drawing/2014/main" id="{B3B5CCD3-B535-488B-94C2-2086E3C7B5C9}"/>
-              </a:ext>
-            </a:extLst>
-          </p:cNvPr>
-          <p:cNvPicPr>
-            <a:picLocks noChangeAspect="1"/>
-          </p:cNvPicPr>
-          <p:nvPr/>
-        </p:nvPicPr>
-        <p:blipFill>
-          <a:blip r:embed="rId2"/>
-          <a:stretch>
-            <a:fillRect/>
-          </a:stretch>
-        </p:blipFill>
-        <p:spPr>
-          <a:xfrm>
-            <a:off x="1503" y="4426614"/>
-            <a:ext cx="2502114" cy="2499171"/>
-          </a:xfrm>
-          <a:prstGeom prst="rect">
-            <a:avLst/>
-          </a:prstGeom>
-        </p:spPr>
-      </p:pic>
-    </p:spTree>
-    <p:extLst>
-      <p:ext uri="{BB962C8B-B14F-4D97-AF65-F5344CB8AC3E}">
-        <p14:creationId xmlns:p14="http://schemas.microsoft.com/office/powerpoint/2010/main" val="2930588488"/>
-      </p:ext>
-    </p:extLst>
-  </p:cSld>
-  <p:clrMapOvr>
-    <a:masterClrMapping/>
-  </p:clrMapOvr>
-</p:sld>
-</file>
-
-<file path=ppt/slides/slide16.xml><?xml version="1.0" encoding="utf-8"?>
-<p:sld xmlns:a="http://schemas.openxmlformats.org/drawingml/2006/main" xmlns:r="http://schemas.openxmlformats.org/officeDocument/2006/relationships" xmlns:p="http://schemas.openxmlformats.org/presentationml/2006/main">
-  <p:cSld>
-    <p:spTree>
-      <p:nvGrpSpPr>
-        <p:cNvPr id="1" name=""/>
-        <p:cNvGrpSpPr/>
-        <p:nvPr/>
-      </p:nvGrpSpPr>
-      <p:grpSpPr>
-        <a:xfrm>
-          <a:off x="0" y="0"/>
-          <a:ext cx="0" cy="0"/>
-          <a:chOff x="0" y="0"/>
-          <a:chExt cx="0" cy="0"/>
-        </a:xfrm>
-      </p:grpSpPr>
-      <p:sp>
-        <p:nvSpPr>
-          <p:cNvPr id="2" name="Title 1">
-            <a:extLst>
-              <a:ext uri="{FF2B5EF4-FFF2-40B4-BE49-F238E27FC236}">
-                <a16:creationId xmlns:a16="http://schemas.microsoft.com/office/drawing/2014/main" id="{59D2053B-3B08-4FC5-9C84-634719D44497}"/>
-              </a:ext>
-            </a:extLst>
-          </p:cNvPr>
-          <p:cNvSpPr>
-            <a:spLocks noGrp="1"/>
-          </p:cNvSpPr>
-          <p:nvPr>
-            <p:ph type="ctrTitle"/>
-          </p:nvPr>
-        </p:nvSpPr>
-        <p:spPr>
-          <a:xfrm>
             <a:off x="3695254" y="1525673"/>
             <a:ext cx="8574622" cy="53550"/>
           </a:xfrm>
@@ -7895,7 +7759,7 @@
           <a:p>
             <a:pPr algn="l"/>
             <a:r>
-              <a:rPr lang="en-US">
+              <a:rPr lang="en-US" dirty="0">
                 <a:solidFill>
                   <a:schemeClr val="accent1">
                     <a:lumMod val="75000"/>
@@ -7905,7 +7769,7 @@
               <a:t>Priority Level:</a:t>
             </a:r>
             <a:r>
-              <a:rPr lang="en-US">
+              <a:rPr lang="en-US" dirty="0">
                 <a:solidFill>
                   <a:schemeClr val="accent1"/>
                 </a:solidFill>
@@ -7913,7 +7777,7 @@
               <a:t> </a:t>
             </a:r>
             <a:r>
-              <a:rPr lang="en-US"/>
+              <a:rPr lang="en-US" dirty="0"/>
               <a:t>2</a:t>
             </a:r>
           </a:p>
@@ -7924,7 +7788,7 @@
           <a:p>
             <a:pPr algn="l"/>
             <a:r>
-              <a:rPr lang="en-US">
+              <a:rPr lang="en-US" dirty="0">
                 <a:solidFill>
                   <a:schemeClr val="accent1">
                     <a:lumMod val="75000"/>
@@ -7935,64 +7799,72 @@
             </a:r>
           </a:p>
           <a:p>
-            <a:pPr algn="l">
+            <a:pPr marL="342900" indent="-342900" algn="l">
               <a:buChar char="•"/>
             </a:pPr>
             <a:r>
               <a:rPr lang="en-US"/>
-              <a:t>Control the spawning and </a:t>
+              <a:t> Control the spawning and </a:t>
             </a:r>
             <a:r>
               <a:rPr lang="en-US" err="1"/>
               <a:t>despawning</a:t>
             </a:r>
             <a:r>
-              <a:rPr lang="en-US"/>
+              <a:rPr lang="en-US" dirty="0"/>
               <a:t> of enemies in the game</a:t>
             </a:r>
           </a:p>
           <a:p>
-            <a:pPr algn="l">
+            <a:pPr marL="342900" indent="-342900" algn="l">
               <a:buChar char="•"/>
             </a:pPr>
             <a:r>
               <a:rPr lang="en-US"/>
-              <a:t>Keep track of all enemies' stats such as health, damage, is spawned... </a:t>
+              <a:t> Keep track of all enemies' stats such as health, damage, is </a:t>
+            </a:r>
+            <a:r>
+              <a:rPr lang="en-US" dirty="0"/>
+              <a:t>spawned... </a:t>
             </a:r>
             <a:r>
               <a:rPr lang="en-US" err="1"/>
               <a:t>etc</a:t>
             </a:r>
             <a:r>
-              <a:rPr lang="en-US"/>
+              <a:rPr lang="en-US" dirty="0"/>
               <a:t> </a:t>
             </a:r>
           </a:p>
           <a:p>
-            <a:pPr algn="l">
+            <a:pPr marL="342900" indent="-342900" algn="l">
               <a:buChar char="•"/>
             </a:pPr>
             <a:r>
               <a:rPr lang="en-US"/>
-              <a:t>Manage the movement of each enemy in the game</a:t>
-            </a:r>
-          </a:p>
-          <a:p>
-            <a:pPr algn="l">
+              <a:t> Manage the movement of each enemy in the game</a:t>
+            </a:r>
+          </a:p>
+          <a:p>
+            <a:pPr marL="342900" indent="-342900" algn="l">
               <a:buChar char="•"/>
             </a:pPr>
             <a:r>
               <a:rPr lang="en-US"/>
-              <a:t>Manage the interactions between enemies and certain items in the game</a:t>
-            </a:r>
-          </a:p>
-          <a:p>
-            <a:pPr algn="l">
+              <a:t> Manage the interactions between enemies and certain items </a:t>
+            </a:r>
+            <a:r>
+              <a:rPr lang="en-US" dirty="0"/>
+              <a:t>in the game</a:t>
+            </a:r>
+          </a:p>
+          <a:p>
+            <a:pPr marL="342900" indent="-342900" algn="l">
               <a:buChar char="•"/>
             </a:pPr>
             <a:r>
               <a:rPr lang="en-US"/>
-              <a:t>Manage combat between enemies and the player</a:t>
+              <a:t> Manage combat between enemies and the player</a:t>
             </a:r>
             <a:endParaRPr lang="en-US" err="1"/>
           </a:p>
@@ -8041,7 +7913,7 @@
 </p:sld>
 </file>
 
-<file path=ppt/slides/slide17.xml><?xml version="1.0" encoding="utf-8"?>
+<file path=ppt/slides/slide16.xml><?xml version="1.0" encoding="utf-8"?>
 <p:sld xmlns:a="http://schemas.openxmlformats.org/drawingml/2006/main" xmlns:r="http://schemas.openxmlformats.org/officeDocument/2006/relationships" xmlns:p="http://schemas.openxmlformats.org/presentationml/2006/main">
   <p:cSld>
     <p:spTree>
@@ -8172,7 +8044,7 @@
 </p:sld>
 </file>
 
-<file path=ppt/slides/slide18.xml><?xml version="1.0" encoding="utf-8"?>
+<file path=ppt/slides/slide17.xml><?xml version="1.0" encoding="utf-8"?>
 <p:sld xmlns:a="http://schemas.openxmlformats.org/drawingml/2006/main" xmlns:r="http://schemas.openxmlformats.org/officeDocument/2006/relationships" xmlns:p="http://schemas.openxmlformats.org/presentationml/2006/main">
   <p:cSld>
     <p:spTree>
@@ -8936,7 +8808,7 @@
 </p:sld>
 </file>
 
-<file path=ppt/slides/slide19.xml><?xml version="1.0" encoding="utf-8"?>
+<file path=ppt/slides/slide18.xml><?xml version="1.0" encoding="utf-8"?>
 <p:sld xmlns:a="http://schemas.openxmlformats.org/drawingml/2006/main" xmlns:r="http://schemas.openxmlformats.org/officeDocument/2006/relationships" xmlns:p="http://schemas.openxmlformats.org/presentationml/2006/main">
   <p:cSld>
     <p:spTree>
@@ -9072,7 +8944,7 @@
 </p:sld>
 </file>
 
-<file path=ppt/slides/slide2.xml><?xml version="1.0" encoding="utf-8"?>
+<file path=ppt/slides/slide19.xml><?xml version="1.0" encoding="utf-8"?>
 <p:sld xmlns:a="http://schemas.openxmlformats.org/drawingml/2006/main" xmlns:r="http://schemas.openxmlformats.org/officeDocument/2006/relationships" xmlns:p="http://schemas.openxmlformats.org/presentationml/2006/main">
   <p:cSld>
     <p:spTree>
@@ -9107,192 +8979,7 @@
         </p:nvSpPr>
         <p:spPr>
           <a:xfrm>
-            <a:off x="2223910" y="157993"/>
-            <a:ext cx="8980202" cy="1043038"/>
-          </a:xfrm>
-        </p:spPr>
-        <p:txBody>
-          <a:bodyPr>
-            <a:normAutofit fontScale="90000"/>
-          </a:bodyPr>
-          <a:lstStyle/>
-          <a:p>
-            <a:r>
-              <a:rPr lang="en-US">
-                <a:solidFill>
-                  <a:schemeClr val="accent1">
-                    <a:lumMod val="75000"/>
-                  </a:schemeClr>
-                </a:solidFill>
-              </a:rPr>
-              <a:t>Virtual reality, a new frontier </a:t>
-            </a:r>
-          </a:p>
-        </p:txBody>
-      </p:sp>
-      <p:sp>
-        <p:nvSpPr>
-          <p:cNvPr id="3" name="Subtitle 2">
-            <a:extLst>
-              <a:ext uri="{FF2B5EF4-FFF2-40B4-BE49-F238E27FC236}">
-                <a16:creationId xmlns:a16="http://schemas.microsoft.com/office/drawing/2014/main" id="{4A3C2BE8-C9F0-4C1D-B6F4-0E7F68071EE3}"/>
-              </a:ext>
-            </a:extLst>
-          </p:cNvPr>
-          <p:cNvSpPr>
-            <a:spLocks noGrp="1"/>
-          </p:cNvSpPr>
-          <p:nvPr>
-            <p:ph type="subTitle" idx="1"/>
-          </p:nvPr>
-        </p:nvSpPr>
-        <p:spPr>
-          <a:xfrm>
-            <a:off x="4220409" y="1206364"/>
-            <a:ext cx="6987645" cy="1388534"/>
-          </a:xfrm>
-        </p:spPr>
-        <p:txBody>
-          <a:bodyPr/>
-          <a:lstStyle/>
-          <a:p>
-            <a:pPr marL="342900" indent="-342900" algn="l">
-              <a:buChar char="•"/>
-            </a:pPr>
-            <a:r>
-              <a:rPr lang="en-US"/>
-              <a:t>What</a:t>
-            </a:r>
-          </a:p>
-          <a:p>
-            <a:pPr marL="342900" indent="-342900" algn="l">
-              <a:buChar char="•"/>
-            </a:pPr>
-            <a:r>
-              <a:rPr lang="en-US"/>
-              <a:t>Why</a:t>
-            </a:r>
-          </a:p>
-          <a:p>
-            <a:pPr marL="342900" indent="-342900" algn="l">
-              <a:buChar char="•"/>
-            </a:pPr>
-            <a:r>
-              <a:rPr lang="en-US"/>
-              <a:t>Huh</a:t>
-            </a:r>
-          </a:p>
-        </p:txBody>
-      </p:sp>
-      <p:pic>
-        <p:nvPicPr>
-          <p:cNvPr id="4" name="Picture 4" descr="A close up of a sign&#10;&#10;Description generated with very high confidence">
-            <a:extLst>
-              <a:ext uri="{FF2B5EF4-FFF2-40B4-BE49-F238E27FC236}">
-                <a16:creationId xmlns:a16="http://schemas.microsoft.com/office/drawing/2014/main" id="{B3B5CCD3-B535-488B-94C2-2086E3C7B5C9}"/>
-              </a:ext>
-            </a:extLst>
-          </p:cNvPr>
-          <p:cNvPicPr>
-            <a:picLocks noChangeAspect="1"/>
-          </p:cNvPicPr>
-          <p:nvPr/>
-        </p:nvPicPr>
-        <p:blipFill>
-          <a:blip r:embed="rId2"/>
-          <a:stretch>
-            <a:fillRect/>
-          </a:stretch>
-        </p:blipFill>
-        <p:spPr>
-          <a:xfrm>
-            <a:off x="1503" y="4426614"/>
-            <a:ext cx="2502114" cy="2499171"/>
-          </a:xfrm>
-          <a:prstGeom prst="rect">
-            <a:avLst/>
-          </a:prstGeom>
-        </p:spPr>
-      </p:pic>
-      <p:pic>
-        <p:nvPicPr>
-          <p:cNvPr id="5" name="Picture 5" descr="A picture containing sitting&#10;&#10;Description generated with high confidence">
-            <a:extLst>
-              <a:ext uri="{FF2B5EF4-FFF2-40B4-BE49-F238E27FC236}">
-                <a16:creationId xmlns:a16="http://schemas.microsoft.com/office/drawing/2014/main" id="{21D621C5-0F87-414C-A979-C39B37AE69C7}"/>
-              </a:ext>
-            </a:extLst>
-          </p:cNvPr>
-          <p:cNvPicPr>
-            <a:picLocks noChangeAspect="1"/>
-          </p:cNvPicPr>
-          <p:nvPr/>
-        </p:nvPicPr>
-        <p:blipFill>
-          <a:blip r:embed="rId3"/>
-          <a:stretch>
-            <a:fillRect/>
-          </a:stretch>
-        </p:blipFill>
-        <p:spPr>
-          <a:xfrm>
-            <a:off x="5919634" y="3493063"/>
-            <a:ext cx="5981700" cy="3362325"/>
-          </a:xfrm>
-          <a:prstGeom prst="rect">
-            <a:avLst/>
-          </a:prstGeom>
-        </p:spPr>
-      </p:pic>
-    </p:spTree>
-    <p:extLst>
-      <p:ext uri="{BB962C8B-B14F-4D97-AF65-F5344CB8AC3E}">
-        <p14:creationId xmlns:p14="http://schemas.microsoft.com/office/powerpoint/2010/main" val="183180185"/>
-      </p:ext>
-    </p:extLst>
-  </p:cSld>
-  <p:clrMapOvr>
-    <a:masterClrMapping/>
-  </p:clrMapOvr>
-</p:sld>
-</file>
-
-<file path=ppt/slides/slide20.xml><?xml version="1.0" encoding="utf-8"?>
-<p:sld xmlns:a="http://schemas.openxmlformats.org/drawingml/2006/main" xmlns:r="http://schemas.openxmlformats.org/officeDocument/2006/relationships" xmlns:p="http://schemas.openxmlformats.org/presentationml/2006/main">
-  <p:cSld>
-    <p:spTree>
-      <p:nvGrpSpPr>
-        <p:cNvPr id="1" name=""/>
-        <p:cNvGrpSpPr/>
-        <p:nvPr/>
-      </p:nvGrpSpPr>
-      <p:grpSpPr>
-        <a:xfrm>
-          <a:off x="0" y="0"/>
-          <a:ext cx="0" cy="0"/>
-          <a:chOff x="0" y="0"/>
-          <a:chExt cx="0" cy="0"/>
-        </a:xfrm>
-      </p:grpSpPr>
-      <p:sp>
-        <p:nvSpPr>
-          <p:cNvPr id="2" name="Title 1">
-            <a:extLst>
-              <a:ext uri="{FF2B5EF4-FFF2-40B4-BE49-F238E27FC236}">
-                <a16:creationId xmlns:a16="http://schemas.microsoft.com/office/drawing/2014/main" id="{59D2053B-3B08-4FC5-9C84-634719D44497}"/>
-              </a:ext>
-            </a:extLst>
-          </p:cNvPr>
-          <p:cNvSpPr>
-            <a:spLocks noGrp="1"/>
-          </p:cNvSpPr>
-          <p:nvPr>
-            <p:ph type="ctrTitle"/>
-          </p:nvPr>
-        </p:nvSpPr>
-        <p:spPr>
-          <a:xfrm>
-            <a:off x="3040460" y="1985186"/>
+            <a:off x="4229923" y="2013064"/>
             <a:ext cx="8574622" cy="53550"/>
           </a:xfrm>
         </p:spPr>
@@ -9360,8 +9047,8 @@
         </p:nvSpPr>
         <p:spPr>
           <a:xfrm>
-            <a:off x="4617623" y="1986239"/>
-            <a:ext cx="6172200" cy="1200329"/>
+            <a:off x="4930022" y="2008650"/>
+            <a:ext cx="7346630" cy="5281446"/>
           </a:xfrm>
           <a:prstGeom prst="rect">
             <a:avLst/>
@@ -9376,22 +9063,215 @@
           </a:bodyPr>
           <a:lstStyle/>
           <a:p>
-            <a:r>
-              <a:rPr lang="en-US"/>
-              <a:t>Priority Level:</a:t>
-            </a:r>
-          </a:p>
-          <a:p>
-            <a:endParaRPr lang="en-US"/>
-          </a:p>
-          <a:p>
-            <a:r>
-              <a:rPr lang="en-US"/>
+            <a:pPr>
+              <a:spcBef>
+                <a:spcPct val="20000"/>
+              </a:spcBef>
+              <a:spcAft>
+                <a:spcPts val="600"/>
+              </a:spcAft>
+            </a:pPr>
+            <a:r>
+              <a:rPr lang="en-US" dirty="0">
+                <a:solidFill>
+                  <a:schemeClr val="accent1">
+                    <a:lumMod val="75000"/>
+                  </a:schemeClr>
+                </a:solidFill>
+              </a:rPr>
+              <a:t>Priority: </a:t>
+            </a:r>
+            <a:r>
+              <a:rPr lang="en-US" dirty="0"/>
+              <a:t>2</a:t>
+            </a:r>
+          </a:p>
+          <a:p>
+            <a:pPr>
+              <a:spcBef>
+                <a:spcPct val="20000"/>
+              </a:spcBef>
+              <a:spcAft>
+                <a:spcPts val="600"/>
+              </a:spcAft>
+            </a:pPr>
+            <a:endParaRPr lang="en-US" dirty="0">
+              <a:solidFill>
+                <a:schemeClr val="accent1">
+                  <a:lumMod val="75000"/>
+                </a:schemeClr>
+              </a:solidFill>
+            </a:endParaRPr>
+          </a:p>
+          <a:p>
+            <a:pPr>
+              <a:spcBef>
+                <a:spcPct val="20000"/>
+              </a:spcBef>
+              <a:spcAft>
+                <a:spcPts val="600"/>
+              </a:spcAft>
+            </a:pPr>
+            <a:r>
+              <a:rPr lang="en-US" dirty="0">
+                <a:solidFill>
+                  <a:schemeClr val="accent1">
+                    <a:lumMod val="75000"/>
+                  </a:schemeClr>
+                </a:solidFill>
+              </a:rPr>
               <a:t>Role:</a:t>
             </a:r>
           </a:p>
           <a:p>
-            <a:endParaRPr lang="en-US"/>
+            <a:pPr marL="285750" indent="-285750">
+              <a:spcBef>
+                <a:spcPct val="20000"/>
+              </a:spcBef>
+              <a:spcAft>
+                <a:spcPts val="600"/>
+              </a:spcAft>
+              <a:buFont typeface="Courier New"/>
+              <a:buChar char="o"/>
+            </a:pPr>
+            <a:r>
+              <a:rPr lang="en-US" dirty="0"/>
+              <a:t>Control item placement and interactions</a:t>
+            </a:r>
+          </a:p>
+          <a:p>
+            <a:pPr lvl="1" indent="-285750">
+              <a:spcBef>
+                <a:spcPct val="20000"/>
+              </a:spcBef>
+              <a:spcAft>
+                <a:spcPts val="600"/>
+              </a:spcAft>
+              <a:buFont typeface="Courier New"/>
+              <a:buChar char="o"/>
+            </a:pPr>
+            <a:r>
+              <a:rPr lang="en-US" dirty="0"/>
+              <a:t>Chalice</a:t>
+            </a:r>
+          </a:p>
+          <a:p>
+            <a:pPr lvl="1" indent="-285750">
+              <a:spcBef>
+                <a:spcPct val="20000"/>
+              </a:spcBef>
+              <a:spcAft>
+                <a:spcPts val="600"/>
+              </a:spcAft>
+              <a:buFont typeface="Courier New"/>
+              <a:buChar char="o"/>
+            </a:pPr>
+            <a:r>
+              <a:rPr lang="en-US" dirty="0"/>
+              <a:t>Key</a:t>
+            </a:r>
+          </a:p>
+          <a:p>
+            <a:pPr lvl="1" indent="-285750">
+              <a:spcBef>
+                <a:spcPct val="20000"/>
+              </a:spcBef>
+              <a:spcAft>
+                <a:spcPts val="600"/>
+              </a:spcAft>
+              <a:buFont typeface="Courier New"/>
+              <a:buChar char="o"/>
+            </a:pPr>
+            <a:r>
+              <a:rPr lang="en-US" dirty="0"/>
+              <a:t>Sword</a:t>
+            </a:r>
+          </a:p>
+          <a:p>
+            <a:pPr marL="285750" indent="-285750">
+              <a:spcBef>
+                <a:spcPct val="20000"/>
+              </a:spcBef>
+              <a:spcAft>
+                <a:spcPts val="600"/>
+              </a:spcAft>
+              <a:buFont typeface="Courier New"/>
+              <a:buChar char="o"/>
+            </a:pPr>
+            <a:r>
+              <a:rPr lang="en-US" dirty="0"/>
+              <a:t>Manage user-item/enemy-item/map-item interactions</a:t>
+            </a:r>
+          </a:p>
+          <a:p>
+            <a:pPr lvl="1" indent="-285750">
+              <a:spcBef>
+                <a:spcPct val="20000"/>
+              </a:spcBef>
+              <a:spcAft>
+                <a:spcPts val="600"/>
+              </a:spcAft>
+              <a:buFont typeface="Courier New"/>
+              <a:buChar char="o"/>
+            </a:pPr>
+            <a:r>
+              <a:rPr lang="en-US" dirty="0"/>
+              <a:t>Pick up item</a:t>
+            </a:r>
+          </a:p>
+          <a:p>
+            <a:pPr lvl="1" indent="-285750">
+              <a:spcBef>
+                <a:spcPct val="20000"/>
+              </a:spcBef>
+              <a:spcAft>
+                <a:spcPts val="600"/>
+              </a:spcAft>
+              <a:buFont typeface="Courier New"/>
+              <a:buChar char="o"/>
+            </a:pPr>
+            <a:r>
+              <a:rPr lang="en-US" dirty="0"/>
+              <a:t>Drop item</a:t>
+            </a:r>
+          </a:p>
+          <a:p>
+            <a:pPr lvl="1" indent="-285750">
+              <a:spcBef>
+                <a:spcPct val="20000"/>
+              </a:spcBef>
+              <a:spcAft>
+                <a:spcPts val="600"/>
+              </a:spcAft>
+              <a:buFont typeface="Courier New"/>
+              <a:buChar char="o"/>
+            </a:pPr>
+            <a:r>
+              <a:rPr lang="en-US" dirty="0"/>
+              <a:t>Use item (unlock door, attack enemy)</a:t>
+            </a:r>
+          </a:p>
+          <a:p>
+            <a:pPr marL="171450" lvl="1">
+              <a:spcBef>
+                <a:spcPct val="20000"/>
+              </a:spcBef>
+              <a:spcAft>
+                <a:spcPts val="600"/>
+              </a:spcAft>
+            </a:pPr>
+            <a:endParaRPr lang="en-US" dirty="0"/>
+          </a:p>
+          <a:p>
+            <a:pPr marL="171450" lvl="1">
+              <a:spcBef>
+                <a:spcPct val="20000"/>
+              </a:spcBef>
+              <a:spcAft>
+                <a:spcPts val="600"/>
+              </a:spcAft>
+            </a:pPr>
+            <a:endParaRPr lang="en-US" dirty="0"/>
           </a:p>
         </p:txBody>
       </p:sp>
@@ -9399,6 +9279,393 @@
     <p:extLst>
       <p:ext uri="{BB962C8B-B14F-4D97-AF65-F5344CB8AC3E}">
         <p14:creationId xmlns:p14="http://schemas.microsoft.com/office/powerpoint/2010/main" val="3889907452"/>
+      </p:ext>
+    </p:extLst>
+  </p:cSld>
+  <p:clrMapOvr>
+    <a:masterClrMapping/>
+  </p:clrMapOvr>
+</p:sld>
+</file>
+
+<file path=ppt/slides/slide2.xml><?xml version="1.0" encoding="utf-8"?>
+<p:sld xmlns:a="http://schemas.openxmlformats.org/drawingml/2006/main" xmlns:r="http://schemas.openxmlformats.org/officeDocument/2006/relationships" xmlns:p="http://schemas.openxmlformats.org/presentationml/2006/main">
+  <p:cSld>
+    <p:spTree>
+      <p:nvGrpSpPr>
+        <p:cNvPr id="1" name=""/>
+        <p:cNvGrpSpPr/>
+        <p:nvPr/>
+      </p:nvGrpSpPr>
+      <p:grpSpPr>
+        <a:xfrm>
+          <a:off x="0" y="0"/>
+          <a:ext cx="0" cy="0"/>
+          <a:chOff x="0" y="0"/>
+          <a:chExt cx="0" cy="0"/>
+        </a:xfrm>
+      </p:grpSpPr>
+      <p:sp>
+        <p:nvSpPr>
+          <p:cNvPr id="2" name="Title 1">
+            <a:extLst>
+              <a:ext uri="{FF2B5EF4-FFF2-40B4-BE49-F238E27FC236}">
+                <a16:creationId xmlns:a16="http://schemas.microsoft.com/office/drawing/2014/main" id="{59D2053B-3B08-4FC5-9C84-634719D44497}"/>
+              </a:ext>
+            </a:extLst>
+          </p:cNvPr>
+          <p:cNvSpPr>
+            <a:spLocks noGrp="1"/>
+          </p:cNvSpPr>
+          <p:nvPr>
+            <p:ph type="ctrTitle"/>
+          </p:nvPr>
+        </p:nvSpPr>
+        <p:spPr>
+          <a:xfrm>
+            <a:off x="1759276" y="882822"/>
+            <a:ext cx="8980202" cy="1043038"/>
+          </a:xfrm>
+        </p:spPr>
+        <p:txBody>
+          <a:bodyPr>
+            <a:normAutofit fontScale="90000"/>
+          </a:bodyPr>
+          <a:lstStyle/>
+          <a:p>
+            <a:r>
+              <a:rPr lang="en-US" dirty="0">
+                <a:solidFill>
+                  <a:schemeClr val="accent1">
+                    <a:lumMod val="75000"/>
+                  </a:schemeClr>
+                </a:solidFill>
+              </a:rPr>
+              <a:t>Virtual Reality,</a:t>
+            </a:r>
+            <a:br>
+              <a:rPr lang="en-US" dirty="0">
+                <a:solidFill>
+                  <a:schemeClr val="accent1">
+                    <a:lumMod val="75000"/>
+                  </a:schemeClr>
+                </a:solidFill>
+              </a:rPr>
+            </a:br>
+            <a:r>
+              <a:rPr lang="en-US" dirty="0">
+                <a:solidFill>
+                  <a:schemeClr val="accent1">
+                    <a:lumMod val="75000"/>
+                  </a:schemeClr>
+                </a:solidFill>
+              </a:rPr>
+              <a:t>A New Frontier </a:t>
+            </a:r>
+          </a:p>
+        </p:txBody>
+      </p:sp>
+      <p:pic>
+        <p:nvPicPr>
+          <p:cNvPr id="4" name="Picture 4" descr="A close up of a sign&#10;&#10;Description generated with very high confidence">
+            <a:extLst>
+              <a:ext uri="{FF2B5EF4-FFF2-40B4-BE49-F238E27FC236}">
+                <a16:creationId xmlns:a16="http://schemas.microsoft.com/office/drawing/2014/main" id="{B3B5CCD3-B535-488B-94C2-2086E3C7B5C9}"/>
+              </a:ext>
+            </a:extLst>
+          </p:cNvPr>
+          <p:cNvPicPr>
+            <a:picLocks noChangeAspect="1"/>
+          </p:cNvPicPr>
+          <p:nvPr/>
+        </p:nvPicPr>
+        <p:blipFill>
+          <a:blip r:embed="rId2"/>
+          <a:stretch>
+            <a:fillRect/>
+          </a:stretch>
+        </p:blipFill>
+        <p:spPr>
+          <a:xfrm>
+            <a:off x="1503" y="4426614"/>
+            <a:ext cx="2502114" cy="2499171"/>
+          </a:xfrm>
+          <a:prstGeom prst="rect">
+            <a:avLst/>
+          </a:prstGeom>
+        </p:spPr>
+      </p:pic>
+      <p:pic>
+        <p:nvPicPr>
+          <p:cNvPr id="6" name="Picture 6" descr="A person sitting at a table with a plate of food&#10;&#10;Description generated with very high confidence">
+            <a:extLst>
+              <a:ext uri="{FF2B5EF4-FFF2-40B4-BE49-F238E27FC236}">
+                <a16:creationId xmlns:a16="http://schemas.microsoft.com/office/drawing/2014/main" id="{8703F9F0-B7C5-4739-AE22-BFB3F259671B}"/>
+              </a:ext>
+            </a:extLst>
+          </p:cNvPr>
+          <p:cNvPicPr>
+            <a:picLocks noChangeAspect="1"/>
+          </p:cNvPicPr>
+          <p:nvPr/>
+        </p:nvPicPr>
+        <p:blipFill>
+          <a:blip r:embed="rId3"/>
+          <a:stretch>
+            <a:fillRect/>
+          </a:stretch>
+        </p:blipFill>
+        <p:spPr>
+          <a:xfrm>
+            <a:off x="4813145" y="1925096"/>
+            <a:ext cx="6923978" cy="3890614"/>
+          </a:xfrm>
+          <a:prstGeom prst="rect">
+            <a:avLst/>
+          </a:prstGeom>
+        </p:spPr>
+      </p:pic>
+    </p:spTree>
+    <p:extLst>
+      <p:ext uri="{BB962C8B-B14F-4D97-AF65-F5344CB8AC3E}">
+        <p14:creationId xmlns:p14="http://schemas.microsoft.com/office/powerpoint/2010/main" val="183180185"/>
+      </p:ext>
+    </p:extLst>
+  </p:cSld>
+  <p:clrMapOvr>
+    <a:masterClrMapping/>
+  </p:clrMapOvr>
+  <p:timing>
+    <p:tnLst>
+      <p:par>
+        <p:cTn id="1" dur="indefinite" restart="never" nodeType="tmRoot">
+          <p:childTnLst>
+            <p:seq concurrent="1" nextAc="seek">
+              <p:cTn id="2" dur="indefinite" nodeType="mainSeq">
+                <p:childTnLst>
+                  <p:par>
+                    <p:cTn id="3" fill="hold">
+                      <p:stCondLst>
+                        <p:cond delay="indefinite"/>
+                      </p:stCondLst>
+                      <p:childTnLst>
+                        <p:par>
+                          <p:cTn id="4" fill="hold">
+                            <p:stCondLst>
+                              <p:cond delay="0"/>
+                            </p:stCondLst>
+                            <p:childTnLst>
+                              <p:par>
+                                <p:cTn id="5" presetID="12" presetClass="entr" presetSubtype="4" fill="hold" nodeType="clickEffect">
+                                  <p:stCondLst>
+                                    <p:cond delay="0"/>
+                                  </p:stCondLst>
+                                  <p:childTnLst>
+                                    <p:set>
+                                      <p:cBhvr>
+                                        <p:cTn id="6" dur="1" fill="hold">
+                                          <p:stCondLst>
+                                            <p:cond delay="0"/>
+                                          </p:stCondLst>
+                                        </p:cTn>
+                                        <p:tgtEl>
+                                          <p:spTgt spid="6"/>
+                                        </p:tgtEl>
+                                        <p:attrNameLst>
+                                          <p:attrName>style.visibility</p:attrName>
+                                        </p:attrNameLst>
+                                      </p:cBhvr>
+                                      <p:to>
+                                        <p:strVal val="visible"/>
+                                      </p:to>
+                                    </p:set>
+                                    <p:anim calcmode="lin" valueType="num">
+                                      <p:cBhvr additive="base">
+                                        <p:cTn id="7" dur="500"/>
+                                        <p:tgtEl>
+                                          <p:spTgt spid="6"/>
+                                        </p:tgtEl>
+                                        <p:attrNameLst>
+                                          <p:attrName>ppt_y</p:attrName>
+                                        </p:attrNameLst>
+                                      </p:cBhvr>
+                                      <p:tavLst>
+                                        <p:tav tm="0">
+                                          <p:val>
+                                            <p:strVal val="#ppt_y+#ppt_h*1.125000"/>
+                                          </p:val>
+                                        </p:tav>
+                                        <p:tav tm="100000">
+                                          <p:val>
+                                            <p:strVal val="#ppt_y"/>
+                                          </p:val>
+                                        </p:tav>
+                                      </p:tavLst>
+                                    </p:anim>
+                                    <p:animEffect transition="in" filter="wipe(up)">
+                                      <p:cBhvr>
+                                        <p:cTn id="8" dur="500"/>
+                                        <p:tgtEl>
+                                          <p:spTgt spid="6"/>
+                                        </p:tgtEl>
+                                      </p:cBhvr>
+                                    </p:animEffect>
+                                  </p:childTnLst>
+                                </p:cTn>
+                              </p:par>
+                            </p:childTnLst>
+                          </p:cTn>
+                        </p:par>
+                      </p:childTnLst>
+                    </p:cTn>
+                  </p:par>
+                </p:childTnLst>
+              </p:cTn>
+              <p:prevCondLst>
+                <p:cond evt="onPrev" delay="0">
+                  <p:tgtEl>
+                    <p:sldTgt/>
+                  </p:tgtEl>
+                </p:cond>
+              </p:prevCondLst>
+              <p:nextCondLst>
+                <p:cond evt="onNext" delay="0">
+                  <p:tgtEl>
+                    <p:sldTgt/>
+                  </p:tgtEl>
+                </p:cond>
+              </p:nextCondLst>
+            </p:seq>
+          </p:childTnLst>
+        </p:cTn>
+      </p:par>
+    </p:tnLst>
+  </p:timing>
+</p:sld>
+</file>
+
+<file path=ppt/slides/slide20.xml><?xml version="1.0" encoding="utf-8"?>
+<p:sld xmlns:a="http://schemas.openxmlformats.org/drawingml/2006/main" xmlns:r="http://schemas.openxmlformats.org/officeDocument/2006/relationships" xmlns:p="http://schemas.openxmlformats.org/presentationml/2006/main">
+  <p:cSld>
+    <p:spTree>
+      <p:nvGrpSpPr>
+        <p:cNvPr id="1" name=""/>
+        <p:cNvGrpSpPr/>
+        <p:nvPr/>
+      </p:nvGrpSpPr>
+      <p:grpSpPr>
+        <a:xfrm>
+          <a:off x="0" y="0"/>
+          <a:ext cx="0" cy="0"/>
+          <a:chOff x="0" y="0"/>
+          <a:chExt cx="0" cy="0"/>
+        </a:xfrm>
+      </p:grpSpPr>
+      <p:sp>
+        <p:nvSpPr>
+          <p:cNvPr id="2" name="Title 1">
+            <a:extLst>
+              <a:ext uri="{FF2B5EF4-FFF2-40B4-BE49-F238E27FC236}">
+                <a16:creationId xmlns:a16="http://schemas.microsoft.com/office/drawing/2014/main" id="{59D2053B-3B08-4FC5-9C84-634719D44497}"/>
+              </a:ext>
+            </a:extLst>
+          </p:cNvPr>
+          <p:cNvSpPr>
+            <a:spLocks noGrp="1"/>
+          </p:cNvSpPr>
+          <p:nvPr>
+            <p:ph type="ctrTitle"/>
+          </p:nvPr>
+        </p:nvSpPr>
+        <p:spPr>
+          <a:xfrm>
+            <a:off x="3537619" y="767845"/>
+            <a:ext cx="8574622" cy="53550"/>
+          </a:xfrm>
+        </p:spPr>
+        <p:txBody>
+          <a:bodyPr>
+            <a:normAutofit fontScale="90000"/>
+          </a:bodyPr>
+          <a:lstStyle/>
+          <a:p>
+            <a:pPr algn="ctr"/>
+            <a:r>
+              <a:rPr lang="en-US">
+                <a:solidFill>
+                  <a:schemeClr val="accent1">
+                    <a:lumMod val="75000"/>
+                  </a:schemeClr>
+                </a:solidFill>
+              </a:rPr>
+              <a:t>Item Management</a:t>
+            </a:r>
+          </a:p>
+        </p:txBody>
+      </p:sp>
+      <p:pic>
+        <p:nvPicPr>
+          <p:cNvPr id="4" name="Picture 4" descr="A close up of a sign&#10;&#10;Description generated with very high confidence">
+            <a:extLst>
+              <a:ext uri="{FF2B5EF4-FFF2-40B4-BE49-F238E27FC236}">
+                <a16:creationId xmlns:a16="http://schemas.microsoft.com/office/drawing/2014/main" id="{B3B5CCD3-B535-488B-94C2-2086E3C7B5C9}"/>
+              </a:ext>
+            </a:extLst>
+          </p:cNvPr>
+          <p:cNvPicPr>
+            <a:picLocks noChangeAspect="1"/>
+          </p:cNvPicPr>
+          <p:nvPr/>
+        </p:nvPicPr>
+        <p:blipFill>
+          <a:blip r:embed="rId2"/>
+          <a:stretch>
+            <a:fillRect/>
+          </a:stretch>
+        </p:blipFill>
+        <p:spPr>
+          <a:xfrm>
+            <a:off x="1503" y="4426614"/>
+            <a:ext cx="2502114" cy="2499171"/>
+          </a:xfrm>
+          <a:prstGeom prst="rect">
+            <a:avLst/>
+          </a:prstGeom>
+        </p:spPr>
+      </p:pic>
+      <p:pic>
+        <p:nvPicPr>
+          <p:cNvPr id="5" name="Picture 5" descr="A close up of text on a white background&#10;&#10;Description generated with high confidence">
+            <a:extLst>
+              <a:ext uri="{FF2B5EF4-FFF2-40B4-BE49-F238E27FC236}">
+                <a16:creationId xmlns:a16="http://schemas.microsoft.com/office/drawing/2014/main" id="{34EA9E3B-2E7C-4D60-AC0A-CDE4DB186C31}"/>
+              </a:ext>
+            </a:extLst>
+          </p:cNvPr>
+          <p:cNvPicPr>
+            <a:picLocks noChangeAspect="1"/>
+          </p:cNvPicPr>
+          <p:nvPr/>
+        </p:nvPicPr>
+        <p:blipFill rotWithShape="1">
+          <a:blip r:embed="rId3"/>
+          <a:srcRect l="193" t="10837" r="11412" b="12315"/>
+          <a:stretch/>
+        </p:blipFill>
+        <p:spPr>
+          <a:xfrm>
+            <a:off x="3457579" y="884153"/>
+            <a:ext cx="8734400" cy="5973015"/>
+          </a:xfrm>
+          <a:prstGeom prst="rect">
+            <a:avLst/>
+          </a:prstGeom>
+        </p:spPr>
+      </p:pic>
+    </p:spTree>
+    <p:extLst>
+      <p:ext uri="{BB962C8B-B14F-4D97-AF65-F5344CB8AC3E}">
+        <p14:creationId xmlns:p14="http://schemas.microsoft.com/office/powerpoint/2010/main" val="1013148449"/>
       </p:ext>
     </p:extLst>
   </p:cSld>
@@ -9443,7 +9710,7 @@
         </p:nvSpPr>
         <p:spPr>
           <a:xfrm>
-            <a:off x="3040460" y="1985186"/>
+            <a:off x="3755997" y="1492674"/>
             <a:ext cx="8574622" cy="53550"/>
           </a:xfrm>
         </p:spPr>
@@ -9512,13 +9779,13 @@
           <p:nvPr>
             <p:extLst>
               <p:ext uri="{D42A27DB-BD31-4B8C-83A1-F6EECF244321}">
-                <p14:modId xmlns:p14="http://schemas.microsoft.com/office/powerpoint/2010/main" val="2768810942"/>
+                <p14:modId xmlns:p14="http://schemas.microsoft.com/office/powerpoint/2010/main" val="910850822"/>
               </p:ext>
             </p:extLst>
           </p:nvPr>
         </p:nvGraphicFramePr>
         <p:xfrm>
-          <a:off x="3829240" y="1429701"/>
+          <a:off x="4070194" y="1626218"/>
           <a:ext cx="7652097" cy="3621971"/>
         </p:xfrm>
         <a:graphic>
@@ -9558,12 +9825,12 @@
                     <a:p>
                       <a:pPr fontAlgn="base"/>
                       <a:r>
-                        <a:rPr lang="en-US">
+                        <a:rPr lang="en-US" dirty="0">
                           <a:effectLst/>
                         </a:rPr>
                         <a:t>Task​​</a:t>
                       </a:r>
-                      <a:endParaRPr lang="en-US" b="1">
+                      <a:endParaRPr lang="en-US" b="1" dirty="0">
                         <a:solidFill>
                           <a:srgbClr val="FFFFFF"/>
                         </a:solidFill>
@@ -9580,24 +9847,24 @@
                     <a:p>
                       <a:pPr fontAlgn="base"/>
                       <a:r>
-                        <a:rPr lang="en-US">
+                        <a:rPr lang="en-US" dirty="0">
                           <a:effectLst/>
                         </a:rPr>
                         <a:t>Duration (</a:t>
                       </a:r>
                       <a:r>
-                        <a:rPr lang="en-US" err="1">
+                        <a:rPr lang="en-US" dirty="0" err="1">
                           <a:effectLst/>
                         </a:rPr>
                         <a:t>PWks</a:t>
                       </a:r>
                       <a:r>
-                        <a:rPr lang="en-US">
+                        <a:rPr lang="en-US" dirty="0">
                           <a:effectLst/>
                         </a:rPr>
                         <a:t>)​​</a:t>
                       </a:r>
-                      <a:endParaRPr lang="en-US" b="1">
+                      <a:endParaRPr lang="en-US" b="1" dirty="0">
                         <a:solidFill>
                           <a:srgbClr val="FFFFFF"/>
                         </a:solidFill>
@@ -9614,12 +9881,12 @@
                     <a:p>
                       <a:pPr fontAlgn="base"/>
                       <a:r>
-                        <a:rPr lang="en-US">
+                        <a:rPr lang="en-US" dirty="0">
                           <a:effectLst/>
                         </a:rPr>
                         <a:t>Predecessor Task(s)​​</a:t>
                       </a:r>
-                      <a:endParaRPr lang="en-US" b="1">
+                      <a:endParaRPr lang="en-US" b="1" dirty="0">
                         <a:solidFill>
                           <a:srgbClr val="FFFFFF"/>
                         </a:solidFill>
@@ -9643,7 +9910,7 @@
                     <a:p>
                       <a:pPr fontAlgn="base"/>
                       <a:r>
-                        <a:rPr lang="en-US">
+                        <a:rPr lang="en-US" dirty="0">
                           <a:effectLst/>
                         </a:rPr>
                         <a:t>1.  Requirements Collection​​</a:t>
@@ -9659,10 +9926,10 @@
                     <a:p>
                       <a:pPr fontAlgn="base"/>
                       <a:r>
-                        <a:rPr lang="en-US"/>
+                        <a:rPr lang="en-US" dirty="0"/>
                         <a:t>3</a:t>
                       </a:r>
-                      <a:endParaRPr lang="en-US">
+                      <a:endParaRPr lang="en-US" dirty="0">
                         <a:effectLst/>
                       </a:endParaRPr>
                     </a:p>
@@ -9676,7 +9943,7 @@
                     <a:p>
                       <a:pPr fontAlgn="base"/>
                       <a:r>
-                        <a:rPr lang="en-US">
+                        <a:rPr lang="en-US" dirty="0">
                           <a:effectLst/>
                         </a:rPr>
                         <a:t>-​​</a:t>
@@ -9698,16 +9965,16 @@
                     <a:lstStyle/>
                     <a:p>
                       <a:r>
-                        <a:rPr lang="en-US">
+                        <a:rPr lang="en-US" dirty="0">
                           <a:effectLst/>
                         </a:rPr>
                         <a:t>2.  ​​</a:t>
                       </a:r>
                       <a:r>
-                        <a:rPr lang="en-US"/>
+                        <a:rPr lang="en-US" dirty="0"/>
                         <a:t>Function Definitions</a:t>
                       </a:r>
-                      <a:endParaRPr lang="en-US">
+                      <a:endParaRPr lang="en-US" dirty="0">
                         <a:effectLst/>
                       </a:endParaRPr>
                     </a:p>
@@ -9721,10 +9988,10 @@
                     <a:p>
                       <a:pPr fontAlgn="base"/>
                       <a:r>
-                        <a:rPr lang="en-US"/>
+                        <a:rPr lang="en-US" dirty="0"/>
                         <a:t>2</a:t>
                       </a:r>
-                      <a:endParaRPr lang="en-US">
+                      <a:endParaRPr lang="en-US" dirty="0">
                         <a:effectLst/>
                       </a:endParaRPr>
                     </a:p>
@@ -9738,7 +10005,7 @@
                     <a:p>
                       <a:pPr fontAlgn="base"/>
                       <a:r>
-                        <a:rPr lang="en-US">
+                        <a:rPr lang="en-US" dirty="0">
                           <a:effectLst/>
                         </a:rPr>
                         <a:t>1​​</a:t>
@@ -9760,16 +10027,16 @@
                     <a:lstStyle/>
                     <a:p>
                       <a:r>
-                        <a:rPr lang="en-US">
+                        <a:rPr lang="en-US" dirty="0">
                           <a:effectLst/>
                         </a:rPr>
                         <a:t>3.  ​​</a:t>
                       </a:r>
                       <a:r>
-                        <a:rPr lang="en-US"/>
+                        <a:rPr lang="en-US" dirty="0"/>
                         <a:t>User Documentation</a:t>
                       </a:r>
-                      <a:endParaRPr lang="en-US">
+                      <a:endParaRPr lang="en-US" dirty="0">
                         <a:effectLst/>
                       </a:endParaRPr>
                     </a:p>
@@ -9783,10 +10050,10 @@
                     <a:p>
                       <a:pPr fontAlgn="base"/>
                       <a:r>
-                        <a:rPr lang="en-US"/>
+                        <a:rPr lang="en-US" dirty="0"/>
                         <a:t>1</a:t>
                       </a:r>
-                      <a:endParaRPr lang="en-US">
+                      <a:endParaRPr lang="en-US" dirty="0">
                         <a:effectLst/>
                       </a:endParaRPr>
                     </a:p>
@@ -9800,10 +10067,10 @@
                     <a:p>
                       <a:pPr fontAlgn="base"/>
                       <a:r>
-                        <a:rPr lang="en-US"/>
+                        <a:rPr lang="en-US" dirty="0"/>
                         <a:t>1</a:t>
                       </a:r>
-                      <a:endParaRPr lang="en-US">
+                      <a:endParaRPr lang="en-US" dirty="0">
                         <a:effectLst/>
                       </a:endParaRPr>
                     </a:p>
@@ -9823,16 +10090,16 @@
                     <a:lstStyle/>
                     <a:p>
                       <a:r>
-                        <a:rPr lang="en-US">
+                        <a:rPr lang="en-US" dirty="0">
                           <a:effectLst/>
                         </a:rPr>
                         <a:t>4.</a:t>
                       </a:r>
                       <a:r>
-                        <a:rPr lang="en-US"/>
+                        <a:rPr lang="en-US" dirty="0"/>
                         <a:t>  Programming</a:t>
                       </a:r>
-                      <a:endParaRPr lang="en-US">
+                      <a:endParaRPr lang="en-US" dirty="0">
                         <a:effectLst/>
                       </a:endParaRPr>
                     </a:p>
@@ -9846,7 +10113,7 @@
                     <a:p>
                       <a:pPr fontAlgn="base"/>
                       <a:r>
-                        <a:rPr lang="en-US">
+                        <a:rPr lang="en-US" dirty="0">
                           <a:effectLst/>
                         </a:rPr>
                         <a:t>3​​</a:t>
@@ -9862,11 +10129,11 @@
                     <a:p>
                       <a:pPr fontAlgn="base"/>
                       <a:r>
-                        <a:rPr lang="en-US"/>
+                        <a:rPr lang="en-US" dirty="0"/>
                         <a:t>2,3</a:t>
                       </a:r>
                       <a:r>
-                        <a:rPr lang="en-US">
+                        <a:rPr lang="en-US" dirty="0">
                           <a:effectLst/>
                         </a:rPr>
                         <a:t>​​</a:t>
@@ -9888,16 +10155,16 @@
                     <a:lstStyle/>
                     <a:p>
                       <a:r>
-                        <a:rPr lang="en-US">
+                        <a:rPr lang="en-US" dirty="0">
                           <a:effectLst/>
                         </a:rPr>
                         <a:t>5.</a:t>
                       </a:r>
                       <a:r>
-                        <a:rPr lang="en-US"/>
+                        <a:rPr lang="en-US" dirty="0"/>
                         <a:t>  Testing</a:t>
                       </a:r>
-                      <a:endParaRPr lang="en-US">
+                      <a:endParaRPr lang="en-US" dirty="0">
                         <a:effectLst/>
                       </a:endParaRPr>
                     </a:p>
@@ -9911,7 +10178,7 @@
                     <a:p>
                       <a:pPr fontAlgn="base"/>
                       <a:r>
-                        <a:rPr lang="en-US">
+                        <a:rPr lang="en-US" dirty="0">
                           <a:effectLst/>
                         </a:rPr>
                         <a:t>2​​</a:t>
@@ -9927,7 +10194,7 @@
                     <a:p>
                       <a:pPr fontAlgn="base"/>
                       <a:r>
-                        <a:rPr lang="en-US">
+                        <a:rPr lang="en-US" dirty="0">
                           <a:effectLst/>
                         </a:rPr>
                         <a:t>4​​</a:t>
@@ -9949,16 +10216,16 @@
                     <a:lstStyle/>
                     <a:p>
                       <a:r>
-                        <a:rPr lang="en-US">
+                        <a:rPr lang="en-US" dirty="0">
                           <a:effectLst/>
                         </a:rPr>
                         <a:t>6.</a:t>
                       </a:r>
                       <a:r>
-                        <a:rPr lang="en-US"/>
+                        <a:rPr lang="en-US" dirty="0"/>
                         <a:t>  Installation</a:t>
                       </a:r>
-                      <a:endParaRPr lang="en-US">
+                      <a:endParaRPr lang="en-US" dirty="0">
                         <a:effectLst/>
                       </a:endParaRPr>
                     </a:p>
@@ -9972,7 +10239,7 @@
                     <a:p>
                       <a:pPr fontAlgn="base"/>
                       <a:r>
-                        <a:rPr lang="en-US">
+                        <a:rPr lang="en-US" dirty="0">
                           <a:effectLst/>
                         </a:rPr>
                         <a:t>2​​</a:t>
@@ -9988,11 +10255,11 @@
                     <a:p>
                       <a:pPr fontAlgn="base"/>
                       <a:r>
-                        <a:rPr lang="en-US"/>
+                        <a:rPr lang="en-US" dirty="0"/>
                         <a:t>5</a:t>
                       </a:r>
                       <a:r>
-                        <a:rPr lang="en-US">
+                        <a:rPr lang="en-US" dirty="0">
                           <a:effectLst/>
                         </a:rPr>
                         <a:t>​​</a:t>
@@ -10025,6 +10292,142 @@
 </file>
 
 <file path=ppt/slides/slide22.xml><?xml version="1.0" encoding="utf-8"?>
+<p:sld xmlns:a="http://schemas.openxmlformats.org/drawingml/2006/main" xmlns:r="http://schemas.openxmlformats.org/officeDocument/2006/relationships" xmlns:p="http://schemas.openxmlformats.org/presentationml/2006/main">
+  <p:cSld>
+    <p:spTree>
+      <p:nvGrpSpPr>
+        <p:cNvPr id="1" name=""/>
+        <p:cNvGrpSpPr/>
+        <p:nvPr/>
+      </p:nvGrpSpPr>
+      <p:grpSpPr>
+        <a:xfrm>
+          <a:off x="0" y="0"/>
+          <a:ext cx="0" cy="0"/>
+          <a:chOff x="0" y="0"/>
+          <a:chExt cx="0" cy="0"/>
+        </a:xfrm>
+      </p:grpSpPr>
+      <p:sp>
+        <p:nvSpPr>
+          <p:cNvPr id="2" name="Title 1">
+            <a:extLst>
+              <a:ext uri="{FF2B5EF4-FFF2-40B4-BE49-F238E27FC236}">
+                <a16:creationId xmlns:a16="http://schemas.microsoft.com/office/drawing/2014/main" id="{59D2053B-3B08-4FC5-9C84-634719D44497}"/>
+              </a:ext>
+            </a:extLst>
+          </p:cNvPr>
+          <p:cNvSpPr>
+            <a:spLocks noGrp="1"/>
+          </p:cNvSpPr>
+          <p:nvPr>
+            <p:ph type="ctrTitle"/>
+          </p:nvPr>
+        </p:nvSpPr>
+        <p:spPr>
+          <a:xfrm>
+            <a:off x="2957156" y="1811389"/>
+            <a:ext cx="8574622" cy="53550"/>
+          </a:xfrm>
+        </p:spPr>
+        <p:txBody>
+          <a:bodyPr>
+            <a:normAutofit fontScale="90000"/>
+          </a:bodyPr>
+          <a:lstStyle/>
+          <a:p>
+            <a:pPr algn="ctr"/>
+            <a:r>
+              <a:rPr lang="en-US" dirty="0">
+                <a:solidFill>
+                  <a:schemeClr val="accent1">
+                    <a:lumMod val="75000"/>
+                  </a:schemeClr>
+                </a:solidFill>
+              </a:rPr>
+              <a:t>Item Management</a:t>
+            </a:r>
+          </a:p>
+        </p:txBody>
+      </p:sp>
+      <p:sp>
+        <p:nvSpPr>
+          <p:cNvPr id="3" name="Subtitle 2">
+            <a:extLst>
+              <a:ext uri="{FF2B5EF4-FFF2-40B4-BE49-F238E27FC236}">
+                <a16:creationId xmlns:a16="http://schemas.microsoft.com/office/drawing/2014/main" id="{4A3C2BE8-C9F0-4C1D-B6F4-0E7F68071EE3}"/>
+              </a:ext>
+            </a:extLst>
+          </p:cNvPr>
+          <p:cNvSpPr>
+            <a:spLocks noGrp="1"/>
+          </p:cNvSpPr>
+          <p:nvPr>
+            <p:ph type="subTitle" idx="1"/>
+          </p:nvPr>
+        </p:nvSpPr>
+        <p:spPr>
+          <a:xfrm>
+            <a:off x="3746436" y="2440702"/>
+            <a:ext cx="6987645" cy="1388534"/>
+          </a:xfrm>
+        </p:spPr>
+        <p:txBody>
+          <a:bodyPr/>
+          <a:lstStyle/>
+          <a:p>
+            <a:pPr algn="ctr"/>
+            <a:r>
+              <a:rPr lang="en-US" sz="4800"/>
+              <a:t>Questions?</a:t>
+            </a:r>
+          </a:p>
+        </p:txBody>
+      </p:sp>
+      <p:pic>
+        <p:nvPicPr>
+          <p:cNvPr id="4" name="Picture 4" descr="A close up of a sign&#10;&#10;Description generated with very high confidence">
+            <a:extLst>
+              <a:ext uri="{FF2B5EF4-FFF2-40B4-BE49-F238E27FC236}">
+                <a16:creationId xmlns:a16="http://schemas.microsoft.com/office/drawing/2014/main" id="{B3B5CCD3-B535-488B-94C2-2086E3C7B5C9}"/>
+              </a:ext>
+            </a:extLst>
+          </p:cNvPr>
+          <p:cNvPicPr>
+            <a:picLocks noChangeAspect="1"/>
+          </p:cNvPicPr>
+          <p:nvPr/>
+        </p:nvPicPr>
+        <p:blipFill>
+          <a:blip r:embed="rId2"/>
+          <a:stretch>
+            <a:fillRect/>
+          </a:stretch>
+        </p:blipFill>
+        <p:spPr>
+          <a:xfrm>
+            <a:off x="1503" y="4426614"/>
+            <a:ext cx="2502114" cy="2499171"/>
+          </a:xfrm>
+          <a:prstGeom prst="rect">
+            <a:avLst/>
+          </a:prstGeom>
+        </p:spPr>
+      </p:pic>
+    </p:spTree>
+    <p:extLst>
+      <p:ext uri="{BB962C8B-B14F-4D97-AF65-F5344CB8AC3E}">
+        <p14:creationId xmlns:p14="http://schemas.microsoft.com/office/powerpoint/2010/main" val="3041654240"/>
+      </p:ext>
+    </p:extLst>
+  </p:cSld>
+  <p:clrMapOvr>
+    <a:masterClrMapping/>
+  </p:clrMapOvr>
+</p:sld>
+</file>
+
+<file path=ppt/slides/slide23.xml><?xml version="1.0" encoding="utf-8"?>
 <p:sld xmlns:a="http://schemas.openxmlformats.org/drawingml/2006/main" xmlns:r="http://schemas.openxmlformats.org/officeDocument/2006/relationships" xmlns:p="http://schemas.openxmlformats.org/presentationml/2006/main">
   <p:cSld>
     <p:spTree>
@@ -10148,7 +10551,7 @@
               <a:buChar char="•"/>
             </a:pPr>
             <a:r>
-              <a:rPr lang="en-US" sz="2200"/>
+              <a:rPr lang="en-US" sz="2200" dirty="0"/>
               <a:t>Priority Level: 3</a:t>
             </a:r>
           </a:p>
@@ -10165,7 +10568,7 @@
               <a:buChar char="•"/>
             </a:pPr>
             <a:r>
-              <a:rPr lang="en-US" sz="2200"/>
+              <a:rPr lang="en-US" sz="2200" dirty="0"/>
               <a:t>Role of the Menu:</a:t>
             </a:r>
           </a:p>
@@ -10175,7 +10578,7 @@
               <a:buChar char="•"/>
             </a:pPr>
             <a:r>
-              <a:rPr lang="en-US" sz="2200"/>
+              <a:rPr lang="en-US" sz="2200" dirty="0"/>
               <a:t>Take user input and translate that into something the game can use</a:t>
             </a:r>
           </a:p>
@@ -10185,8 +10588,8 @@
               <a:buChar char="•"/>
             </a:pPr>
             <a:r>
-              <a:rPr lang="en-US" sz="2200"/>
-              <a:t>Create a customizeable/unique user experience</a:t>
+              <a:rPr lang="en-US" sz="2200" dirty="0"/>
+              <a:t>Create a customizable/unique user experience</a:t>
             </a:r>
           </a:p>
           <a:p>
@@ -10211,7 +10614,7 @@
 </p:sld>
 </file>
 
-<file path=ppt/slides/slide23.xml><?xml version="1.0" encoding="utf-8"?>
+<file path=ppt/slides/slide24.xml><?xml version="1.0" encoding="utf-8"?>
 <p:sld xmlns:a="http://schemas.openxmlformats.org/drawingml/2006/main" xmlns:r="http://schemas.openxmlformats.org/officeDocument/2006/relationships" xmlns:p="http://schemas.openxmlformats.org/presentationml/2006/main">
   <p:cSld>
     <p:spTree>
@@ -10343,7 +10746,7 @@
 </p:sld>
 </file>
 
-<file path=ppt/slides/slide24.xml><?xml version="1.0" encoding="utf-8"?>
+<file path=ppt/slides/slide25.xml><?xml version="1.0" encoding="utf-8"?>
 <p:sld xmlns:a="http://schemas.openxmlformats.org/drawingml/2006/main" xmlns:r="http://schemas.openxmlformats.org/officeDocument/2006/relationships" xmlns:p="http://schemas.openxmlformats.org/presentationml/2006/main">
   <p:cSld>
     <p:spTree>
@@ -10378,7 +10781,7 @@
         </p:nvSpPr>
         <p:spPr>
           <a:xfrm>
-            <a:off x="2928401" y="1380068"/>
+            <a:off x="4610377" y="1463702"/>
             <a:ext cx="8574622" cy="29282"/>
           </a:xfrm>
         </p:spPr>
@@ -10447,13 +10850,13 @@
           <p:nvPr>
             <p:extLst>
               <p:ext uri="{D42A27DB-BD31-4B8C-83A1-F6EECF244321}">
-                <p14:modId xmlns:p14="http://schemas.microsoft.com/office/powerpoint/2010/main" val="1696089510"/>
+                <p14:modId xmlns:p14="http://schemas.microsoft.com/office/powerpoint/2010/main" val="1771890527"/>
               </p:ext>
             </p:extLst>
           </p:nvPr>
         </p:nvGraphicFramePr>
         <p:xfrm>
-          <a:off x="5439833" y="1555750"/>
+          <a:off x="5402662" y="1555750"/>
           <a:ext cx="6782683" cy="5301797"/>
         </p:xfrm>
         <a:graphic>
@@ -10497,7 +10900,7 @@
                         </a:spcAft>
                       </a:pPr>
                       <a:r>
-                        <a:rPr lang="en-US">
+                        <a:rPr lang="en-US" dirty="0">
                           <a:effectLst/>
                         </a:rPr>
                         <a:t>Task</a:t>
@@ -10517,10 +10920,22 @@
                         </a:spcAft>
                       </a:pPr>
                       <a:r>
-                        <a:rPr lang="en-US">
+                        <a:rPr lang="en-US" dirty="0">
                           <a:effectLst/>
                         </a:rPr>
-                        <a:t>Duration (PHrs)</a:t>
+                        <a:t>Duration (</a:t>
+                      </a:r>
+                      <a:r>
+                        <a:rPr lang="en-US" dirty="0" err="1">
+                          <a:effectLst/>
+                        </a:rPr>
+                        <a:t>PHrs</a:t>
+                      </a:r>
+                      <a:r>
+                        <a:rPr lang="en-US" dirty="0">
+                          <a:effectLst/>
+                        </a:rPr>
+                        <a:t>)</a:t>
                       </a:r>
                     </a:p>
                   </a:txBody>
@@ -10537,7 +10952,7 @@
                         </a:spcAft>
                       </a:pPr>
                       <a:r>
-                        <a:rPr lang="en-US">
+                        <a:rPr lang="en-US" dirty="0">
                           <a:effectLst/>
                         </a:rPr>
                         <a:t>Predecessor Task(s)</a:t>
@@ -10564,10 +10979,20 @@
                         </a:spcAft>
                       </a:pPr>
                       <a:r>
-                        <a:rPr lang="en-US">
+                        <a:rPr lang="en-US" dirty="0">
                           <a:effectLst/>
                         </a:rPr>
-                        <a:t>1.  Define Settings</a:t>
+                        <a:t>1.</a:t>
+                      </a:r>
+                      <a:r>
+                        <a:rPr lang="en-US" dirty="0"/>
+                        <a:t> </a:t>
+                      </a:r>
+                      <a:r>
+                        <a:rPr lang="en-US" dirty="0">
+                          <a:effectLst/>
+                        </a:rPr>
+                        <a:t> Define Settings</a:t>
                       </a:r>
                     </a:p>
                   </a:txBody>
@@ -10584,7 +11009,7 @@
                         </a:spcAft>
                       </a:pPr>
                       <a:r>
-                        <a:rPr lang="en-US">
+                        <a:rPr lang="en-US" dirty="0">
                           <a:effectLst/>
                         </a:rPr>
                         <a:t>1</a:t>
@@ -10604,7 +11029,7 @@
                         </a:spcAft>
                       </a:pPr>
                       <a:r>
-                        <a:rPr lang="en-US">
+                        <a:rPr lang="en-US" dirty="0">
                           <a:effectLst/>
                         </a:rPr>
                         <a:t>-</a:t>
@@ -10631,10 +11056,20 @@
                         </a:spcAft>
                       </a:pPr>
                       <a:r>
-                        <a:rPr lang="en-US">
+                        <a:rPr lang="en-US" dirty="0">
                           <a:effectLst/>
                         </a:rPr>
-                        <a:t>2.  Menu Layout</a:t>
+                        <a:t>2.</a:t>
+                      </a:r>
+                      <a:r>
+                        <a:rPr lang="en-US" dirty="0"/>
+                        <a:t> </a:t>
+                      </a:r>
+                      <a:r>
+                        <a:rPr lang="en-US" dirty="0">
+                          <a:effectLst/>
+                        </a:rPr>
+                        <a:t> Menu Layout</a:t>
                       </a:r>
                     </a:p>
                   </a:txBody>
@@ -10651,7 +11086,7 @@
                         </a:spcAft>
                       </a:pPr>
                       <a:r>
-                        <a:rPr lang="en-US">
+                        <a:rPr lang="en-US" dirty="0">
                           <a:effectLst/>
                         </a:rPr>
                         <a:t>1</a:t>
@@ -10671,7 +11106,7 @@
                         </a:spcAft>
                       </a:pPr>
                       <a:r>
-                        <a:rPr lang="en-US">
+                        <a:rPr lang="en-US" dirty="0">
                           <a:effectLst/>
                         </a:rPr>
                         <a:t>1</a:t>
@@ -10698,10 +11133,20 @@
                         </a:spcAft>
                       </a:pPr>
                       <a:r>
-                        <a:rPr lang="en-US">
+                        <a:rPr lang="en-US" dirty="0">
                           <a:effectLst/>
                         </a:rPr>
-                        <a:t>3.  Create Main Menu</a:t>
+                        <a:t>3.</a:t>
+                      </a:r>
+                      <a:r>
+                        <a:rPr lang="en-US" dirty="0"/>
+                        <a:t> </a:t>
+                      </a:r>
+                      <a:r>
+                        <a:rPr lang="en-US" dirty="0">
+                          <a:effectLst/>
+                        </a:rPr>
+                        <a:t> Create Main Menu</a:t>
                       </a:r>
                     </a:p>
                   </a:txBody>
@@ -10718,7 +11163,7 @@
                         </a:spcAft>
                       </a:pPr>
                       <a:r>
-                        <a:rPr lang="en-US">
+                        <a:rPr lang="en-US" dirty="0">
                           <a:effectLst/>
                         </a:rPr>
                         <a:t>5</a:t>
@@ -10738,7 +11183,7 @@
                         </a:spcAft>
                       </a:pPr>
                       <a:r>
-                        <a:rPr lang="en-US">
+                        <a:rPr lang="en-US" dirty="0">
                           <a:effectLst/>
                         </a:rPr>
                         <a:t>1,2</a:t>
@@ -10765,10 +11210,20 @@
                         </a:spcAft>
                       </a:pPr>
                       <a:r>
-                        <a:rPr lang="en-US">
+                        <a:rPr lang="en-US" dirty="0">
                           <a:effectLst/>
                         </a:rPr>
-                        <a:t>4.  Create Scene Switcher</a:t>
+                        <a:t>4.</a:t>
+                      </a:r>
+                      <a:r>
+                        <a:rPr lang="en-US" dirty="0"/>
+                        <a:t> </a:t>
+                      </a:r>
+                      <a:r>
+                        <a:rPr lang="en-US" dirty="0">
+                          <a:effectLst/>
+                        </a:rPr>
+                        <a:t> Create Scene Switcher</a:t>
                       </a:r>
                     </a:p>
                   </a:txBody>
@@ -10785,7 +11240,7 @@
                         </a:spcAft>
                       </a:pPr>
                       <a:r>
-                        <a:rPr lang="en-US">
+                        <a:rPr lang="en-US" dirty="0">
                           <a:effectLst/>
                         </a:rPr>
                         <a:t>1</a:t>
@@ -10805,7 +11260,7 @@
                         </a:spcAft>
                       </a:pPr>
                       <a:r>
-                        <a:rPr lang="en-US">
+                        <a:rPr lang="en-US" dirty="0">
                           <a:effectLst/>
                         </a:rPr>
                         <a:t>3</a:t>
@@ -10832,10 +11287,20 @@
                         </a:spcAft>
                       </a:pPr>
                       <a:r>
-                        <a:rPr lang="en-US">
+                        <a:rPr lang="en-US" dirty="0">
                           <a:effectLst/>
                         </a:rPr>
-                        <a:t>5.  Create Buttons</a:t>
+                        <a:t>5.</a:t>
+                      </a:r>
+                      <a:r>
+                        <a:rPr lang="en-US" dirty="0"/>
+                        <a:t> </a:t>
+                      </a:r>
+                      <a:r>
+                        <a:rPr lang="en-US" dirty="0">
+                          <a:effectLst/>
+                        </a:rPr>
+                        <a:t> Create Buttons</a:t>
                       </a:r>
                     </a:p>
                   </a:txBody>
@@ -10852,7 +11317,7 @@
                         </a:spcAft>
                       </a:pPr>
                       <a:r>
-                        <a:rPr lang="en-US">
+                        <a:rPr lang="en-US" dirty="0">
                           <a:effectLst/>
                         </a:rPr>
                         <a:t>6</a:t>
@@ -10872,7 +11337,7 @@
                         </a:spcAft>
                       </a:pPr>
                       <a:r>
-                        <a:rPr lang="en-US">
+                        <a:rPr lang="en-US" dirty="0">
                           <a:effectLst/>
                         </a:rPr>
                         <a:t>3</a:t>
@@ -10899,10 +11364,20 @@
                         </a:spcAft>
                       </a:pPr>
                       <a:r>
-                        <a:rPr lang="en-US">
+                        <a:rPr lang="en-US" dirty="0">
                           <a:effectLst/>
                         </a:rPr>
-                        <a:t>6.  Create Options Menu</a:t>
+                        <a:t>6.</a:t>
+                      </a:r>
+                      <a:r>
+                        <a:rPr lang="en-US" dirty="0"/>
+                        <a:t> </a:t>
+                      </a:r>
+                      <a:r>
+                        <a:rPr lang="en-US" dirty="0">
+                          <a:effectLst/>
+                        </a:rPr>
+                        <a:t> Create Options Menu</a:t>
                       </a:r>
                     </a:p>
                   </a:txBody>
@@ -10919,11 +11394,12 @@
                         </a:spcAft>
                       </a:pPr>
                       <a:r>
-                        <a:rPr lang="en-US">
-                          <a:effectLst/>
-                        </a:rPr>
-                        <a:t>18</a:t>
-                      </a:r>
+                        <a:rPr lang="en-US"/>
+                        <a:t>1</a:t>
+                      </a:r>
+                      <a:endParaRPr lang="en-US">
+                        <a:effectLst/>
+                      </a:endParaRPr>
                     </a:p>
                   </a:txBody>
                   <a:tcPr/>
@@ -10939,10 +11415,10 @@
                         </a:spcAft>
                       </a:pPr>
                       <a:r>
-                        <a:rPr lang="en-US"/>
+                        <a:rPr lang="en-US" dirty="0"/>
                         <a:t>3</a:t>
                       </a:r>
-                      <a:endParaRPr lang="en-US">
+                      <a:endParaRPr lang="en-US" dirty="0">
                         <a:effectLst/>
                       </a:endParaRPr>
                     </a:p>
@@ -10967,10 +11443,20 @@
                         </a:spcAft>
                       </a:pPr>
                       <a:r>
-                        <a:rPr lang="en-US">
+                        <a:rPr lang="en-US" dirty="0">
                           <a:effectLst/>
                         </a:rPr>
-                        <a:t>7.  Testing</a:t>
+                        <a:t>7.</a:t>
+                      </a:r>
+                      <a:r>
+                        <a:rPr lang="en-US" dirty="0"/>
+                        <a:t> </a:t>
+                      </a:r>
+                      <a:r>
+                        <a:rPr lang="en-US" dirty="0">
+                          <a:effectLst/>
+                        </a:rPr>
+                        <a:t> Testing</a:t>
                       </a:r>
                     </a:p>
                   </a:txBody>
@@ -10987,7 +11473,7 @@
                         </a:spcAft>
                       </a:pPr>
                       <a:r>
-                        <a:rPr lang="en-US">
+                        <a:rPr lang="en-US" dirty="0">
                           <a:effectLst/>
                         </a:rPr>
                         <a:t>6</a:t>
@@ -11007,10 +11493,10 @@
                         </a:spcAft>
                       </a:pPr>
                       <a:r>
-                        <a:rPr lang="en-US"/>
+                        <a:rPr lang="en-US" dirty="0"/>
                         <a:t>3,6</a:t>
                       </a:r>
-                      <a:endParaRPr lang="en-US">
+                      <a:endParaRPr lang="en-US" dirty="0">
                         <a:effectLst/>
                       </a:endParaRPr>
                     </a:p>
@@ -11035,10 +11521,20 @@
                         </a:spcAft>
                       </a:pPr>
                       <a:r>
-                        <a:rPr lang="en-US">
+                        <a:rPr lang="en-US" dirty="0">
                           <a:effectLst/>
                         </a:rPr>
-                        <a:t>8.  Installation</a:t>
+                        <a:t>8.</a:t>
+                      </a:r>
+                      <a:r>
+                        <a:rPr lang="en-US" dirty="0"/>
+                        <a:t> </a:t>
+                      </a:r>
+                      <a:r>
+                        <a:rPr lang="en-US" dirty="0">
+                          <a:effectLst/>
+                        </a:rPr>
+                        <a:t> Installation</a:t>
                       </a:r>
                     </a:p>
                   </a:txBody>
@@ -11055,7 +11551,7 @@
                         </a:spcAft>
                       </a:pPr>
                       <a:r>
-                        <a:rPr lang="en-US">
+                        <a:rPr lang="en-US" dirty="0">
                           <a:effectLst/>
                         </a:rPr>
                         <a:t>8</a:t>
@@ -11075,10 +11571,10 @@
                         </a:spcAft>
                       </a:pPr>
                       <a:r>
-                        <a:rPr lang="en-US"/>
+                        <a:rPr lang="en-US" dirty="0"/>
                         <a:t>7</a:t>
                       </a:r>
-                      <a:endParaRPr lang="en-US">
+                      <a:endParaRPr lang="en-US" dirty="0">
                         <a:effectLst/>
                       </a:endParaRPr>
                     </a:p>
@@ -11108,7 +11604,7 @@
 </p:sld>
 </file>
 
-<file path=ppt/slides/slide25.xml><?xml version="1.0" encoding="utf-8"?>
+<file path=ppt/slides/slide26.xml><?xml version="1.0" encoding="utf-8"?>
 <p:sld xmlns:a="http://schemas.openxmlformats.org/drawingml/2006/main" xmlns:r="http://schemas.openxmlformats.org/officeDocument/2006/relationships" xmlns:p="http://schemas.openxmlformats.org/presentationml/2006/main">
   <p:cSld>
     <p:spTree>
@@ -11244,7 +11740,7 @@
 </p:sld>
 </file>
 
-<file path=ppt/slides/slide26.xml><?xml version="1.0" encoding="utf-8"?>
+<file path=ppt/slides/slide27.xml><?xml version="1.0" encoding="utf-8"?>
 <p:sld xmlns:a="http://schemas.openxmlformats.org/drawingml/2006/main" xmlns:r="http://schemas.openxmlformats.org/officeDocument/2006/relationships" xmlns:p="http://schemas.openxmlformats.org/presentationml/2006/main">
   <p:cSld>
     <p:spTree>
@@ -11327,35 +11823,60 @@
         </p:spPr>
         <p:txBody>
           <a:bodyPr>
-            <a:normAutofit/>
+            <a:normAutofit lnSpcReduction="10000"/>
           </a:bodyPr>
           <a:lstStyle/>
           <a:p>
-            <a:r>
-              <a:rPr lang="en-US" b="1"/>
+            <a:pPr algn="l"/>
+            <a:r>
+              <a:rPr lang="en-US" b="1" dirty="0">
+                <a:solidFill>
+                  <a:schemeClr val="accent1">
+                    <a:lumMod val="75000"/>
+                  </a:schemeClr>
+                </a:solidFill>
+              </a:rPr>
               <a:t>Role:</a:t>
             </a:r>
             <a:br>
-              <a:rPr lang="en-US" b="1"/>
+              <a:rPr lang="en-US" b="1" dirty="0"/>
             </a:br>
             <a:r>
-              <a:rPr lang="en-US"/>
+              <a:rPr lang="en-US" dirty="0"/>
               <a:t>Provide auditory sensory to player to construct a more powerful Virtual Reality Experience</a:t>
             </a:r>
           </a:p>
           <a:p>
-            <a:r>
-              <a:rPr lang="en-US" b="1"/>
+            <a:pPr algn="l"/>
+            <a:endParaRPr lang="en-US" dirty="0"/>
+          </a:p>
+          <a:p>
+            <a:pPr algn="l"/>
+            <a:r>
+              <a:rPr lang="en-US" b="1" dirty="0">
+                <a:solidFill>
+                  <a:schemeClr val="accent1">
+                    <a:lumMod val="75000"/>
+                  </a:schemeClr>
+                </a:solidFill>
+              </a:rPr>
               <a:t>Priority: 3</a:t>
             </a:r>
-            <a:endParaRPr lang="en-US" sz="3100" b="1"/>
-          </a:p>
-          <a:p>
-            <a:r>
-              <a:rPr lang="en-US" i="1"/>
+            <a:endParaRPr lang="en-US" sz="3100" b="1" dirty="0">
+              <a:solidFill>
+                <a:schemeClr val="accent1">
+                  <a:lumMod val="75000"/>
+                </a:schemeClr>
+              </a:solidFill>
+            </a:endParaRPr>
+          </a:p>
+          <a:p>
+            <a:pPr algn="l"/>
+            <a:r>
+              <a:rPr lang="en-US" i="1" dirty="0"/>
               <a:t>no other systems depend on this mechanism, but we value it as an essential feature</a:t>
             </a:r>
-            <a:endParaRPr lang="en-US" b="1" i="1"/>
+            <a:endParaRPr lang="en-US" b="1" i="1" dirty="0"/>
           </a:p>
         </p:txBody>
       </p:sp>
@@ -11474,7 +11995,7 @@
 </p:sld>
 </file>
 
-<file path=ppt/slides/slide27.xml><?xml version="1.0" encoding="utf-8"?>
+<file path=ppt/slides/slide28.xml><?xml version="1.0" encoding="utf-8"?>
 <p:sld xmlns:a="http://schemas.openxmlformats.org/drawingml/2006/main" xmlns:r="http://schemas.openxmlformats.org/officeDocument/2006/relationships" xmlns:p="http://schemas.openxmlformats.org/presentationml/2006/main">
   <p:cSld>
     <p:spTree>
@@ -11688,7 +12209,7 @@
 </p:sld>
 </file>
 
-<file path=ppt/slides/slide28.xml><?xml version="1.0" encoding="utf-8"?>
+<file path=ppt/slides/slide29.xml><?xml version="1.0" encoding="utf-8"?>
 <p:sld xmlns:a="http://schemas.openxmlformats.org/drawingml/2006/main" xmlns:r="http://schemas.openxmlformats.org/officeDocument/2006/relationships" xmlns:p="http://schemas.openxmlformats.org/presentationml/2006/main">
   <p:cSld>
     <p:spTree>
@@ -11792,7 +12313,7 @@
           <p:nvPr>
             <p:extLst>
               <p:ext uri="{D42A27DB-BD31-4B8C-83A1-F6EECF244321}">
-                <p14:modId xmlns:p14="http://schemas.microsoft.com/office/powerpoint/2010/main" val="2057276237"/>
+                <p14:modId xmlns:p14="http://schemas.microsoft.com/office/powerpoint/2010/main" val="2149520354"/>
               </p:ext>
             </p:extLst>
           </p:nvPr>
@@ -11840,9 +12361,32 @@
                         <a:buNone/>
                       </a:pPr>
                       <a:r>
+                        <a:rPr lang="en-US" dirty="0"/>
+                        <a:t>Task</a:t>
+                      </a:r>
+                    </a:p>
+                  </a:txBody>
+                  <a:tcPr/>
+                </a:tc>
+                <a:tc>
+                  <a:txBody>
+                    <a:bodyPr/>
+                    <a:lstStyle/>
+                    <a:p>
+                      <a:r>
+                        <a:rPr lang="en-US" dirty="0"/>
+                        <a:t>Duration</a:t>
+                      </a:r>
+                    </a:p>
+                    <a:p>
+                      <a:pPr lvl="0">
+                        <a:buNone/>
+                      </a:pPr>
+                      <a:r>
                         <a:rPr lang="en-US"/>
-                        <a:t>Task</a:t>
-                      </a:r>
+                        <a:t>(P. Days)</a:t>
+                      </a:r>
+                      <a:endParaRPr lang="en-US" dirty="0"/>
                     </a:p>
                   </a:txBody>
                   <a:tcPr/>
@@ -11853,20 +12397,7 @@
                     <a:lstStyle/>
                     <a:p>
                       <a:r>
-                        <a:rPr lang="en-US"/>
-                        <a:t>Duration</a:t>
-                      </a:r>
-                    </a:p>
-                  </a:txBody>
-                  <a:tcPr/>
-                </a:tc>
-                <a:tc>
-                  <a:txBody>
-                    <a:bodyPr/>
-                    <a:lstStyle/>
-                    <a:p>
-                      <a:r>
-                        <a:rPr lang="en-US"/>
+                        <a:rPr lang="en-US" dirty="0"/>
                         <a:t>Predecessor Task(s)</a:t>
                       </a:r>
                     </a:p>
@@ -11886,7 +12417,7 @@
                     <a:lstStyle/>
                     <a:p>
                       <a:r>
-                        <a:rPr lang="en-US"/>
+                        <a:rPr lang="en-US" dirty="0"/>
                         <a:t>1. Event Decoding</a:t>
                       </a:r>
                     </a:p>
@@ -11899,7 +12430,7 @@
                     <a:lstStyle/>
                     <a:p>
                       <a:r>
-                        <a:rPr lang="en-US"/>
+                        <a:rPr lang="en-US" dirty="0"/>
                         <a:t>1</a:t>
                       </a:r>
                     </a:p>
@@ -11912,7 +12443,7 @@
                     <a:lstStyle/>
                     <a:p>
                       <a:r>
-                        <a:rPr lang="en-US"/>
+                        <a:rPr lang="en-US" dirty="0"/>
                         <a:t>5</a:t>
                       </a:r>
                     </a:p>
@@ -11932,7 +12463,7 @@
                     <a:lstStyle/>
                     <a:p>
                       <a:r>
-                        <a:rPr lang="en-US"/>
+                        <a:rPr lang="en-US" dirty="0"/>
                         <a:t>2. Sound Control</a:t>
                       </a:r>
                     </a:p>
@@ -11945,7 +12476,7 @@
                     <a:lstStyle/>
                     <a:p>
                       <a:r>
-                        <a:rPr lang="en-US"/>
+                        <a:rPr lang="en-US" dirty="0"/>
                         <a:t>1</a:t>
                       </a:r>
                     </a:p>
@@ -11958,7 +12489,7 @@
                     <a:lstStyle/>
                     <a:p>
                       <a:r>
-                        <a:rPr lang="en-US"/>
+                        <a:rPr lang="en-US" dirty="0"/>
                         <a:t>-</a:t>
                       </a:r>
                     </a:p>
@@ -11978,7 +12509,7 @@
                     <a:lstStyle/>
                     <a:p>
                       <a:r>
-                        <a:rPr lang="en-US"/>
+                        <a:rPr lang="en-US" dirty="0"/>
                         <a:t>3. Music Control</a:t>
                       </a:r>
                     </a:p>
@@ -11991,7 +12522,7 @@
                     <a:lstStyle/>
                     <a:p>
                       <a:r>
-                        <a:rPr lang="en-US"/>
+                        <a:rPr lang="en-US" dirty="0"/>
                         <a:t>1</a:t>
                       </a:r>
                     </a:p>
@@ -12004,7 +12535,7 @@
                     <a:lstStyle/>
                     <a:p>
                       <a:r>
-                        <a:rPr lang="en-US"/>
+                        <a:rPr lang="en-US" dirty="0"/>
                         <a:t>2</a:t>
                       </a:r>
                     </a:p>
@@ -12024,7 +12555,7 @@
                     <a:lstStyle/>
                     <a:p>
                       <a:r>
-                        <a:rPr lang="en-US"/>
+                        <a:rPr lang="en-US" dirty="0"/>
                         <a:t>4. Testing</a:t>
                       </a:r>
                     </a:p>
@@ -12037,7 +12568,7 @@
                     <a:lstStyle/>
                     <a:p>
                       <a:r>
-                        <a:rPr lang="en-US"/>
+                        <a:rPr lang="en-US" dirty="0"/>
                         <a:t>2</a:t>
                       </a:r>
                     </a:p>
@@ -12050,7 +12581,7 @@
                     <a:lstStyle/>
                     <a:p>
                       <a:r>
-                        <a:rPr lang="en-US"/>
+                        <a:rPr lang="en-US" dirty="0"/>
                         <a:t>1, 3</a:t>
                       </a:r>
                     </a:p>
@@ -12070,7 +12601,7 @@
                     <a:lstStyle/>
                     <a:p>
                       <a:r>
-                        <a:rPr lang="en-US"/>
+                        <a:rPr lang="en-US" dirty="0"/>
                         <a:t>5. Asset Collection</a:t>
                       </a:r>
                     </a:p>
@@ -12083,7 +12614,7 @@
                     <a:lstStyle/>
                     <a:p>
                       <a:r>
-                        <a:rPr lang="en-US"/>
+                        <a:rPr lang="en-US" dirty="0"/>
                         <a:t>2</a:t>
                       </a:r>
                     </a:p>
@@ -12096,7 +12627,7 @@
                     <a:lstStyle/>
                     <a:p>
                       <a:r>
-                        <a:rPr lang="en-US"/>
+                        <a:rPr lang="en-US" dirty="0"/>
                         <a:t>-</a:t>
                       </a:r>
                     </a:p>
@@ -12116,7 +12647,7 @@
                     <a:lstStyle/>
                     <a:p>
                       <a:r>
-                        <a:rPr lang="en-US"/>
+                        <a:rPr lang="en-US" dirty="0"/>
                         <a:t>6. Final Merge</a:t>
                       </a:r>
                     </a:p>
@@ -12129,7 +12660,7 @@
                     <a:lstStyle/>
                     <a:p>
                       <a:r>
-                        <a:rPr lang="en-US"/>
+                        <a:rPr lang="en-US" dirty="0"/>
                         <a:t>1</a:t>
                       </a:r>
                     </a:p>
@@ -12142,7 +12673,7 @@
                     <a:lstStyle/>
                     <a:p>
                       <a:r>
-                        <a:rPr lang="en-US"/>
+                        <a:rPr lang="en-US" dirty="0"/>
                         <a:t>4</a:t>
                       </a:r>
                     </a:p>
@@ -12172,7 +12703,178 @@
 </p:sld>
 </file>
 
-<file path=ppt/slides/slide29.xml><?xml version="1.0" encoding="utf-8"?>
+<file path=ppt/slides/slide3.xml><?xml version="1.0" encoding="utf-8"?>
+<p:sld xmlns:a="http://schemas.openxmlformats.org/drawingml/2006/main" xmlns:r="http://schemas.openxmlformats.org/officeDocument/2006/relationships" xmlns:p="http://schemas.openxmlformats.org/presentationml/2006/main">
+  <p:cSld>
+    <p:spTree>
+      <p:nvGrpSpPr>
+        <p:cNvPr id="1" name=""/>
+        <p:cNvGrpSpPr/>
+        <p:nvPr/>
+      </p:nvGrpSpPr>
+      <p:grpSpPr>
+        <a:xfrm>
+          <a:off x="0" y="0"/>
+          <a:ext cx="0" cy="0"/>
+          <a:chOff x="0" y="0"/>
+          <a:chExt cx="0" cy="0"/>
+        </a:xfrm>
+      </p:grpSpPr>
+      <p:sp>
+        <p:nvSpPr>
+          <p:cNvPr id="2" name="Title 1">
+            <a:extLst>
+              <a:ext uri="{FF2B5EF4-FFF2-40B4-BE49-F238E27FC236}">
+                <a16:creationId xmlns:a16="http://schemas.microsoft.com/office/drawing/2014/main" id="{59D2053B-3B08-4FC5-9C84-634719D44497}"/>
+              </a:ext>
+            </a:extLst>
+          </p:cNvPr>
+          <p:cNvSpPr>
+            <a:spLocks noGrp="1"/>
+          </p:cNvSpPr>
+          <p:nvPr>
+            <p:ph type="ctrTitle"/>
+          </p:nvPr>
+        </p:nvSpPr>
+        <p:spPr>
+          <a:xfrm>
+            <a:off x="2506146" y="-1163168"/>
+            <a:ext cx="8574622" cy="2616199"/>
+          </a:xfrm>
+        </p:spPr>
+        <p:txBody>
+          <a:bodyPr/>
+          <a:lstStyle/>
+          <a:p>
+            <a:pPr algn="ctr"/>
+            <a:r>
+              <a:rPr lang="en-US">
+                <a:solidFill>
+                  <a:schemeClr val="accent1">
+                    <a:lumMod val="75000"/>
+                  </a:schemeClr>
+                </a:solidFill>
+              </a:rPr>
+              <a:t>Meet the Team</a:t>
+            </a:r>
+          </a:p>
+        </p:txBody>
+      </p:sp>
+      <p:sp>
+        <p:nvSpPr>
+          <p:cNvPr id="3" name="Subtitle 2">
+            <a:extLst>
+              <a:ext uri="{FF2B5EF4-FFF2-40B4-BE49-F238E27FC236}">
+                <a16:creationId xmlns:a16="http://schemas.microsoft.com/office/drawing/2014/main" id="{4A3C2BE8-C9F0-4C1D-B6F4-0E7F68071EE3}"/>
+              </a:ext>
+            </a:extLst>
+          </p:cNvPr>
+          <p:cNvSpPr>
+            <a:spLocks noGrp="1"/>
+          </p:cNvSpPr>
+          <p:nvPr>
+            <p:ph type="subTitle" idx="1"/>
+          </p:nvPr>
+        </p:nvSpPr>
+        <p:spPr>
+          <a:xfrm>
+            <a:off x="4515377" y="1453033"/>
+            <a:ext cx="6987645" cy="3931768"/>
+          </a:xfrm>
+        </p:spPr>
+        <p:txBody>
+          <a:bodyPr>
+            <a:normAutofit/>
+          </a:bodyPr>
+          <a:lstStyle/>
+          <a:p>
+            <a:pPr algn="l"/>
+            <a:r>
+              <a:rPr lang="en-US" sz="3200"/>
+              <a:t>IT Manager: Jacob</a:t>
+            </a:r>
+          </a:p>
+          <a:p>
+            <a:pPr algn="l"/>
+            <a:r>
+              <a:rPr lang="en-US" sz="3200"/>
+              <a:t>Software Architect: Cameron</a:t>
+            </a:r>
+          </a:p>
+          <a:p>
+            <a:pPr algn="l"/>
+            <a:r>
+              <a:rPr lang="en-US" sz="3200"/>
+              <a:t>Quality Assurance Manager: Conrad</a:t>
+            </a:r>
+          </a:p>
+          <a:p>
+            <a:pPr algn="l"/>
+            <a:r>
+              <a:rPr lang="en-US" sz="3200"/>
+              <a:t>Project Manager: Benjamin</a:t>
+            </a:r>
+          </a:p>
+          <a:p>
+            <a:pPr algn="l"/>
+            <a:r>
+              <a:rPr lang="en-US" sz="3200"/>
+              <a:t>Coding Standards: Delaney</a:t>
+            </a:r>
+          </a:p>
+          <a:p>
+            <a:pPr algn="l"/>
+            <a:r>
+              <a:rPr lang="en-US" sz="3200"/>
+              <a:t>Documentation Specialist: Corbin</a:t>
+            </a:r>
+          </a:p>
+        </p:txBody>
+      </p:sp>
+      <p:pic>
+        <p:nvPicPr>
+          <p:cNvPr id="4" name="Picture 4" descr="A close up of a sign&#10;&#10;Description generated with very high confidence">
+            <a:extLst>
+              <a:ext uri="{FF2B5EF4-FFF2-40B4-BE49-F238E27FC236}">
+                <a16:creationId xmlns:a16="http://schemas.microsoft.com/office/drawing/2014/main" id="{B3B5CCD3-B535-488B-94C2-2086E3C7B5C9}"/>
+              </a:ext>
+            </a:extLst>
+          </p:cNvPr>
+          <p:cNvPicPr>
+            <a:picLocks noChangeAspect="1"/>
+          </p:cNvPicPr>
+          <p:nvPr/>
+        </p:nvPicPr>
+        <p:blipFill>
+          <a:blip r:embed="rId2"/>
+          <a:stretch>
+            <a:fillRect/>
+          </a:stretch>
+        </p:blipFill>
+        <p:spPr>
+          <a:xfrm>
+            <a:off x="1503" y="4426614"/>
+            <a:ext cx="2502114" cy="2499171"/>
+          </a:xfrm>
+          <a:prstGeom prst="rect">
+            <a:avLst/>
+          </a:prstGeom>
+        </p:spPr>
+      </p:pic>
+    </p:spTree>
+    <p:extLst>
+      <p:ext uri="{BB962C8B-B14F-4D97-AF65-F5344CB8AC3E}">
+        <p14:creationId xmlns:p14="http://schemas.microsoft.com/office/powerpoint/2010/main" val="544610563"/>
+      </p:ext>
+    </p:extLst>
+  </p:cSld>
+  <p:clrMapOvr>
+    <a:masterClrMapping/>
+  </p:clrMapOvr>
+</p:sld>
+</file>
+
+<file path=ppt/slides/slide30.xml><?xml version="1.0" encoding="utf-8"?>
 <p:sld xmlns:a="http://schemas.openxmlformats.org/drawingml/2006/main" xmlns:r="http://schemas.openxmlformats.org/officeDocument/2006/relationships" xmlns:p="http://schemas.openxmlformats.org/presentationml/2006/main">
   <p:cSld>
     <p:spTree>
@@ -12226,7 +12928,7 @@
                   </a:schemeClr>
                 </a:solidFill>
               </a:rPr>
-              <a:t>Menu Management</a:t>
+              <a:t>Sound Management</a:t>
             </a:r>
           </a:p>
         </p:txBody>
@@ -12308,178 +13010,7 @@
 </p:sld>
 </file>
 
-<file path=ppt/slides/slide3.xml><?xml version="1.0" encoding="utf-8"?>
-<p:sld xmlns:a="http://schemas.openxmlformats.org/drawingml/2006/main" xmlns:r="http://schemas.openxmlformats.org/officeDocument/2006/relationships" xmlns:p="http://schemas.openxmlformats.org/presentationml/2006/main">
-  <p:cSld>
-    <p:spTree>
-      <p:nvGrpSpPr>
-        <p:cNvPr id="1" name=""/>
-        <p:cNvGrpSpPr/>
-        <p:nvPr/>
-      </p:nvGrpSpPr>
-      <p:grpSpPr>
-        <a:xfrm>
-          <a:off x="0" y="0"/>
-          <a:ext cx="0" cy="0"/>
-          <a:chOff x="0" y="0"/>
-          <a:chExt cx="0" cy="0"/>
-        </a:xfrm>
-      </p:grpSpPr>
-      <p:sp>
-        <p:nvSpPr>
-          <p:cNvPr id="2" name="Title 1">
-            <a:extLst>
-              <a:ext uri="{FF2B5EF4-FFF2-40B4-BE49-F238E27FC236}">
-                <a16:creationId xmlns:a16="http://schemas.microsoft.com/office/drawing/2014/main" id="{59D2053B-3B08-4FC5-9C84-634719D44497}"/>
-              </a:ext>
-            </a:extLst>
-          </p:cNvPr>
-          <p:cNvSpPr>
-            <a:spLocks noGrp="1"/>
-          </p:cNvSpPr>
-          <p:nvPr>
-            <p:ph type="ctrTitle"/>
-          </p:nvPr>
-        </p:nvSpPr>
-        <p:spPr>
-          <a:xfrm>
-            <a:off x="2506146" y="-1163168"/>
-            <a:ext cx="8574622" cy="2616199"/>
-          </a:xfrm>
-        </p:spPr>
-        <p:txBody>
-          <a:bodyPr/>
-          <a:lstStyle/>
-          <a:p>
-            <a:pPr algn="ctr"/>
-            <a:r>
-              <a:rPr lang="en-US">
-                <a:solidFill>
-                  <a:schemeClr val="accent1">
-                    <a:lumMod val="75000"/>
-                  </a:schemeClr>
-                </a:solidFill>
-              </a:rPr>
-              <a:t>Meet the Team</a:t>
-            </a:r>
-          </a:p>
-        </p:txBody>
-      </p:sp>
-      <p:sp>
-        <p:nvSpPr>
-          <p:cNvPr id="3" name="Subtitle 2">
-            <a:extLst>
-              <a:ext uri="{FF2B5EF4-FFF2-40B4-BE49-F238E27FC236}">
-                <a16:creationId xmlns:a16="http://schemas.microsoft.com/office/drawing/2014/main" id="{4A3C2BE8-C9F0-4C1D-B6F4-0E7F68071EE3}"/>
-              </a:ext>
-            </a:extLst>
-          </p:cNvPr>
-          <p:cNvSpPr>
-            <a:spLocks noGrp="1"/>
-          </p:cNvSpPr>
-          <p:nvPr>
-            <p:ph type="subTitle" idx="1"/>
-          </p:nvPr>
-        </p:nvSpPr>
-        <p:spPr>
-          <a:xfrm>
-            <a:off x="4515377" y="1453033"/>
-            <a:ext cx="6987645" cy="3931768"/>
-          </a:xfrm>
-        </p:spPr>
-        <p:txBody>
-          <a:bodyPr>
-            <a:normAutofit/>
-          </a:bodyPr>
-          <a:lstStyle/>
-          <a:p>
-            <a:pPr algn="l"/>
-            <a:r>
-              <a:rPr lang="en-US" sz="3200"/>
-              <a:t>IT Manager: Jacob</a:t>
-            </a:r>
-          </a:p>
-          <a:p>
-            <a:pPr algn="l"/>
-            <a:r>
-              <a:rPr lang="en-US" sz="3200"/>
-              <a:t>Software Architect: Cameron</a:t>
-            </a:r>
-          </a:p>
-          <a:p>
-            <a:pPr algn="l"/>
-            <a:r>
-              <a:rPr lang="en-US" sz="3200"/>
-              <a:t>Quality Assurance Manager: Conrad</a:t>
-            </a:r>
-          </a:p>
-          <a:p>
-            <a:pPr algn="l"/>
-            <a:r>
-              <a:rPr lang="en-US" sz="3200"/>
-              <a:t>Project Manager: Benjamin</a:t>
-            </a:r>
-          </a:p>
-          <a:p>
-            <a:pPr algn="l"/>
-            <a:r>
-              <a:rPr lang="en-US" sz="3200"/>
-              <a:t>Coding Standards: Delaney</a:t>
-            </a:r>
-          </a:p>
-          <a:p>
-            <a:pPr algn="l"/>
-            <a:r>
-              <a:rPr lang="en-US" sz="3200"/>
-              <a:t>Documentation Specialist: Corbin</a:t>
-            </a:r>
-          </a:p>
-        </p:txBody>
-      </p:sp>
-      <p:pic>
-        <p:nvPicPr>
-          <p:cNvPr id="4" name="Picture 4" descr="A close up of a sign&#10;&#10;Description generated with very high confidence">
-            <a:extLst>
-              <a:ext uri="{FF2B5EF4-FFF2-40B4-BE49-F238E27FC236}">
-                <a16:creationId xmlns:a16="http://schemas.microsoft.com/office/drawing/2014/main" id="{B3B5CCD3-B535-488B-94C2-2086E3C7B5C9}"/>
-              </a:ext>
-            </a:extLst>
-          </p:cNvPr>
-          <p:cNvPicPr>
-            <a:picLocks noChangeAspect="1"/>
-          </p:cNvPicPr>
-          <p:nvPr/>
-        </p:nvPicPr>
-        <p:blipFill>
-          <a:blip r:embed="rId2"/>
-          <a:stretch>
-            <a:fillRect/>
-          </a:stretch>
-        </p:blipFill>
-        <p:spPr>
-          <a:xfrm>
-            <a:off x="1503" y="4426614"/>
-            <a:ext cx="2502114" cy="2499171"/>
-          </a:xfrm>
-          <a:prstGeom prst="rect">
-            <a:avLst/>
-          </a:prstGeom>
-        </p:spPr>
-      </p:pic>
-    </p:spTree>
-    <p:extLst>
-      <p:ext uri="{BB962C8B-B14F-4D97-AF65-F5344CB8AC3E}">
-        <p14:creationId xmlns:p14="http://schemas.microsoft.com/office/powerpoint/2010/main" val="544610563"/>
-      </p:ext>
-    </p:extLst>
-  </p:cSld>
-  <p:clrMapOvr>
-    <a:masterClrMapping/>
-  </p:clrMapOvr>
-</p:sld>
-</file>
-
-<file path=ppt/slides/slide30.xml><?xml version="1.0" encoding="utf-8"?>
+<file path=ppt/slides/slide31.xml><?xml version="1.0" encoding="utf-8"?>
 <p:sld xmlns:a="http://schemas.openxmlformats.org/drawingml/2006/main" xmlns:r="http://schemas.openxmlformats.org/officeDocument/2006/relationships" xmlns:p="http://schemas.openxmlformats.org/presentationml/2006/main">
   <p:cSld>
     <p:spTree>
@@ -12966,7 +13497,7 @@
           <p:nvPr>
             <p:extLst>
               <p:ext uri="{D42A27DB-BD31-4B8C-83A1-F6EECF244321}">
-                <p14:modId xmlns:p14="http://schemas.microsoft.com/office/powerpoint/2010/main" val="1837113068"/>
+                <p14:modId xmlns:p14="http://schemas.microsoft.com/office/powerpoint/2010/main" val="3482911230"/>
               </p:ext>
             </p:extLst>
           </p:nvPr>
@@ -13005,7 +13536,7 @@
                     <a:p>
                       <a:pPr algn="ctr"/>
                       <a:r>
-                        <a:rPr lang="en-US" sz="3200"/>
+                        <a:rPr lang="en-US" sz="3200" dirty="0"/>
                         <a:t>Team Member</a:t>
                       </a:r>
                     </a:p>
@@ -13019,7 +13550,7 @@
                     <a:p>
                       <a:pPr algn="ctr"/>
                       <a:r>
-                        <a:rPr lang="en-US" sz="3200"/>
+                        <a:rPr lang="en-US" sz="3200" dirty="0"/>
                         <a:t>Subsystem</a:t>
                       </a:r>
                     </a:p>
@@ -13040,22 +13571,22 @@
                     <a:p>
                       <a:pPr algn="ctr"/>
                       <a:r>
+                        <a:rPr lang="en-US" sz="3200" dirty="0"/>
+                        <a:t>Jacob</a:t>
+                      </a:r>
+                    </a:p>
+                  </a:txBody>
+                  <a:tcPr/>
+                </a:tc>
+                <a:tc>
+                  <a:txBody>
+                    <a:bodyPr/>
+                    <a:lstStyle/>
+                    <a:p>
+                      <a:pPr algn="ctr"/>
+                      <a:r>
                         <a:rPr lang="en-US" sz="3200"/>
-                        <a:t>Jacob</a:t>
-                      </a:r>
-                    </a:p>
-                  </a:txBody>
-                  <a:tcPr/>
-                </a:tc>
-                <a:tc>
-                  <a:txBody>
-                    <a:bodyPr/>
-                    <a:lstStyle/>
-                    <a:p>
-                      <a:pPr algn="ctr"/>
-                      <a:r>
-                        <a:rPr lang="en-US" sz="3200"/>
-                        <a:t>Level Design</a:t>
+                        <a:t>Level Management</a:t>
                       </a:r>
                     </a:p>
                   </a:txBody>
@@ -13075,7 +13606,7 @@
                     <a:p>
                       <a:pPr algn="ctr"/>
                       <a:r>
-                        <a:rPr lang="en-US" sz="3200"/>
+                        <a:rPr lang="en-US" sz="3200" dirty="0"/>
                         <a:t>Ben</a:t>
                       </a:r>
                     </a:p>
@@ -13089,7 +13620,7 @@
                     <a:p>
                       <a:pPr algn="ctr"/>
                       <a:r>
-                        <a:rPr lang="en-US" sz="3200"/>
+                        <a:rPr lang="en-US" sz="3200" dirty="0"/>
                         <a:t>Player Management</a:t>
                       </a:r>
                     </a:p>
@@ -13110,7 +13641,7 @@
                     <a:p>
                       <a:pPr algn="ctr"/>
                       <a:r>
-                        <a:rPr lang="en-US" sz="3200"/>
+                        <a:rPr lang="en-US" sz="3200" dirty="0"/>
                         <a:t>Cameron</a:t>
                       </a:r>
                     </a:p>
@@ -13124,7 +13655,7 @@
                     <a:p>
                       <a:pPr algn="ctr"/>
                       <a:r>
-                        <a:rPr lang="en-US" sz="3200"/>
+                        <a:rPr lang="en-US" sz="3200" dirty="0"/>
                         <a:t>Menu Management</a:t>
                       </a:r>
                     </a:p>
@@ -13145,7 +13676,7 @@
                     <a:p>
                       <a:pPr algn="ctr"/>
                       <a:r>
-                        <a:rPr lang="en-US" sz="3200"/>
+                        <a:rPr lang="en-US" sz="3200" dirty="0"/>
                         <a:t>Cameron</a:t>
                       </a:r>
                     </a:p>
@@ -13159,7 +13690,7 @@
                     <a:p>
                       <a:pPr algn="ctr"/>
                       <a:r>
-                        <a:rPr lang="en-US" sz="3200"/>
+                        <a:rPr lang="en-US" sz="3200" dirty="0"/>
                         <a:t>Sound Management</a:t>
                       </a:r>
                     </a:p>
@@ -13182,7 +13713,7 @@
                         <a:buNone/>
                       </a:pPr>
                       <a:r>
-                        <a:rPr lang="en-US" sz="3200"/>
+                        <a:rPr lang="en-US" sz="3200" dirty="0"/>
                         <a:t>Corbin</a:t>
                       </a:r>
                     </a:p>
@@ -13198,7 +13729,7 @@
                         <a:buNone/>
                       </a:pPr>
                       <a:r>
-                        <a:rPr lang="en-US" sz="3200"/>
+                        <a:rPr lang="en-US" sz="3200" dirty="0"/>
                         <a:t>Enemy Management</a:t>
                       </a:r>
                     </a:p>
@@ -13219,7 +13750,7 @@
                     <a:p>
                       <a:pPr algn="ctr"/>
                       <a:r>
-                        <a:rPr lang="en-US" sz="3200"/>
+                        <a:rPr lang="en-US" sz="3200" dirty="0"/>
                         <a:t>Delaney</a:t>
                       </a:r>
                     </a:p>
@@ -13233,7 +13764,7 @@
                     <a:p>
                       <a:pPr algn="ctr"/>
                       <a:r>
-                        <a:rPr lang="en-US" sz="3200"/>
+                        <a:rPr lang="en-US" sz="3200" dirty="0"/>
                         <a:t>Item Management</a:t>
                       </a:r>
                     </a:p>
@@ -13254,7 +13785,7 @@
                     <a:p>
                       <a:pPr algn="ctr"/>
                       <a:r>
-                        <a:rPr lang="en-US" sz="3200"/>
+                        <a:rPr lang="en-US" sz="3200" dirty="0"/>
                         <a:t>Conrad</a:t>
                       </a:r>
                     </a:p>
@@ -13268,7 +13799,7 @@
                     <a:p>
                       <a:pPr algn="ctr"/>
                       <a:r>
-                        <a:rPr lang="en-US" sz="3200"/>
+                        <a:rPr lang="en-US" sz="3200" dirty="0"/>
                         <a:t>Score Management</a:t>
                       </a:r>
                     </a:p>
@@ -13333,7 +13864,7 @@
         </p:nvSpPr>
         <p:spPr>
           <a:xfrm>
-            <a:off x="2928401" y="1380068"/>
+            <a:off x="4137925" y="1367973"/>
             <a:ext cx="8574622" cy="29282"/>
           </a:xfrm>
         </p:spPr>
@@ -13352,7 +13883,7 @@
                   </a:schemeClr>
                 </a:solidFill>
               </a:rPr>
-              <a:t>Level Design</a:t>
+              <a:t>Level Management</a:t>
             </a:r>
           </a:p>
         </p:txBody>
@@ -13375,19 +13906,19 @@
         </p:nvSpPr>
         <p:spPr>
           <a:xfrm>
-            <a:off x="3716506" y="1489041"/>
+            <a:off x="4926030" y="1622089"/>
             <a:ext cx="6987645" cy="3772855"/>
           </a:xfrm>
         </p:spPr>
         <p:txBody>
-          <a:bodyPr>
-            <a:normAutofit fontScale="77500" lnSpcReduction="20000"/>
+          <a:bodyPr vert="horz" lIns="91440" tIns="45720" rIns="91440" bIns="45720" rtlCol="0" anchor="t">
+            <a:noAutofit/>
           </a:bodyPr>
           <a:lstStyle/>
           <a:p>
             <a:pPr algn="l"/>
             <a:r>
-              <a:rPr lang="en-US">
+              <a:rPr lang="en-US" sz="2200">
                 <a:solidFill>
                   <a:schemeClr val="accent1">
                     <a:lumMod val="75000"/>
@@ -13397,24 +13928,15 @@
               <a:t>Priority Level</a:t>
             </a:r>
             <a:r>
-              <a:rPr lang="en-US"/>
+              <a:rPr lang="en-US" sz="2200"/>
               <a:t>: 1</a:t>
             </a:r>
+            <a:endParaRPr lang="en-US" sz="2200" dirty="0"/>
           </a:p>
           <a:p>
             <a:pPr algn="l"/>
-            <a:endParaRPr lang="en-US">
-              <a:solidFill>
-                <a:schemeClr val="accent1">
-                  <a:lumMod val="75000"/>
-                </a:schemeClr>
-              </a:solidFill>
-            </a:endParaRPr>
-          </a:p>
-          <a:p>
-            <a:pPr algn="l"/>
-            <a:r>
-              <a:rPr lang="en-US">
+            <a:r>
+              <a:rPr lang="en-US" sz="2200">
                 <a:solidFill>
                   <a:schemeClr val="accent1">
                     <a:lumMod val="75000"/>
@@ -13424,25 +13946,27 @@
               <a:t>Role</a:t>
             </a:r>
             <a:r>
-              <a:rPr lang="en-US"/>
+              <a:rPr lang="en-US" sz="2200"/>
               <a:t>:</a:t>
             </a:r>
+            <a:endParaRPr lang="en-US" sz="2200" dirty="0"/>
           </a:p>
           <a:p>
             <a:pPr marL="342900" indent="-342900" algn="l">
               <a:buChar char="•"/>
             </a:pPr>
             <a:r>
-              <a:rPr lang="en-US"/>
+              <a:rPr lang="en-US" sz="2200"/>
               <a:t>Load all game assets properly into the world</a:t>
             </a:r>
+            <a:endParaRPr lang="en-US" sz="2200" dirty="0"/>
           </a:p>
           <a:p>
             <a:pPr marL="800100" lvl="1" indent="-342900" algn="l">
               <a:buChar char="•"/>
             </a:pPr>
             <a:r>
-              <a:rPr lang="en-US">
+              <a:rPr lang="en-US" sz="2200">
                 <a:solidFill>
                   <a:schemeClr val="tx1"/>
                 </a:solidFill>
@@ -13455,7 +13979,7 @@
               <a:buChar char="•"/>
             </a:pPr>
             <a:r>
-              <a:rPr lang="en-US">
+              <a:rPr lang="en-US" sz="2200">
                 <a:solidFill>
                   <a:schemeClr val="tx1"/>
                 </a:solidFill>
@@ -13468,7 +13992,7 @@
               <a:buChar char="•"/>
             </a:pPr>
             <a:r>
-              <a:rPr lang="en-US">
+              <a:rPr lang="en-US" sz="2200">
                 <a:solidFill>
                   <a:schemeClr val="tx1"/>
                 </a:solidFill>
@@ -13481,7 +14005,7 @@
               <a:buChar char="•"/>
             </a:pPr>
             <a:r>
-              <a:rPr lang="en-US">
+              <a:rPr lang="en-US" sz="2200">
                 <a:solidFill>
                   <a:schemeClr val="tx1"/>
                 </a:solidFill>
@@ -13494,47 +14018,50 @@
               <a:buChar char="•"/>
             </a:pPr>
             <a:r>
-              <a:rPr lang="en-US"/>
+              <a:rPr lang="en-US" sz="2200"/>
               <a:t>Bounds check all game assets</a:t>
             </a:r>
+            <a:endParaRPr lang="en-US" sz="2200" dirty="0"/>
           </a:p>
           <a:p>
             <a:pPr marL="342900" indent="-342900" algn="l">
               <a:buChar char="•"/>
             </a:pPr>
             <a:r>
-              <a:rPr lang="en-US"/>
+              <a:rPr lang="en-US" sz="2200"/>
               <a:t>Raise collision flags on player collision with map assets</a:t>
             </a:r>
+            <a:endParaRPr lang="en-US" sz="2200" dirty="0"/>
           </a:p>
           <a:p>
             <a:pPr marL="342900" indent="-342900" algn="l">
               <a:buChar char="•"/>
             </a:pPr>
             <a:r>
-              <a:rPr lang="en-US"/>
+              <a:rPr lang="en-US" sz="2200"/>
               <a:t>Swap scenes</a:t>
             </a:r>
+            <a:endParaRPr lang="en-US" sz="2200" dirty="0"/>
           </a:p>
           <a:p>
             <a:pPr marL="342900" indent="-342900" algn="l">
               <a:buChar char="•"/>
             </a:pPr>
-            <a:endParaRPr lang="en-US"/>
+            <a:endParaRPr lang="en-US" sz="2200" dirty="0"/>
           </a:p>
           <a:p>
             <a:pPr marL="342900" indent="-342900" algn="l">
               <a:buChar char="•"/>
             </a:pPr>
-            <a:endParaRPr lang="en-US"/>
+            <a:endParaRPr lang="en-US" sz="2200" dirty="0"/>
           </a:p>
           <a:p>
             <a:pPr algn="l"/>
-            <a:endParaRPr lang="en-US"/>
+            <a:endParaRPr lang="en-US" sz="2200" dirty="0"/>
           </a:p>
           <a:p>
             <a:pPr algn="l"/>
-            <a:endParaRPr lang="en-US"/>
+            <a:endParaRPr lang="en-US" sz="2200" dirty="0"/>
           </a:p>
         </p:txBody>
       </p:sp>
@@ -13635,7 +14162,7 @@
                   </a:schemeClr>
                 </a:solidFill>
               </a:rPr>
-              <a:t>Level Design</a:t>
+              <a:t>Level Management</a:t>
             </a:r>
           </a:p>
         </p:txBody>
@@ -13817,8 +14344,8 @@
         </p:nvSpPr>
         <p:spPr>
           <a:xfrm>
-            <a:off x="2467318" y="1384922"/>
-            <a:ext cx="8574622" cy="29282"/>
+            <a:off x="822368" y="864826"/>
+            <a:ext cx="11489571" cy="488900"/>
           </a:xfrm>
         </p:spPr>
         <p:txBody>
@@ -13836,7 +14363,7 @@
                   </a:schemeClr>
                 </a:solidFill>
               </a:rPr>
-              <a:t>                                 Level Design</a:t>
+              <a:t>                                 Level Management</a:t>
             </a:r>
           </a:p>
         </p:txBody>

--- a/Documents/SA Presentation.pptx
+++ b/Documents/SA Presentation.pptx
@@ -148,12 +148,12 @@
     <p1510:client id="{DFB90EFC-D1AC-A6F8-C9D6-AEAD7E96EA65}" v="178" dt="2019-02-06T06:34:22.590"/>
     <p1510:client id="{C7950789-276C-0A0F-7C85-95412B85975B}" v="499" dt="2019-02-06T06:52:49.757"/>
     <p1510:client id="{EC51EA77-BFB9-9D0B-4590-7407895338F1}" v="13" dt="2019-02-06T18:16:29.468"/>
+    <p1510:client id="{082CB375-B14E-00BB-B475-0102444B9B54}" v="4" dt="2019-02-07T03:11:16.690"/>
     <p1510:client id="{11F8D6B3-99A4-385F-E31E-443DA330B3D2}" v="954" dt="2019-02-06T18:47:10.573"/>
+    <p1510:client id="{A06E8E80-71DC-5566-7F25-FB40F4D805F2}" v="344" dt="2019-02-06T18:25:56.423"/>
+    <p1510:client id="{B93454F7-E4D7-680C-27DB-96A3AA6FB4B6}" v="132" dt="2019-02-06T21:45:20.231"/>
     <p1510:client id="{47EB2AF2-69E9-D9C5-B286-63813D6AAF0A}" v="247" dt="2019-02-06T21:47:11.022"/>
     <p1510:client id="{ED5EFD56-9E27-185B-5892-BF327F11B68F}" v="1" dt="2019-02-06T21:48:11.872"/>
-    <p1510:client id="{B93454F7-E4D7-680C-27DB-96A3AA6FB4B6}" v="132" dt="2019-02-06T21:45:20.231"/>
-    <p1510:client id="{A06E8E80-71DC-5566-7F25-FB40F4D805F2}" v="344" dt="2019-02-06T18:25:56.423"/>
-    <p1510:client id="{082CB375-B14E-00BB-B475-0102444B9B54}" v="4" dt="2019-02-07T03:11:16.690"/>
   </p1510:revLst>
 </p1510:revInfo>
 </file>
@@ -658,7 +658,7 @@
           <a:p>
             <a:fld id="{846CE7D5-CF57-46EF-B807-FDD0502418D4}" type="datetimeFigureOut">
               <a:rPr lang="en-US" smtClean="0"/>
-              <a:t>2/6/2019</a:t>
+              <a:t>2/7/2019</a:t>
             </a:fld>
             <a:endParaRPr lang="en-US"/>
           </a:p>
@@ -952,7 +952,7 @@
           <a:p>
             <a:fld id="{846CE7D5-CF57-46EF-B807-FDD0502418D4}" type="datetimeFigureOut">
               <a:rPr lang="en-US" smtClean="0"/>
-              <a:t>2/6/2019</a:t>
+              <a:t>2/7/2019</a:t>
             </a:fld>
             <a:endParaRPr lang="en-US"/>
           </a:p>
@@ -1199,7 +1199,7 @@
           <a:p>
             <a:fld id="{846CE7D5-CF57-46EF-B807-FDD0502418D4}" type="datetimeFigureOut">
               <a:rPr lang="en-US" smtClean="0"/>
-              <a:t>2/6/2019</a:t>
+              <a:t>2/7/2019</a:t>
             </a:fld>
             <a:endParaRPr lang="en-US"/>
           </a:p>
@@ -1738,7 +1738,7 @@
           <a:p>
             <a:fld id="{846CE7D5-CF57-46EF-B807-FDD0502418D4}" type="datetimeFigureOut">
               <a:rPr lang="en-US" smtClean="0"/>
-              <a:t>2/6/2019</a:t>
+              <a:t>2/7/2019</a:t>
             </a:fld>
             <a:endParaRPr lang="en-US"/>
           </a:p>
@@ -1985,7 +1985,7 @@
           <a:p>
             <a:fld id="{846CE7D5-CF57-46EF-B807-FDD0502418D4}" type="datetimeFigureOut">
               <a:rPr lang="en-US" smtClean="0"/>
-              <a:t>2/6/2019</a:t>
+              <a:t>2/7/2019</a:t>
             </a:fld>
             <a:endParaRPr lang="en-US"/>
           </a:p>
@@ -2516,7 +2516,7 @@
           <a:p>
             <a:fld id="{846CE7D5-CF57-46EF-B807-FDD0502418D4}" type="datetimeFigureOut">
               <a:rPr lang="en-US" smtClean="0"/>
-              <a:t>2/6/2019</a:t>
+              <a:t>2/7/2019</a:t>
             </a:fld>
             <a:endParaRPr lang="en-US"/>
           </a:p>
@@ -2812,7 +2812,7 @@
           <a:p>
             <a:fld id="{846CE7D5-CF57-46EF-B807-FDD0502418D4}" type="datetimeFigureOut">
               <a:rPr lang="en-US" smtClean="0"/>
-              <a:t>2/6/2019</a:t>
+              <a:t>2/7/2019</a:t>
             </a:fld>
             <a:endParaRPr lang="en-US"/>
           </a:p>
@@ -2984,7 +2984,7 @@
           <a:p>
             <a:fld id="{846CE7D5-CF57-46EF-B807-FDD0502418D4}" type="datetimeFigureOut">
               <a:rPr lang="en-US" smtClean="0"/>
-              <a:t>2/6/2019</a:t>
+              <a:t>2/7/2019</a:t>
             </a:fld>
             <a:endParaRPr lang="en-US"/>
           </a:p>
@@ -3162,7 +3162,7 @@
           <a:p>
             <a:fld id="{846CE7D5-CF57-46EF-B807-FDD0502418D4}" type="datetimeFigureOut">
               <a:rPr lang="en-US" smtClean="0"/>
-              <a:t>2/6/2019</a:t>
+              <a:t>2/7/2019</a:t>
             </a:fld>
             <a:endParaRPr lang="en-US"/>
           </a:p>
@@ -3330,7 +3330,7 @@
           <a:p>
             <a:fld id="{846CE7D5-CF57-46EF-B807-FDD0502418D4}" type="datetimeFigureOut">
               <a:rPr lang="en-US" smtClean="0"/>
-              <a:t>2/6/2019</a:t>
+              <a:t>2/7/2019</a:t>
             </a:fld>
             <a:endParaRPr lang="en-US"/>
           </a:p>
@@ -3580,7 +3580,7 @@
           <a:p>
             <a:fld id="{846CE7D5-CF57-46EF-B807-FDD0502418D4}" type="datetimeFigureOut">
               <a:rPr lang="en-US" smtClean="0"/>
-              <a:t>2/6/2019</a:t>
+              <a:t>2/7/2019</a:t>
             </a:fld>
             <a:endParaRPr lang="en-US"/>
           </a:p>
@@ -3874,7 +3874,7 @@
           <a:p>
             <a:fld id="{846CE7D5-CF57-46EF-B807-FDD0502418D4}" type="datetimeFigureOut">
               <a:rPr lang="en-US" smtClean="0"/>
-              <a:t>2/6/2019</a:t>
+              <a:t>2/7/2019</a:t>
             </a:fld>
             <a:endParaRPr lang="en-US"/>
           </a:p>
@@ -4313,7 +4313,7 @@
           <a:p>
             <a:fld id="{846CE7D5-CF57-46EF-B807-FDD0502418D4}" type="datetimeFigureOut">
               <a:rPr lang="en-US" smtClean="0"/>
-              <a:t>2/6/2019</a:t>
+              <a:t>2/7/2019</a:t>
             </a:fld>
             <a:endParaRPr lang="en-US"/>
           </a:p>
@@ -4430,7 +4430,7 @@
           <a:p>
             <a:fld id="{846CE7D5-CF57-46EF-B807-FDD0502418D4}" type="datetimeFigureOut">
               <a:rPr lang="en-US" smtClean="0"/>
-              <a:t>2/6/2019</a:t>
+              <a:t>2/7/2019</a:t>
             </a:fld>
             <a:endParaRPr lang="en-US"/>
           </a:p>
@@ -4525,7 +4525,7 @@
           <a:p>
             <a:fld id="{846CE7D5-CF57-46EF-B807-FDD0502418D4}" type="datetimeFigureOut">
               <a:rPr lang="en-US" smtClean="0"/>
-              <a:t>2/6/2019</a:t>
+              <a:t>2/7/2019</a:t>
             </a:fld>
             <a:endParaRPr lang="en-US"/>
           </a:p>
@@ -4806,7 +4806,7 @@
           <a:p>
             <a:fld id="{846CE7D5-CF57-46EF-B807-FDD0502418D4}" type="datetimeFigureOut">
               <a:rPr lang="en-US" smtClean="0"/>
-              <a:t>2/6/2019</a:t>
+              <a:t>2/7/2019</a:t>
             </a:fld>
             <a:endParaRPr lang="en-US"/>
           </a:p>
@@ -5095,7 +5095,7 @@
           <a:p>
             <a:fld id="{846CE7D5-CF57-46EF-B807-FDD0502418D4}" type="datetimeFigureOut">
               <a:rPr lang="en-US" smtClean="0"/>
-              <a:t>2/6/2019</a:t>
+              <a:t>2/7/2019</a:t>
             </a:fld>
             <a:endParaRPr lang="en-US"/>
           </a:p>
@@ -5623,7 +5623,7 @@
           <a:p>
             <a:fld id="{846CE7D5-CF57-46EF-B807-FDD0502418D4}" type="datetimeFigureOut">
               <a:rPr lang="en-US" smtClean="0"/>
-              <a:t>2/6/2019</a:t>
+              <a:t>2/7/2019</a:t>
             </a:fld>
             <a:endParaRPr lang="en-US"/>
           </a:p>
@@ -14452,7 +14452,7 @@
           <p:nvPr>
             <p:extLst>
               <p:ext uri="{D42A27DB-BD31-4B8C-83A1-F6EECF244321}">
-                <p14:modId xmlns:p14="http://schemas.microsoft.com/office/powerpoint/2010/main" val="3161421678"/>
+                <p14:modId xmlns:p14="http://schemas.microsoft.com/office/powerpoint/2010/main" val="1962440587"/>
               </p:ext>
             </p:extLst>
           </p:nvPr>
@@ -14520,24 +14520,24 @@
                     <a:p>
                       <a:pPr fontAlgn="base"/>
                       <a:r>
-                        <a:rPr lang="en-US" sz="1400">
+                        <a:rPr lang="en-US" sz="1400" dirty="0">
                           <a:effectLst/>
                         </a:rPr>
                         <a:t>Duration (</a:t>
                       </a:r>
                       <a:r>
-                        <a:rPr lang="en-US" sz="1400" err="1">
+                        <a:rPr lang="en-US" sz="1400" dirty="0" err="1">
                           <a:effectLst/>
                         </a:rPr>
-                        <a:t>PWks</a:t>
-                      </a:r>
-                      <a:r>
-                        <a:rPr lang="en-US" sz="1400">
+                        <a:t>PHrs</a:t>
+                      </a:r>
+                      <a:r>
+                        <a:rPr lang="en-US" sz="1400" dirty="0">
                           <a:effectLst/>
                         </a:rPr>
                         <a:t>)​</a:t>
                       </a:r>
-                      <a:endParaRPr lang="en-US" sz="1400" b="1">
+                      <a:endParaRPr lang="en-US" sz="1400" b="1" dirty="0">
                         <a:solidFill>
                           <a:srgbClr val="FFFFFF"/>
                         </a:solidFill>
@@ -14605,10 +14605,10 @@
                     <a:p>
                       <a:pPr fontAlgn="base"/>
                       <a:r>
-                        <a:rPr lang="en-US" sz="1400">
+                        <a:rPr lang="en-US" sz="1400" dirty="0">
                           <a:effectLst/>
                         </a:rPr>
-                        <a:t>1​</a:t>
+                        <a:t>5</a:t>
                       </a:r>
                     </a:p>
                   </a:txBody>
@@ -14666,10 +14666,10 @@
                     <a:p>
                       <a:pPr fontAlgn="base"/>
                       <a:r>
-                        <a:rPr lang="en-US" sz="1400">
+                        <a:rPr lang="en-US" sz="1400" dirty="0">
                           <a:effectLst/>
                         </a:rPr>
-                        <a:t>2​</a:t>
+                        <a:t>3</a:t>
                       </a:r>
                     </a:p>
                   </a:txBody>
@@ -14704,16 +14704,26 @@
                     <a:lstStyle/>
                     <a:p>
                       <a:r>
-                        <a:rPr lang="en-US" sz="1400">
+                        <a:rPr lang="en-US" sz="1400" dirty="0">
                           <a:effectLst/>
                         </a:rPr>
-                        <a:t>3.  Implement </a:t>
-                      </a:r>
-                      <a:r>
-                        <a:rPr lang="en-US" sz="1400"/>
-                        <a:t>Item/Player/Enemy loading</a:t>
-                      </a:r>
-                      <a:endParaRPr lang="en-US" sz="1400">
+                        <a:t>3.  Implement Bounds Check</a:t>
+                      </a:r>
+                    </a:p>
+                  </a:txBody>
+                  <a:tcPr anchor="ctr"/>
+                </a:tc>
+                <a:tc>
+                  <a:txBody>
+                    <a:bodyPr/>
+                    <a:lstStyle/>
+                    <a:p>
+                      <a:pPr fontAlgn="base"/>
+                      <a:r>
+                        <a:rPr lang="en-US" sz="1400" dirty="0"/>
+                        <a:t>15</a:t>
+                      </a:r>
+                      <a:endParaRPr lang="en-US" sz="1400" dirty="0">
                         <a:effectLst/>
                       </a:endParaRPr>
                     </a:p>
@@ -14727,24 +14737,7 @@
                     <a:p>
                       <a:pPr fontAlgn="base"/>
                       <a:r>
-                        <a:rPr lang="en-US" sz="1400"/>
-                        <a:t>3</a:t>
-                      </a:r>
-                      <a:endParaRPr lang="en-US" sz="1400">
-                        <a:effectLst/>
-                      </a:endParaRPr>
-                    </a:p>
-                  </a:txBody>
-                  <a:tcPr anchor="ctr"/>
-                </a:tc>
-                <a:tc>
-                  <a:txBody>
-                    <a:bodyPr/>
-                    <a:lstStyle/>
-                    <a:p>
-                      <a:pPr fontAlgn="base"/>
-                      <a:r>
-                        <a:rPr lang="en-US" sz="1400">
+                        <a:rPr lang="en-US" sz="1400" dirty="0">
                           <a:effectLst/>
                         </a:rPr>
                         <a:t>2​</a:t>
@@ -14766,20 +14759,20 @@
                     <a:lstStyle/>
                     <a:p>
                       <a:r>
-                        <a:rPr lang="en-US" sz="1400">
+                        <a:rPr lang="en-US" sz="1400" dirty="0">
                           <a:effectLst/>
                         </a:rPr>
-                        <a:t>4.  Implement</a:t>
-                      </a:r>
-                      <a:r>
-                        <a:rPr lang="en-US" sz="1400"/>
-                        <a:t> Bounds </a:t>
-                      </a:r>
-                      <a:r>
-                        <a:rPr lang="en-US" sz="1400">
+                        <a:t>4.  Implement </a:t>
+                      </a:r>
+                      <a:r>
+                        <a:rPr lang="en-US" sz="1400" dirty="0"/>
+                        <a:t>Item/Player/Enemy loading</a:t>
+                      </a:r>
+                      <a:r>
+                        <a:rPr lang="en-US" sz="1400" dirty="0">
                           <a:effectLst/>
                         </a:rPr>
-                        <a:t>Check​</a:t>
+                        <a:t>​</a:t>
                       </a:r>
                     </a:p>
                   </a:txBody>
@@ -14792,10 +14785,10 @@
                     <a:p>
                       <a:pPr fontAlgn="base"/>
                       <a:r>
-                        <a:rPr lang="en-US" sz="1400">
+                        <a:rPr lang="en-US" sz="1400" dirty="0">
                           <a:effectLst/>
                         </a:rPr>
-                        <a:t>2​</a:t>
+                        <a:t>10​</a:t>
                       </a:r>
                     </a:p>
                   </a:txBody>
@@ -14808,10 +14801,10 @@
                     <a:p>
                       <a:pPr fontAlgn="base"/>
                       <a:r>
-                        <a:rPr lang="en-US" sz="1400">
+                        <a:rPr lang="en-US" sz="1400" dirty="0">
                           <a:effectLst/>
                         </a:rPr>
-                        <a:t>3​</a:t>
+                        <a:t>2,3​</a:t>
                       </a:r>
                     </a:p>
                   </a:txBody>
@@ -14856,10 +14849,10 @@
                     <a:p>
                       <a:pPr fontAlgn="base"/>
                       <a:r>
-                        <a:rPr lang="en-US" sz="1400">
+                        <a:rPr lang="en-US" sz="1400" dirty="0">
                           <a:effectLst/>
                         </a:rPr>
-                        <a:t>1​</a:t>
+                        <a:t>2</a:t>
                       </a:r>
                     </a:p>
                   </a:txBody>
@@ -14872,10 +14865,10 @@
                     <a:p>
                       <a:pPr fontAlgn="base"/>
                       <a:r>
-                        <a:rPr lang="en-US" sz="1400">
+                        <a:rPr lang="en-US" sz="1400" dirty="0">
                           <a:effectLst/>
                         </a:rPr>
-                        <a:t>3​</a:t>
+                        <a:t>4</a:t>
                       </a:r>
                     </a:p>
                   </a:txBody>
@@ -14911,10 +14904,10 @@
                     <a:p>
                       <a:pPr fontAlgn="base"/>
                       <a:r>
-                        <a:rPr lang="en-US" sz="1400"/>
+                        <a:rPr lang="en-US" sz="1400" dirty="0"/>
                         <a:t>1</a:t>
                       </a:r>
-                      <a:endParaRPr lang="en-US" sz="1400">
+                      <a:endParaRPr lang="en-US" sz="1400" dirty="0">
                         <a:effectLst/>
                       </a:endParaRPr>
                     </a:p>
@@ -14928,10 +14921,10 @@
                     <a:p>
                       <a:pPr fontAlgn="base"/>
                       <a:r>
-                        <a:rPr lang="en-US" sz="1400"/>
+                        <a:rPr lang="en-US" sz="1400" dirty="0"/>
                         <a:t>2</a:t>
                       </a:r>
-                      <a:endParaRPr lang="en-US" sz="1400">
+                      <a:endParaRPr lang="en-US" sz="1400" dirty="0">
                         <a:effectLst/>
                       </a:endParaRPr>
                     </a:p>
@@ -14976,10 +14969,10 @@
                     <a:p>
                       <a:pPr fontAlgn="base"/>
                       <a:r>
-                        <a:rPr lang="en-US" sz="1400"/>
-                        <a:t>2</a:t>
-                      </a:r>
-                      <a:endParaRPr lang="en-US" sz="1400">
+                        <a:rPr lang="en-US" sz="1400" dirty="0"/>
+                        <a:t>5</a:t>
+                      </a:r>
+                      <a:endParaRPr lang="en-US" sz="1400" dirty="0">
                         <a:effectLst/>
                       </a:endParaRPr>
                     </a:p>
@@ -14993,10 +14986,10 @@
                     <a:p>
                       <a:pPr fontAlgn="base"/>
                       <a:r>
-                        <a:rPr lang="en-US" sz="1400"/>
-                        <a:t>6</a:t>
-                      </a:r>
-                      <a:endParaRPr lang="en-US" sz="1400">
+                        <a:rPr lang="en-US" sz="1400" dirty="0"/>
+                        <a:t>1,2,3,4,5,6</a:t>
+                      </a:r>
+                      <a:endParaRPr lang="en-US" sz="1400" dirty="0">
                         <a:effectLst/>
                       </a:endParaRPr>
                     </a:p>
@@ -15067,12 +15060,11 @@
                         <a:buNone/>
                       </a:pPr>
                       <a:r>
-                        <a:rPr lang="en-US" sz="1400"/>
+                        <a:rPr lang="en-US" sz="1400" dirty="0">
+                          <a:effectLst/>
+                        </a:rPr>
                         <a:t>7</a:t>
                       </a:r>
-                      <a:endParaRPr lang="en-US" sz="1400">
-                        <a:effectLst/>
-                      </a:endParaRPr>
                     </a:p>
                   </a:txBody>
                   <a:tcPr anchor="ctr"/>

--- a/Documents/SA Presentation.pptx
+++ b/Documents/SA Presentation.pptx
@@ -11,31 +11,32 @@
     <p:sldId id="259" r:id="rId5"/>
     <p:sldId id="270" r:id="rId6"/>
     <p:sldId id="260" r:id="rId7"/>
-    <p:sldId id="267" r:id="rId8"/>
-    <p:sldId id="261" r:id="rId9"/>
-    <p:sldId id="268" r:id="rId10"/>
-    <p:sldId id="279" r:id="rId11"/>
-    <p:sldId id="264" r:id="rId12"/>
-    <p:sldId id="273" r:id="rId13"/>
-    <p:sldId id="272" r:id="rId14"/>
-    <p:sldId id="288" r:id="rId15"/>
-    <p:sldId id="286" r:id="rId16"/>
-    <p:sldId id="289" r:id="rId17"/>
-    <p:sldId id="290" r:id="rId18"/>
-    <p:sldId id="291" r:id="rId19"/>
-    <p:sldId id="293" r:id="rId20"/>
-    <p:sldId id="294" r:id="rId21"/>
-    <p:sldId id="292" r:id="rId22"/>
-    <p:sldId id="295" r:id="rId23"/>
-    <p:sldId id="275" r:id="rId24"/>
-    <p:sldId id="276" r:id="rId25"/>
-    <p:sldId id="277" r:id="rId26"/>
-    <p:sldId id="278" r:id="rId27"/>
-    <p:sldId id="263" r:id="rId28"/>
-    <p:sldId id="280" r:id="rId29"/>
-    <p:sldId id="281" r:id="rId30"/>
-    <p:sldId id="285" r:id="rId31"/>
-    <p:sldId id="266" r:id="rId32"/>
+    <p:sldId id="297" r:id="rId8"/>
+    <p:sldId id="267" r:id="rId9"/>
+    <p:sldId id="261" r:id="rId10"/>
+    <p:sldId id="268" r:id="rId11"/>
+    <p:sldId id="279" r:id="rId12"/>
+    <p:sldId id="264" r:id="rId13"/>
+    <p:sldId id="273" r:id="rId14"/>
+    <p:sldId id="272" r:id="rId15"/>
+    <p:sldId id="288" r:id="rId16"/>
+    <p:sldId id="286" r:id="rId17"/>
+    <p:sldId id="289" r:id="rId18"/>
+    <p:sldId id="290" r:id="rId19"/>
+    <p:sldId id="291" r:id="rId20"/>
+    <p:sldId id="293" r:id="rId21"/>
+    <p:sldId id="294" r:id="rId22"/>
+    <p:sldId id="292" r:id="rId23"/>
+    <p:sldId id="295" r:id="rId24"/>
+    <p:sldId id="275" r:id="rId25"/>
+    <p:sldId id="276" r:id="rId26"/>
+    <p:sldId id="277" r:id="rId27"/>
+    <p:sldId id="278" r:id="rId28"/>
+    <p:sldId id="263" r:id="rId29"/>
+    <p:sldId id="280" r:id="rId30"/>
+    <p:sldId id="281" r:id="rId31"/>
+    <p:sldId id="285" r:id="rId32"/>
+    <p:sldId id="266" r:id="rId33"/>
   </p:sldIdLst>
   <p:sldSz cx="12192000" cy="6858000"/>
   <p:notesSz cx="6858000" cy="9144000"/>
@@ -145,15 +146,16 @@
 <file path=ppt/revisionInfo.xml><?xml version="1.0" encoding="utf-8"?>
 <p1510:revInfo xmlns:a="http://schemas.openxmlformats.org/drawingml/2006/main" xmlns:r="http://schemas.openxmlformats.org/officeDocument/2006/relationships" xmlns:p1510="http://schemas.microsoft.com/office/powerpoint/2015/10/main">
   <p1510:revLst>
-    <p1510:client id="{DFB90EFC-D1AC-A6F8-C9D6-AEAD7E96EA65}" v="178" dt="2019-02-06T06:34:22.590"/>
-    <p1510:client id="{C7950789-276C-0A0F-7C85-95412B85975B}" v="499" dt="2019-02-06T06:52:49.757"/>
     <p1510:client id="{EC51EA77-BFB9-9D0B-4590-7407895338F1}" v="13" dt="2019-02-06T18:16:29.468"/>
+    <p1510:client id="{AC4726B1-29F9-999D-FD88-4CF283623366}" v="14" dt="2019-02-07T17:47:49.195"/>
+    <p1510:client id="{082CB375-B14E-00BB-B475-0102444B9B54}" v="4" dt="2019-02-07T03:11:16.690"/>
     <p1510:client id="{11F8D6B3-99A4-385F-E31E-443DA330B3D2}" v="954" dt="2019-02-06T18:47:10.573"/>
+    <p1510:client id="{A06E8E80-71DC-5566-7F25-FB40F4D805F2}" v="344" dt="2019-02-06T18:25:56.423"/>
+    <p1510:client id="{B93454F7-E4D7-680C-27DB-96A3AA6FB4B6}" v="132" dt="2019-02-06T21:45:20.231"/>
+    <p1510:client id="{ED5EFD56-9E27-185B-5892-BF327F11B68F}" v="1" dt="2019-02-06T21:48:11.872"/>
     <p1510:client id="{47EB2AF2-69E9-D9C5-B286-63813D6AAF0A}" v="247" dt="2019-02-06T21:47:11.022"/>
-    <p1510:client id="{ED5EFD56-9E27-185B-5892-BF327F11B68F}" v="1" dt="2019-02-06T21:48:11.872"/>
-    <p1510:client id="{B93454F7-E4D7-680C-27DB-96A3AA6FB4B6}" v="132" dt="2019-02-06T21:45:20.231"/>
-    <p1510:client id="{A06E8E80-71DC-5566-7F25-FB40F4D805F2}" v="344" dt="2019-02-06T18:25:56.423"/>
-    <p1510:client id="{082CB375-B14E-00BB-B475-0102444B9B54}" v="4" dt="2019-02-07T03:11:16.690"/>
+    <p1510:client id="{F3166948-A84F-412C-AEF5-9C51B45FF767}" v="128" dt="2019-02-07T17:38:55.863"/>
+    <p1510:client id="{9BEC0E5C-E817-E480-CECE-DD22250BB3E9}" v="103" dt="2019-02-07T17:46:05.348"/>
   </p1510:revLst>
 </p1510:revInfo>
 </file>
@@ -658,7 +660,7 @@
           <a:p>
             <a:fld id="{846CE7D5-CF57-46EF-B807-FDD0502418D4}" type="datetimeFigureOut">
               <a:rPr lang="en-US" smtClean="0"/>
-              <a:t>2/6/2019</a:t>
+              <a:t>2/7/2019</a:t>
             </a:fld>
             <a:endParaRPr lang="en-US"/>
           </a:p>
@@ -952,7 +954,7 @@
           <a:p>
             <a:fld id="{846CE7D5-CF57-46EF-B807-FDD0502418D4}" type="datetimeFigureOut">
               <a:rPr lang="en-US" smtClean="0"/>
-              <a:t>2/6/2019</a:t>
+              <a:t>2/7/2019</a:t>
             </a:fld>
             <a:endParaRPr lang="en-US"/>
           </a:p>
@@ -1199,7 +1201,7 @@
           <a:p>
             <a:fld id="{846CE7D5-CF57-46EF-B807-FDD0502418D4}" type="datetimeFigureOut">
               <a:rPr lang="en-US" smtClean="0"/>
-              <a:t>2/6/2019</a:t>
+              <a:t>2/7/2019</a:t>
             </a:fld>
             <a:endParaRPr lang="en-US"/>
           </a:p>
@@ -1738,7 +1740,7 @@
           <a:p>
             <a:fld id="{846CE7D5-CF57-46EF-B807-FDD0502418D4}" type="datetimeFigureOut">
               <a:rPr lang="en-US" smtClean="0"/>
-              <a:t>2/6/2019</a:t>
+              <a:t>2/7/2019</a:t>
             </a:fld>
             <a:endParaRPr lang="en-US"/>
           </a:p>
@@ -1985,7 +1987,7 @@
           <a:p>
             <a:fld id="{846CE7D5-CF57-46EF-B807-FDD0502418D4}" type="datetimeFigureOut">
               <a:rPr lang="en-US" smtClean="0"/>
-              <a:t>2/6/2019</a:t>
+              <a:t>2/7/2019</a:t>
             </a:fld>
             <a:endParaRPr lang="en-US"/>
           </a:p>
@@ -2516,7 +2518,7 @@
           <a:p>
             <a:fld id="{846CE7D5-CF57-46EF-B807-FDD0502418D4}" type="datetimeFigureOut">
               <a:rPr lang="en-US" smtClean="0"/>
-              <a:t>2/6/2019</a:t>
+              <a:t>2/7/2019</a:t>
             </a:fld>
             <a:endParaRPr lang="en-US"/>
           </a:p>
@@ -2812,7 +2814,7 @@
           <a:p>
             <a:fld id="{846CE7D5-CF57-46EF-B807-FDD0502418D4}" type="datetimeFigureOut">
               <a:rPr lang="en-US" smtClean="0"/>
-              <a:t>2/6/2019</a:t>
+              <a:t>2/7/2019</a:t>
             </a:fld>
             <a:endParaRPr lang="en-US"/>
           </a:p>
@@ -2984,7 +2986,7 @@
           <a:p>
             <a:fld id="{846CE7D5-CF57-46EF-B807-FDD0502418D4}" type="datetimeFigureOut">
               <a:rPr lang="en-US" smtClean="0"/>
-              <a:t>2/6/2019</a:t>
+              <a:t>2/7/2019</a:t>
             </a:fld>
             <a:endParaRPr lang="en-US"/>
           </a:p>
@@ -3162,7 +3164,7 @@
           <a:p>
             <a:fld id="{846CE7D5-CF57-46EF-B807-FDD0502418D4}" type="datetimeFigureOut">
               <a:rPr lang="en-US" smtClean="0"/>
-              <a:t>2/6/2019</a:t>
+              <a:t>2/7/2019</a:t>
             </a:fld>
             <a:endParaRPr lang="en-US"/>
           </a:p>
@@ -3330,7 +3332,7 @@
           <a:p>
             <a:fld id="{846CE7D5-CF57-46EF-B807-FDD0502418D4}" type="datetimeFigureOut">
               <a:rPr lang="en-US" smtClean="0"/>
-              <a:t>2/6/2019</a:t>
+              <a:t>2/7/2019</a:t>
             </a:fld>
             <a:endParaRPr lang="en-US"/>
           </a:p>
@@ -3580,7 +3582,7 @@
           <a:p>
             <a:fld id="{846CE7D5-CF57-46EF-B807-FDD0502418D4}" type="datetimeFigureOut">
               <a:rPr lang="en-US" smtClean="0"/>
-              <a:t>2/6/2019</a:t>
+              <a:t>2/7/2019</a:t>
             </a:fld>
             <a:endParaRPr lang="en-US"/>
           </a:p>
@@ -3874,7 +3876,7 @@
           <a:p>
             <a:fld id="{846CE7D5-CF57-46EF-B807-FDD0502418D4}" type="datetimeFigureOut">
               <a:rPr lang="en-US" smtClean="0"/>
-              <a:t>2/6/2019</a:t>
+              <a:t>2/7/2019</a:t>
             </a:fld>
             <a:endParaRPr lang="en-US"/>
           </a:p>
@@ -4313,7 +4315,7 @@
           <a:p>
             <a:fld id="{846CE7D5-CF57-46EF-B807-FDD0502418D4}" type="datetimeFigureOut">
               <a:rPr lang="en-US" smtClean="0"/>
-              <a:t>2/6/2019</a:t>
+              <a:t>2/7/2019</a:t>
             </a:fld>
             <a:endParaRPr lang="en-US"/>
           </a:p>
@@ -4430,7 +4432,7 @@
           <a:p>
             <a:fld id="{846CE7D5-CF57-46EF-B807-FDD0502418D4}" type="datetimeFigureOut">
               <a:rPr lang="en-US" smtClean="0"/>
-              <a:t>2/6/2019</a:t>
+              <a:t>2/7/2019</a:t>
             </a:fld>
             <a:endParaRPr lang="en-US"/>
           </a:p>
@@ -4525,7 +4527,7 @@
           <a:p>
             <a:fld id="{846CE7D5-CF57-46EF-B807-FDD0502418D4}" type="datetimeFigureOut">
               <a:rPr lang="en-US" smtClean="0"/>
-              <a:t>2/6/2019</a:t>
+              <a:t>2/7/2019</a:t>
             </a:fld>
             <a:endParaRPr lang="en-US"/>
           </a:p>
@@ -4806,7 +4808,7 @@
           <a:p>
             <a:fld id="{846CE7D5-CF57-46EF-B807-FDD0502418D4}" type="datetimeFigureOut">
               <a:rPr lang="en-US" smtClean="0"/>
-              <a:t>2/6/2019</a:t>
+              <a:t>2/7/2019</a:t>
             </a:fld>
             <a:endParaRPr lang="en-US"/>
           </a:p>
@@ -5095,7 +5097,7 @@
           <a:p>
             <a:fld id="{846CE7D5-CF57-46EF-B807-FDD0502418D4}" type="datetimeFigureOut">
               <a:rPr lang="en-US" smtClean="0"/>
-              <a:t>2/6/2019</a:t>
+              <a:t>2/7/2019</a:t>
             </a:fld>
             <a:endParaRPr lang="en-US"/>
           </a:p>
@@ -5623,7 +5625,7 @@
           <a:p>
             <a:fld id="{846CE7D5-CF57-46EF-B807-FDD0502418D4}" type="datetimeFigureOut">
               <a:rPr lang="en-US" smtClean="0"/>
-              <a:t>2/6/2019</a:t>
+              <a:t>2/7/2019</a:t>
             </a:fld>
             <a:endParaRPr lang="en-US"/>
           </a:p>
@@ -6274,8 +6276,8 @@
         </p:nvSpPr>
         <p:spPr>
           <a:xfrm>
-            <a:off x="2928401" y="1380068"/>
-            <a:ext cx="8574622" cy="53550"/>
+            <a:off x="822368" y="864826"/>
+            <a:ext cx="11489571" cy="488900"/>
           </a:xfrm>
         </p:spPr>
         <p:txBody>
@@ -6293,7 +6295,7 @@
                   </a:schemeClr>
                 </a:solidFill>
               </a:rPr>
-              <a:t>Level Management</a:t>
+              <a:t>                                 Level Management</a:t>
             </a:r>
           </a:p>
         </p:txBody>
@@ -6316,7 +6318,7 @@
         </p:nvSpPr>
         <p:spPr>
           <a:xfrm>
-            <a:off x="3674549" y="2857646"/>
+            <a:off x="3261764" y="1415299"/>
             <a:ext cx="6987645" cy="1388534"/>
           </a:xfrm>
         </p:spPr>
@@ -6324,11 +6326,16 @@
           <a:bodyPr/>
           <a:lstStyle/>
           <a:p>
-            <a:pPr algn="ctr"/>
-            <a:r>
-              <a:rPr lang="en-US" sz="4800"/>
-              <a:t>Questions?</a:t>
-            </a:r>
+            <a:pPr algn="l"/>
+            <a:endParaRPr lang="en-US"/>
+          </a:p>
+          <a:p>
+            <a:pPr algn="l"/>
+            <a:endParaRPr lang="en-US"/>
+          </a:p>
+          <a:p>
+            <a:pPr algn="l"/>
+            <a:endParaRPr lang="en-US"/>
           </a:p>
         </p:txBody>
       </p:sp>
@@ -6362,10 +6369,662 @@
           </a:prstGeom>
         </p:spPr>
       </p:pic>
+      <p:graphicFrame>
+        <p:nvGraphicFramePr>
+          <p:cNvPr id="6" name="Table 5">
+            <a:extLst>
+              <a:ext uri="{FF2B5EF4-FFF2-40B4-BE49-F238E27FC236}">
+                <a16:creationId xmlns:a16="http://schemas.microsoft.com/office/drawing/2014/main" id="{272FD6EF-4F73-47B6-906D-8B2025B1FF60}"/>
+              </a:ext>
+            </a:extLst>
+          </p:cNvPr>
+          <p:cNvGraphicFramePr>
+            <a:graphicFrameLocks noGrp="1"/>
+          </p:cNvGraphicFramePr>
+          <p:nvPr>
+            <p:extLst>
+              <p:ext uri="{D42A27DB-BD31-4B8C-83A1-F6EECF244321}">
+                <p14:modId xmlns:p14="http://schemas.microsoft.com/office/powerpoint/2010/main" val="3804928335"/>
+              </p:ext>
+            </p:extLst>
+          </p:nvPr>
+        </p:nvGraphicFramePr>
+        <p:xfrm>
+          <a:off x="6033139" y="1567446"/>
+          <a:ext cx="5716504" cy="5291167"/>
+        </p:xfrm>
+        <a:graphic>
+          <a:graphicData uri="http://schemas.openxmlformats.org/drawingml/2006/table">
+            <a:tbl>
+              <a:tblPr firstRow="1" bandRow="1">
+                <a:tableStyleId>{5C22544A-7EE6-4342-B048-85BDC9FD1C3A}</a:tableStyleId>
+              </a:tblPr>
+              <a:tblGrid>
+                <a:gridCol w="2372058">
+                  <a:extLst>
+                    <a:ext uri="{9D8B030D-6E8A-4147-A177-3AD203B41FA5}">
+                      <a16:colId xmlns:a16="http://schemas.microsoft.com/office/drawing/2014/main" val="279455896"/>
+                    </a:ext>
+                  </a:extLst>
+                </a:gridCol>
+                <a:gridCol w="1897063">
+                  <a:extLst>
+                    <a:ext uri="{9D8B030D-6E8A-4147-A177-3AD203B41FA5}">
+                      <a16:colId xmlns:a16="http://schemas.microsoft.com/office/drawing/2014/main" val="475482780"/>
+                    </a:ext>
+                  </a:extLst>
+                </a:gridCol>
+                <a:gridCol w="1447383">
+                  <a:extLst>
+                    <a:ext uri="{9D8B030D-6E8A-4147-A177-3AD203B41FA5}">
+                      <a16:colId xmlns:a16="http://schemas.microsoft.com/office/drawing/2014/main" val="3558108574"/>
+                    </a:ext>
+                  </a:extLst>
+                </a:gridCol>
+              </a:tblGrid>
+              <a:tr h="637942">
+                <a:tc>
+                  <a:txBody>
+                    <a:bodyPr/>
+                    <a:lstStyle/>
+                    <a:p>
+                      <a:pPr fontAlgn="base"/>
+                      <a:r>
+                        <a:rPr lang="en-US" sz="1400">
+                          <a:effectLst/>
+                        </a:rPr>
+                        <a:t>Task​</a:t>
+                      </a:r>
+                      <a:endParaRPr lang="en-US" sz="1400" b="1">
+                        <a:solidFill>
+                          <a:srgbClr val="FFFFFF"/>
+                        </a:solidFill>
+                        <a:effectLst/>
+                      </a:endParaRPr>
+                    </a:p>
+                  </a:txBody>
+                  <a:tcPr anchor="ctr"/>
+                </a:tc>
+                <a:tc>
+                  <a:txBody>
+                    <a:bodyPr/>
+                    <a:lstStyle/>
+                    <a:p>
+                      <a:pPr fontAlgn="base"/>
+                      <a:r>
+                        <a:rPr lang="en-US" sz="1400">
+                          <a:effectLst/>
+                        </a:rPr>
+                        <a:t>Duration (</a:t>
+                      </a:r>
+                      <a:r>
+                        <a:rPr lang="en-US" sz="1400" err="1"/>
+                        <a:t>PHks</a:t>
+                      </a:r>
+                      <a:r>
+                        <a:rPr lang="en-US" sz="1400">
+                          <a:effectLst/>
+                        </a:rPr>
+                        <a:t>)​</a:t>
+                      </a:r>
+                      <a:endParaRPr lang="en-US" sz="1400" b="1">
+                        <a:solidFill>
+                          <a:srgbClr val="FFFFFF"/>
+                        </a:solidFill>
+                        <a:effectLst/>
+                      </a:endParaRPr>
+                    </a:p>
+                  </a:txBody>
+                  <a:tcPr anchor="ctr"/>
+                </a:tc>
+                <a:tc>
+                  <a:txBody>
+                    <a:bodyPr/>
+                    <a:lstStyle/>
+                    <a:p>
+                      <a:pPr fontAlgn="base"/>
+                      <a:r>
+                        <a:rPr lang="en-US" sz="1400">
+                          <a:effectLst/>
+                        </a:rPr>
+                        <a:t>Predecessor Task(s)​</a:t>
+                      </a:r>
+                      <a:endParaRPr lang="en-US" sz="1400" b="1">
+                        <a:solidFill>
+                          <a:srgbClr val="FFFFFF"/>
+                        </a:solidFill>
+                        <a:effectLst/>
+                      </a:endParaRPr>
+                    </a:p>
+                  </a:txBody>
+                  <a:tcPr anchor="ctr"/>
+                </a:tc>
+                <a:extLst>
+                  <a:ext uri="{0D108BD9-81ED-4DB2-BD59-A6C34878D82A}">
+                    <a16:rowId xmlns:a16="http://schemas.microsoft.com/office/drawing/2014/main" val="3253265889"/>
+                  </a:ext>
+                </a:extLst>
+              </a:tr>
+              <a:tr h="575399">
+                <a:tc>
+                  <a:txBody>
+                    <a:bodyPr/>
+                    <a:lstStyle/>
+                    <a:p>
+                      <a:r>
+                        <a:rPr lang="en-US" sz="1400">
+                          <a:effectLst/>
+                        </a:rPr>
+                        <a:t>1. </a:t>
+                      </a:r>
+                      <a:r>
+                        <a:rPr lang="en-US" sz="1400"/>
+                        <a:t> Obtain 3D assets</a:t>
+                      </a:r>
+                      <a:endParaRPr lang="en-US" sz="1400">
+                        <a:effectLst/>
+                      </a:endParaRPr>
+                    </a:p>
+                  </a:txBody>
+                  <a:tcPr anchor="ctr"/>
+                </a:tc>
+                <a:tc>
+                  <a:txBody>
+                    <a:bodyPr/>
+                    <a:lstStyle/>
+                    <a:p>
+                      <a:pPr fontAlgn="base"/>
+                      <a:r>
+                        <a:rPr lang="en-US" sz="1400"/>
+                        <a:t>5</a:t>
+                      </a:r>
+                      <a:endParaRPr lang="en-US" sz="1400">
+                        <a:effectLst/>
+                      </a:endParaRPr>
+                    </a:p>
+                  </a:txBody>
+                  <a:tcPr anchor="ctr"/>
+                </a:tc>
+                <a:tc>
+                  <a:txBody>
+                    <a:bodyPr/>
+                    <a:lstStyle/>
+                    <a:p>
+                      <a:pPr fontAlgn="base"/>
+                      <a:r>
+                        <a:rPr lang="en-US" sz="1400">
+                          <a:effectLst/>
+                        </a:rPr>
+                        <a:t>-​</a:t>
+                      </a:r>
+                    </a:p>
+                  </a:txBody>
+                  <a:tcPr anchor="ctr"/>
+                </a:tc>
+                <a:extLst>
+                  <a:ext uri="{0D108BD9-81ED-4DB2-BD59-A6C34878D82A}">
+                    <a16:rowId xmlns:a16="http://schemas.microsoft.com/office/drawing/2014/main" val="3390788293"/>
+                  </a:ext>
+                </a:extLst>
+              </a:tr>
+              <a:tr h="800555">
+                <a:tc>
+                  <a:txBody>
+                    <a:bodyPr/>
+                    <a:lstStyle/>
+                    <a:p>
+                      <a:r>
+                        <a:rPr lang="en-US" sz="1400">
+                          <a:effectLst/>
+                        </a:rPr>
+                        <a:t>2.  Implement </a:t>
+                      </a:r>
+                      <a:r>
+                        <a:rPr lang="en-US" sz="1400"/>
+                        <a:t>World loading</a:t>
+                      </a:r>
+                      <a:endParaRPr lang="en-US" sz="1400">
+                        <a:effectLst/>
+                      </a:endParaRPr>
+                    </a:p>
+                  </a:txBody>
+                  <a:tcPr anchor="ctr"/>
+                </a:tc>
+                <a:tc>
+                  <a:txBody>
+                    <a:bodyPr/>
+                    <a:lstStyle/>
+                    <a:p>
+                      <a:pPr fontAlgn="base"/>
+                      <a:r>
+                        <a:rPr lang="en-US" sz="1400"/>
+                        <a:t>3</a:t>
+                      </a:r>
+                      <a:endParaRPr lang="en-US" sz="1400">
+                        <a:effectLst/>
+                      </a:endParaRPr>
+                    </a:p>
+                  </a:txBody>
+                  <a:tcPr anchor="ctr"/>
+                </a:tc>
+                <a:tc>
+                  <a:txBody>
+                    <a:bodyPr/>
+                    <a:lstStyle/>
+                    <a:p>
+                      <a:pPr fontAlgn="base"/>
+                      <a:r>
+                        <a:rPr lang="en-US" sz="1400">
+                          <a:effectLst/>
+                        </a:rPr>
+                        <a:t>1​</a:t>
+                      </a:r>
+                    </a:p>
+                  </a:txBody>
+                  <a:tcPr anchor="ctr"/>
+                </a:tc>
+                <a:extLst>
+                  <a:ext uri="{0D108BD9-81ED-4DB2-BD59-A6C34878D82A}">
+                    <a16:rowId xmlns:a16="http://schemas.microsoft.com/office/drawing/2014/main" val="468149078"/>
+                  </a:ext>
+                </a:extLst>
+              </a:tr>
+              <a:tr h="913134">
+                <a:tc>
+                  <a:txBody>
+                    <a:bodyPr/>
+                    <a:lstStyle/>
+                    <a:p>
+                      <a:r>
+                        <a:rPr lang="en-US" sz="1400">
+                          <a:effectLst/>
+                        </a:rPr>
+                        <a:t>3.  Implement </a:t>
+                      </a:r>
+                      <a:r>
+                        <a:rPr lang="en-US" sz="1400"/>
+                        <a:t>Item/Player/Enemy loading</a:t>
+                      </a:r>
+                      <a:endParaRPr lang="en-US" sz="1400">
+                        <a:effectLst/>
+                      </a:endParaRPr>
+                    </a:p>
+                  </a:txBody>
+                  <a:tcPr anchor="ctr"/>
+                </a:tc>
+                <a:tc>
+                  <a:txBody>
+                    <a:bodyPr/>
+                    <a:lstStyle/>
+                    <a:p>
+                      <a:pPr fontAlgn="base"/>
+                      <a:r>
+                        <a:rPr lang="en-US" sz="1400"/>
+                        <a:t>10</a:t>
+                      </a:r>
+                      <a:endParaRPr lang="en-US" sz="1400">
+                        <a:effectLst/>
+                      </a:endParaRPr>
+                    </a:p>
+                  </a:txBody>
+                  <a:tcPr anchor="ctr"/>
+                </a:tc>
+                <a:tc>
+                  <a:txBody>
+                    <a:bodyPr/>
+                    <a:lstStyle/>
+                    <a:p>
+                      <a:pPr fontAlgn="base"/>
+                      <a:r>
+                        <a:rPr lang="en-US" sz="1400">
+                          <a:effectLst/>
+                        </a:rPr>
+                        <a:t>2​</a:t>
+                      </a:r>
+                    </a:p>
+                  </a:txBody>
+                  <a:tcPr anchor="ctr"/>
+                </a:tc>
+                <a:extLst>
+                  <a:ext uri="{0D108BD9-81ED-4DB2-BD59-A6C34878D82A}">
+                    <a16:rowId xmlns:a16="http://schemas.microsoft.com/office/drawing/2014/main" val="2880229805"/>
+                  </a:ext>
+                </a:extLst>
+              </a:tr>
+              <a:tr h="637942">
+                <a:tc>
+                  <a:txBody>
+                    <a:bodyPr/>
+                    <a:lstStyle/>
+                    <a:p>
+                      <a:r>
+                        <a:rPr lang="en-US" sz="1400">
+                          <a:effectLst/>
+                        </a:rPr>
+                        <a:t>4.  Implement</a:t>
+                      </a:r>
+                      <a:r>
+                        <a:rPr lang="en-US" sz="1400"/>
+                        <a:t> Bounds </a:t>
+                      </a:r>
+                      <a:r>
+                        <a:rPr lang="en-US" sz="1400">
+                          <a:effectLst/>
+                        </a:rPr>
+                        <a:t>Check​</a:t>
+                      </a:r>
+                    </a:p>
+                  </a:txBody>
+                  <a:tcPr anchor="ctr"/>
+                </a:tc>
+                <a:tc>
+                  <a:txBody>
+                    <a:bodyPr/>
+                    <a:lstStyle/>
+                    <a:p>
+                      <a:pPr fontAlgn="base"/>
+                      <a:r>
+                        <a:rPr lang="en-US" sz="1400"/>
+                        <a:t>15</a:t>
+                      </a:r>
+                      <a:endParaRPr lang="en-US" sz="1400">
+                        <a:effectLst/>
+                      </a:endParaRPr>
+                    </a:p>
+                  </a:txBody>
+                  <a:tcPr anchor="ctr"/>
+                </a:tc>
+                <a:tc>
+                  <a:txBody>
+                    <a:bodyPr/>
+                    <a:lstStyle/>
+                    <a:p>
+                      <a:pPr fontAlgn="base"/>
+                      <a:r>
+                        <a:rPr lang="en-US" sz="1400">
+                          <a:effectLst/>
+                        </a:rPr>
+                        <a:t>3​</a:t>
+                      </a:r>
+                    </a:p>
+                  </a:txBody>
+                  <a:tcPr anchor="ctr"/>
+                </a:tc>
+                <a:extLst>
+                  <a:ext uri="{0D108BD9-81ED-4DB2-BD59-A6C34878D82A}">
+                    <a16:rowId xmlns:a16="http://schemas.microsoft.com/office/drawing/2014/main" val="102433061"/>
+                  </a:ext>
+                </a:extLst>
+              </a:tr>
+              <a:tr h="637942">
+                <a:tc>
+                  <a:txBody>
+                    <a:bodyPr/>
+                    <a:lstStyle/>
+                    <a:p>
+                      <a:r>
+                        <a:rPr lang="en-US" sz="1400">
+                          <a:effectLst/>
+                        </a:rPr>
+                        <a:t>5.  Implement </a:t>
+                      </a:r>
+                      <a:r>
+                        <a:rPr lang="en-US" sz="1400"/>
+                        <a:t>Player manager </a:t>
+                      </a:r>
+                      <a:r>
+                        <a:rPr lang="en-US" sz="1400">
+                          <a:effectLst/>
+                        </a:rPr>
+                        <a:t>Collision Check​</a:t>
+                      </a:r>
+                    </a:p>
+                  </a:txBody>
+                  <a:tcPr anchor="ctr"/>
+                </a:tc>
+                <a:tc>
+                  <a:txBody>
+                    <a:bodyPr/>
+                    <a:lstStyle/>
+                    <a:p>
+                      <a:pPr fontAlgn="base"/>
+                      <a:r>
+                        <a:rPr lang="en-US" sz="1400"/>
+                        <a:t>2</a:t>
+                      </a:r>
+                      <a:endParaRPr lang="en-US" sz="1400">
+                        <a:effectLst/>
+                      </a:endParaRPr>
+                    </a:p>
+                  </a:txBody>
+                  <a:tcPr anchor="ctr"/>
+                </a:tc>
+                <a:tc>
+                  <a:txBody>
+                    <a:bodyPr/>
+                    <a:lstStyle/>
+                    <a:p>
+                      <a:pPr fontAlgn="base"/>
+                      <a:r>
+                        <a:rPr lang="en-US" sz="1400">
+                          <a:effectLst/>
+                        </a:rPr>
+                        <a:t>3​</a:t>
+                      </a:r>
+                    </a:p>
+                  </a:txBody>
+                  <a:tcPr anchor="ctr"/>
+                </a:tc>
+                <a:extLst>
+                  <a:ext uri="{0D108BD9-81ED-4DB2-BD59-A6C34878D82A}">
+                    <a16:rowId xmlns:a16="http://schemas.microsoft.com/office/drawing/2014/main" val="1060254917"/>
+                  </a:ext>
+                </a:extLst>
+              </a:tr>
+              <a:tr h="362751">
+                <a:tc>
+                  <a:txBody>
+                    <a:bodyPr/>
+                    <a:lstStyle/>
+                    <a:p>
+                      <a:r>
+                        <a:rPr lang="en-US" sz="1400"/>
+                        <a:t>6. Implement scene swapper</a:t>
+                      </a:r>
+                      <a:endParaRPr lang="en-US" sz="1400">
+                        <a:effectLst/>
+                      </a:endParaRPr>
+                    </a:p>
+                  </a:txBody>
+                  <a:tcPr anchor="ctr"/>
+                </a:tc>
+                <a:tc>
+                  <a:txBody>
+                    <a:bodyPr/>
+                    <a:lstStyle/>
+                    <a:p>
+                      <a:pPr fontAlgn="base"/>
+                      <a:r>
+                        <a:rPr lang="en-US" sz="1400"/>
+                        <a:t>1</a:t>
+                      </a:r>
+                      <a:endParaRPr lang="en-US" sz="1400">
+                        <a:effectLst/>
+                      </a:endParaRPr>
+                    </a:p>
+                  </a:txBody>
+                  <a:tcPr anchor="ctr"/>
+                </a:tc>
+                <a:tc>
+                  <a:txBody>
+                    <a:bodyPr/>
+                    <a:lstStyle/>
+                    <a:p>
+                      <a:pPr fontAlgn="base"/>
+                      <a:r>
+                        <a:rPr lang="en-US" sz="1400"/>
+                        <a:t>2</a:t>
+                      </a:r>
+                      <a:endParaRPr lang="en-US" sz="1400">
+                        <a:effectLst/>
+                      </a:endParaRPr>
+                    </a:p>
+                  </a:txBody>
+                  <a:tcPr anchor="ctr"/>
+                </a:tc>
+                <a:extLst>
+                  <a:ext uri="{0D108BD9-81ED-4DB2-BD59-A6C34878D82A}">
+                    <a16:rowId xmlns:a16="http://schemas.microsoft.com/office/drawing/2014/main" val="2972935163"/>
+                  </a:ext>
+                </a:extLst>
+              </a:tr>
+              <a:tr h="362751">
+                <a:tc>
+                  <a:txBody>
+                    <a:bodyPr/>
+                    <a:lstStyle/>
+                    <a:p>
+                      <a:pPr lvl="0">
+                        <a:buNone/>
+                      </a:pPr>
+                      <a:r>
+                        <a:rPr lang="en-US" sz="1400" b="0" i="0" u="none" strike="noStrike" noProof="0">
+                          <a:solidFill>
+                            <a:srgbClr val="000000"/>
+                          </a:solidFill>
+                          <a:latin typeface="Corbel"/>
+                        </a:rPr>
+                        <a:t>7.  Testing </a:t>
+                      </a:r>
+                      <a:endParaRPr lang="en-US">
+                        <a:effectLst/>
+                      </a:endParaRPr>
+                    </a:p>
+                  </a:txBody>
+                  <a:tcPr anchor="ctr"/>
+                </a:tc>
+                <a:tc>
+                  <a:txBody>
+                    <a:bodyPr/>
+                    <a:lstStyle/>
+                    <a:p>
+                      <a:pPr fontAlgn="base"/>
+                      <a:r>
+                        <a:rPr lang="en-US" sz="1400"/>
+                        <a:t>5</a:t>
+                      </a:r>
+                      <a:endParaRPr lang="en-US" sz="1400">
+                        <a:effectLst/>
+                      </a:endParaRPr>
+                    </a:p>
+                  </a:txBody>
+                  <a:tcPr anchor="ctr"/>
+                </a:tc>
+                <a:tc>
+                  <a:txBody>
+                    <a:bodyPr/>
+                    <a:lstStyle/>
+                    <a:p>
+                      <a:pPr fontAlgn="base"/>
+                      <a:r>
+                        <a:rPr lang="en-US" sz="1400"/>
+                        <a:t>1,2,3,4,5,6</a:t>
+                      </a:r>
+                      <a:endParaRPr lang="en-US" sz="1400">
+                        <a:effectLst/>
+                      </a:endParaRPr>
+                    </a:p>
+                  </a:txBody>
+                  <a:tcPr anchor="ctr"/>
+                </a:tc>
+                <a:extLst>
+                  <a:ext uri="{0D108BD9-81ED-4DB2-BD59-A6C34878D82A}">
+                    <a16:rowId xmlns:a16="http://schemas.microsoft.com/office/drawing/2014/main" val="4207013997"/>
+                  </a:ext>
+                </a:extLst>
+              </a:tr>
+              <a:tr h="362751">
+                <a:tc>
+                  <a:txBody>
+                    <a:bodyPr/>
+                    <a:lstStyle/>
+                    <a:p>
+                      <a:pPr lvl="0">
+                        <a:buNone/>
+                      </a:pPr>
+                      <a:r>
+                        <a:rPr lang="en-US" sz="1400" b="0" i="0" u="none" strike="noStrike" noProof="0">
+                          <a:solidFill>
+                            <a:srgbClr val="000000"/>
+                          </a:solidFill>
+                          <a:latin typeface="Corbel"/>
+                        </a:rPr>
+                        <a:t>8.  Installation </a:t>
+                      </a:r>
+                      <a:endParaRPr lang="en-US">
+                        <a:effectLst/>
+                      </a:endParaRPr>
+                    </a:p>
+                  </a:txBody>
+                  <a:tcPr anchor="ctr"/>
+                </a:tc>
+                <a:tc>
+                  <a:txBody>
+                    <a:bodyPr/>
+                    <a:lstStyle/>
+                    <a:p>
+                      <a:pPr lvl="0" fontAlgn="base">
+                        <a:buNone/>
+                      </a:pPr>
+                      <a:r>
+                        <a:rPr lang="en-US" sz="1400" b="0" i="0" u="none" strike="noStrike" noProof="0">
+                          <a:solidFill>
+                            <a:srgbClr val="000000"/>
+                          </a:solidFill>
+                          <a:latin typeface="Corbel"/>
+                        </a:rPr>
+                        <a:t>1</a:t>
+                      </a:r>
+                      <a:endParaRPr lang="en-US">
+                        <a:effectLst/>
+                      </a:endParaRPr>
+                    </a:p>
+                  </a:txBody>
+                  <a:tcPr anchor="ctr"/>
+                </a:tc>
+                <a:tc>
+                  <a:txBody>
+                    <a:bodyPr/>
+                    <a:lstStyle/>
+                    <a:p>
+                      <a:pPr lvl="0" fontAlgn="base">
+                        <a:buNone/>
+                      </a:pPr>
+                      <a:r>
+                        <a:rPr lang="en-US" sz="1400"/>
+                        <a:t>7</a:t>
+                      </a:r>
+                      <a:endParaRPr lang="en-US" sz="1400">
+                        <a:effectLst/>
+                      </a:endParaRPr>
+                    </a:p>
+                  </a:txBody>
+                  <a:tcPr anchor="ctr"/>
+                </a:tc>
+                <a:extLst>
+                  <a:ext uri="{0D108BD9-81ED-4DB2-BD59-A6C34878D82A}">
+                    <a16:rowId xmlns:a16="http://schemas.microsoft.com/office/drawing/2014/main" val="2672255137"/>
+                  </a:ext>
+                </a:extLst>
+              </a:tr>
+            </a:tbl>
+          </a:graphicData>
+        </a:graphic>
+      </p:graphicFrame>
     </p:spTree>
     <p:extLst>
       <p:ext uri="{BB962C8B-B14F-4D97-AF65-F5344CB8AC3E}">
-        <p14:creationId xmlns:p14="http://schemas.microsoft.com/office/powerpoint/2010/main" val="837348309"/>
+        <p14:creationId xmlns:p14="http://schemas.microsoft.com/office/powerpoint/2010/main" val="616362022"/>
       </p:ext>
     </p:extLst>
   </p:cSld>
@@ -6429,6 +7088,142 @@
                   </a:schemeClr>
                 </a:solidFill>
               </a:rPr>
+              <a:t>Level Management</a:t>
+            </a:r>
+          </a:p>
+        </p:txBody>
+      </p:sp>
+      <p:sp>
+        <p:nvSpPr>
+          <p:cNvPr id="3" name="Subtitle 2">
+            <a:extLst>
+              <a:ext uri="{FF2B5EF4-FFF2-40B4-BE49-F238E27FC236}">
+                <a16:creationId xmlns:a16="http://schemas.microsoft.com/office/drawing/2014/main" id="{4A3C2BE8-C9F0-4C1D-B6F4-0E7F68071EE3}"/>
+              </a:ext>
+            </a:extLst>
+          </p:cNvPr>
+          <p:cNvSpPr>
+            <a:spLocks noGrp="1"/>
+          </p:cNvSpPr>
+          <p:nvPr>
+            <p:ph type="subTitle" idx="1"/>
+          </p:nvPr>
+        </p:nvSpPr>
+        <p:spPr>
+          <a:xfrm>
+            <a:off x="3674549" y="2857646"/>
+            <a:ext cx="6987645" cy="1388534"/>
+          </a:xfrm>
+        </p:spPr>
+        <p:txBody>
+          <a:bodyPr/>
+          <a:lstStyle/>
+          <a:p>
+            <a:pPr algn="ctr"/>
+            <a:r>
+              <a:rPr lang="en-US" sz="4800"/>
+              <a:t>Questions?</a:t>
+            </a:r>
+          </a:p>
+        </p:txBody>
+      </p:sp>
+      <p:pic>
+        <p:nvPicPr>
+          <p:cNvPr id="4" name="Picture 4" descr="A close up of a sign&#10;&#10;Description generated with very high confidence">
+            <a:extLst>
+              <a:ext uri="{FF2B5EF4-FFF2-40B4-BE49-F238E27FC236}">
+                <a16:creationId xmlns:a16="http://schemas.microsoft.com/office/drawing/2014/main" id="{B3B5CCD3-B535-488B-94C2-2086E3C7B5C9}"/>
+              </a:ext>
+            </a:extLst>
+          </p:cNvPr>
+          <p:cNvPicPr>
+            <a:picLocks noChangeAspect="1"/>
+          </p:cNvPicPr>
+          <p:nvPr/>
+        </p:nvPicPr>
+        <p:blipFill>
+          <a:blip r:embed="rId2"/>
+          <a:stretch>
+            <a:fillRect/>
+          </a:stretch>
+        </p:blipFill>
+        <p:spPr>
+          <a:xfrm>
+            <a:off x="1503" y="4426614"/>
+            <a:ext cx="2502114" cy="2499171"/>
+          </a:xfrm>
+          <a:prstGeom prst="rect">
+            <a:avLst/>
+          </a:prstGeom>
+        </p:spPr>
+      </p:pic>
+    </p:spTree>
+    <p:extLst>
+      <p:ext uri="{BB962C8B-B14F-4D97-AF65-F5344CB8AC3E}">
+        <p14:creationId xmlns:p14="http://schemas.microsoft.com/office/powerpoint/2010/main" val="837348309"/>
+      </p:ext>
+    </p:extLst>
+  </p:cSld>
+  <p:clrMapOvr>
+    <a:masterClrMapping/>
+  </p:clrMapOvr>
+</p:sld>
+</file>
+
+<file path=ppt/slides/slide12.xml><?xml version="1.0" encoding="utf-8"?>
+<p:sld xmlns:a="http://schemas.openxmlformats.org/drawingml/2006/main" xmlns:r="http://schemas.openxmlformats.org/officeDocument/2006/relationships" xmlns:p="http://schemas.openxmlformats.org/presentationml/2006/main">
+  <p:cSld>
+    <p:spTree>
+      <p:nvGrpSpPr>
+        <p:cNvPr id="1" name=""/>
+        <p:cNvGrpSpPr/>
+        <p:nvPr/>
+      </p:nvGrpSpPr>
+      <p:grpSpPr>
+        <a:xfrm>
+          <a:off x="0" y="0"/>
+          <a:ext cx="0" cy="0"/>
+          <a:chOff x="0" y="0"/>
+          <a:chExt cx="0" cy="0"/>
+        </a:xfrm>
+      </p:grpSpPr>
+      <p:sp>
+        <p:nvSpPr>
+          <p:cNvPr id="2" name="Title 1">
+            <a:extLst>
+              <a:ext uri="{FF2B5EF4-FFF2-40B4-BE49-F238E27FC236}">
+                <a16:creationId xmlns:a16="http://schemas.microsoft.com/office/drawing/2014/main" id="{59D2053B-3B08-4FC5-9C84-634719D44497}"/>
+              </a:ext>
+            </a:extLst>
+          </p:cNvPr>
+          <p:cNvSpPr>
+            <a:spLocks noGrp="1"/>
+          </p:cNvSpPr>
+          <p:nvPr>
+            <p:ph type="ctrTitle"/>
+          </p:nvPr>
+        </p:nvSpPr>
+        <p:spPr>
+          <a:xfrm>
+            <a:off x="2928401" y="1380068"/>
+            <a:ext cx="8574622" cy="53550"/>
+          </a:xfrm>
+        </p:spPr>
+        <p:txBody>
+          <a:bodyPr>
+            <a:normAutofit fontScale="90000"/>
+          </a:bodyPr>
+          <a:lstStyle/>
+          <a:p>
+            <a:pPr algn="ctr"/>
+            <a:r>
+              <a:rPr lang="en-US">
+                <a:solidFill>
+                  <a:schemeClr val="accent1">
+                    <a:lumMod val="75000"/>
+                  </a:schemeClr>
+                </a:solidFill>
+              </a:rPr>
               <a:t>Player Management</a:t>
             </a:r>
           </a:p>
@@ -6590,7 +7385,7 @@
 </p:sld>
 </file>
 
-<file path=ppt/slides/slide12.xml><?xml version="1.0" encoding="utf-8"?>
+<file path=ppt/slides/slide13.xml><?xml version="1.0" encoding="utf-8"?>
 <p:sld xmlns:a="http://schemas.openxmlformats.org/drawingml/2006/main" xmlns:r="http://schemas.openxmlformats.org/officeDocument/2006/relationships" xmlns:p="http://schemas.openxmlformats.org/presentationml/2006/main">
   <p:cSld>
     <p:spTree>
@@ -6722,7 +7517,7 @@
 </p:sld>
 </file>
 
-<file path=ppt/slides/slide13.xml><?xml version="1.0" encoding="utf-8"?>
+<file path=ppt/slides/slide14.xml><?xml version="1.0" encoding="utf-8"?>
 <p:sld xmlns:a="http://schemas.openxmlformats.org/drawingml/2006/main" xmlns:r="http://schemas.openxmlformats.org/officeDocument/2006/relationships" xmlns:p="http://schemas.openxmlformats.org/presentationml/2006/main">
   <p:cSld>
     <p:spTree>
@@ -7534,7 +8329,7 @@
 </p:sld>
 </file>
 
-<file path=ppt/slides/slide14.xml><?xml version="1.0" encoding="utf-8"?>
+<file path=ppt/slides/slide15.xml><?xml version="1.0" encoding="utf-8"?>
 <p:sld xmlns:a="http://schemas.openxmlformats.org/drawingml/2006/main" xmlns:r="http://schemas.openxmlformats.org/officeDocument/2006/relationships" xmlns:p="http://schemas.openxmlformats.org/presentationml/2006/main">
   <p:cSld>
     <p:spTree>
@@ -7670,7 +8465,7 @@
 </p:sld>
 </file>
 
-<file path=ppt/slides/slide15.xml><?xml version="1.0" encoding="utf-8"?>
+<file path=ppt/slides/slide16.xml><?xml version="1.0" encoding="utf-8"?>
 <p:sld xmlns:a="http://schemas.openxmlformats.org/drawingml/2006/main" xmlns:r="http://schemas.openxmlformats.org/officeDocument/2006/relationships" xmlns:p="http://schemas.openxmlformats.org/presentationml/2006/main">
   <p:cSld>
     <p:spTree>
@@ -7747,19 +8542,19 @@
         </p:nvSpPr>
         <p:spPr>
           <a:xfrm>
-            <a:off x="4464610" y="1758077"/>
-            <a:ext cx="7038412" cy="4292379"/>
+            <a:off x="4578910" y="1529477"/>
+            <a:ext cx="7038412" cy="4901979"/>
           </a:xfrm>
         </p:spPr>
         <p:txBody>
           <a:bodyPr>
-            <a:normAutofit lnSpcReduction="10000"/>
+            <a:normAutofit/>
           </a:bodyPr>
           <a:lstStyle/>
           <a:p>
             <a:pPr algn="l"/>
             <a:r>
-              <a:rPr lang="en-US" dirty="0">
+              <a:rPr lang="en-US">
                 <a:solidFill>
                   <a:schemeClr val="accent1">
                     <a:lumMod val="75000"/>
@@ -7769,7 +8564,7 @@
               <a:t>Priority Level:</a:t>
             </a:r>
             <a:r>
-              <a:rPr lang="en-US" dirty="0">
+              <a:rPr lang="en-US">
                 <a:solidFill>
                   <a:schemeClr val="accent1"/>
                 </a:solidFill>
@@ -7777,18 +8572,14 @@
               <a:t> </a:t>
             </a:r>
             <a:r>
-              <a:rPr lang="en-US" dirty="0"/>
+              <a:rPr lang="en-US"/>
               <a:t>2</a:t>
             </a:r>
           </a:p>
           <a:p>
             <a:pPr algn="l"/>
-            <a:endParaRPr lang="en-US"/>
-          </a:p>
-          <a:p>
-            <a:pPr algn="l"/>
-            <a:r>
-              <a:rPr lang="en-US" dirty="0">
+            <a:r>
+              <a:rPr lang="en-US">
                 <a:solidFill>
                   <a:schemeClr val="accent1">
                     <a:lumMod val="75000"/>
@@ -7811,7 +8602,7 @@
               <a:t>despawning</a:t>
             </a:r>
             <a:r>
-              <a:rPr lang="en-US" dirty="0"/>
+              <a:rPr lang="en-US"/>
               <a:t> of enemies in the game</a:t>
             </a:r>
           </a:p>
@@ -7821,18 +8612,14 @@
             </a:pPr>
             <a:r>
               <a:rPr lang="en-US"/>
-              <a:t> Keep track of all enemies' stats such as health, damage, is </a:t>
-            </a:r>
-            <a:r>
-              <a:rPr lang="en-US" dirty="0"/>
-              <a:t>spawned... </a:t>
+              <a:t> Keep track of all enemies' stats such as health, damage, is spawned... </a:t>
             </a:r>
             <a:r>
               <a:rPr lang="en-US" err="1"/>
               <a:t>etc</a:t>
             </a:r>
             <a:r>
-              <a:rPr lang="en-US" dirty="0"/>
+              <a:rPr lang="en-US"/>
               <a:t> </a:t>
             </a:r>
           </a:p>
@@ -7851,11 +8638,7 @@
             </a:pPr>
             <a:r>
               <a:rPr lang="en-US"/>
-              <a:t> Manage the interactions between enemies and certain items </a:t>
-            </a:r>
-            <a:r>
-              <a:rPr lang="en-US" dirty="0"/>
-              <a:t>in the game</a:t>
+              <a:t> Manage the interactions between enemies and certain items in the game</a:t>
             </a:r>
           </a:p>
           <a:p>
@@ -7866,7 +8649,21 @@
               <a:rPr lang="en-US"/>
               <a:t> Manage combat between enemies and the player</a:t>
             </a:r>
-            <a:endParaRPr lang="en-US" err="1"/>
+          </a:p>
+          <a:p>
+            <a:pPr marL="342900" indent="-342900" algn="l">
+              <a:buChar char="•"/>
+            </a:pPr>
+            <a:r>
+              <a:rPr lang="en-US"/>
+              <a:t>Fairly complex compared to most other features </a:t>
+            </a:r>
+          </a:p>
+          <a:p>
+            <a:pPr marL="342900" indent="-342900" algn="l">
+              <a:buChar char="•"/>
+            </a:pPr>
+            <a:endParaRPr lang="en-US"/>
           </a:p>
         </p:txBody>
       </p:sp>
@@ -7913,7 +8710,7 @@
 </p:sld>
 </file>
 
-<file path=ppt/slides/slide16.xml><?xml version="1.0" encoding="utf-8"?>
+<file path=ppt/slides/slide17.xml><?xml version="1.0" encoding="utf-8"?>
 <p:sld xmlns:a="http://schemas.openxmlformats.org/drawingml/2006/main" xmlns:r="http://schemas.openxmlformats.org/officeDocument/2006/relationships" xmlns:p="http://schemas.openxmlformats.org/presentationml/2006/main">
   <p:cSld>
     <p:spTree>
@@ -8044,7 +8841,7 @@
 </p:sld>
 </file>
 
-<file path=ppt/slides/slide17.xml><?xml version="1.0" encoding="utf-8"?>
+<file path=ppt/slides/slide18.xml><?xml version="1.0" encoding="utf-8"?>
 <p:sld xmlns:a="http://schemas.openxmlformats.org/drawingml/2006/main" xmlns:r="http://schemas.openxmlformats.org/officeDocument/2006/relationships" xmlns:p="http://schemas.openxmlformats.org/presentationml/2006/main">
   <p:cSld>
     <p:spTree>
@@ -8808,7 +9605,7 @@
 </p:sld>
 </file>
 
-<file path=ppt/slides/slide18.xml><?xml version="1.0" encoding="utf-8"?>
+<file path=ppt/slides/slide19.xml><?xml version="1.0" encoding="utf-8"?>
 <p:sld xmlns:a="http://schemas.openxmlformats.org/drawingml/2006/main" xmlns:r="http://schemas.openxmlformats.org/officeDocument/2006/relationships" xmlns:p="http://schemas.openxmlformats.org/presentationml/2006/main">
   <p:cSld>
     <p:spTree>
@@ -8935,350 +9732,6 @@
     <p:extLst>
       <p:ext uri="{BB962C8B-B14F-4D97-AF65-F5344CB8AC3E}">
         <p14:creationId xmlns:p14="http://schemas.microsoft.com/office/powerpoint/2010/main" val="4065488091"/>
-      </p:ext>
-    </p:extLst>
-  </p:cSld>
-  <p:clrMapOvr>
-    <a:masterClrMapping/>
-  </p:clrMapOvr>
-</p:sld>
-</file>
-
-<file path=ppt/slides/slide19.xml><?xml version="1.0" encoding="utf-8"?>
-<p:sld xmlns:a="http://schemas.openxmlformats.org/drawingml/2006/main" xmlns:r="http://schemas.openxmlformats.org/officeDocument/2006/relationships" xmlns:p="http://schemas.openxmlformats.org/presentationml/2006/main">
-  <p:cSld>
-    <p:spTree>
-      <p:nvGrpSpPr>
-        <p:cNvPr id="1" name=""/>
-        <p:cNvGrpSpPr/>
-        <p:nvPr/>
-      </p:nvGrpSpPr>
-      <p:grpSpPr>
-        <a:xfrm>
-          <a:off x="0" y="0"/>
-          <a:ext cx="0" cy="0"/>
-          <a:chOff x="0" y="0"/>
-          <a:chExt cx="0" cy="0"/>
-        </a:xfrm>
-      </p:grpSpPr>
-      <p:sp>
-        <p:nvSpPr>
-          <p:cNvPr id="2" name="Title 1">
-            <a:extLst>
-              <a:ext uri="{FF2B5EF4-FFF2-40B4-BE49-F238E27FC236}">
-                <a16:creationId xmlns:a16="http://schemas.microsoft.com/office/drawing/2014/main" id="{59D2053B-3B08-4FC5-9C84-634719D44497}"/>
-              </a:ext>
-            </a:extLst>
-          </p:cNvPr>
-          <p:cNvSpPr>
-            <a:spLocks noGrp="1"/>
-          </p:cNvSpPr>
-          <p:nvPr>
-            <p:ph type="ctrTitle"/>
-          </p:nvPr>
-        </p:nvSpPr>
-        <p:spPr>
-          <a:xfrm>
-            <a:off x="4229923" y="2013064"/>
-            <a:ext cx="8574622" cy="53550"/>
-          </a:xfrm>
-        </p:spPr>
-        <p:txBody>
-          <a:bodyPr>
-            <a:normAutofit fontScale="90000"/>
-          </a:bodyPr>
-          <a:lstStyle/>
-          <a:p>
-            <a:pPr algn="ctr"/>
-            <a:r>
-              <a:rPr lang="en-US">
-                <a:solidFill>
-                  <a:schemeClr val="accent1">
-                    <a:lumMod val="75000"/>
-                  </a:schemeClr>
-                </a:solidFill>
-              </a:rPr>
-              <a:t>Item Management</a:t>
-            </a:r>
-          </a:p>
-        </p:txBody>
-      </p:sp>
-      <p:pic>
-        <p:nvPicPr>
-          <p:cNvPr id="4" name="Picture 4" descr="A close up of a sign&#10;&#10;Description generated with very high confidence">
-            <a:extLst>
-              <a:ext uri="{FF2B5EF4-FFF2-40B4-BE49-F238E27FC236}">
-                <a16:creationId xmlns:a16="http://schemas.microsoft.com/office/drawing/2014/main" id="{B3B5CCD3-B535-488B-94C2-2086E3C7B5C9}"/>
-              </a:ext>
-            </a:extLst>
-          </p:cNvPr>
-          <p:cNvPicPr>
-            <a:picLocks noChangeAspect="1"/>
-          </p:cNvPicPr>
-          <p:nvPr/>
-        </p:nvPicPr>
-        <p:blipFill>
-          <a:blip r:embed="rId2"/>
-          <a:stretch>
-            <a:fillRect/>
-          </a:stretch>
-        </p:blipFill>
-        <p:spPr>
-          <a:xfrm>
-            <a:off x="1503" y="4426614"/>
-            <a:ext cx="2502114" cy="2499171"/>
-          </a:xfrm>
-          <a:prstGeom prst="rect">
-            <a:avLst/>
-          </a:prstGeom>
-        </p:spPr>
-      </p:pic>
-      <p:sp>
-        <p:nvSpPr>
-          <p:cNvPr id="3" name="TextBox 2">
-            <a:extLst>
-              <a:ext uri="{FF2B5EF4-FFF2-40B4-BE49-F238E27FC236}">
-                <a16:creationId xmlns:a16="http://schemas.microsoft.com/office/drawing/2014/main" id="{1F35DE07-1F27-48B2-A9B8-FBD0D2898BF7}"/>
-              </a:ext>
-            </a:extLst>
-          </p:cNvPr>
-          <p:cNvSpPr txBox="1"/>
-          <p:nvPr/>
-        </p:nvSpPr>
-        <p:spPr>
-          <a:xfrm>
-            <a:off x="4930022" y="2008650"/>
-            <a:ext cx="7346630" cy="5281446"/>
-          </a:xfrm>
-          <a:prstGeom prst="rect">
-            <a:avLst/>
-          </a:prstGeom>
-        </p:spPr>
-        <p:txBody>
-          <a:bodyPr rot="0" spcFirstLastPara="0" vertOverflow="overflow" horzOverflow="overflow" vert="horz" wrap="square" lIns="91440" tIns="45720" rIns="91440" bIns="45720" numCol="1" spcCol="0" rtlCol="0" fromWordArt="0" anchor="t" anchorCtr="0" forceAA="0" compatLnSpc="1">
-            <a:prstTxWarp prst="textNoShape">
-              <a:avLst/>
-            </a:prstTxWarp>
-            <a:spAutoFit/>
-          </a:bodyPr>
-          <a:lstStyle/>
-          <a:p>
-            <a:pPr>
-              <a:spcBef>
-                <a:spcPct val="20000"/>
-              </a:spcBef>
-              <a:spcAft>
-                <a:spcPts val="600"/>
-              </a:spcAft>
-            </a:pPr>
-            <a:r>
-              <a:rPr lang="en-US" dirty="0">
-                <a:solidFill>
-                  <a:schemeClr val="accent1">
-                    <a:lumMod val="75000"/>
-                  </a:schemeClr>
-                </a:solidFill>
-              </a:rPr>
-              <a:t>Priority: </a:t>
-            </a:r>
-            <a:r>
-              <a:rPr lang="en-US" dirty="0"/>
-              <a:t>2</a:t>
-            </a:r>
-          </a:p>
-          <a:p>
-            <a:pPr>
-              <a:spcBef>
-                <a:spcPct val="20000"/>
-              </a:spcBef>
-              <a:spcAft>
-                <a:spcPts val="600"/>
-              </a:spcAft>
-            </a:pPr>
-            <a:endParaRPr lang="en-US" dirty="0">
-              <a:solidFill>
-                <a:schemeClr val="accent1">
-                  <a:lumMod val="75000"/>
-                </a:schemeClr>
-              </a:solidFill>
-            </a:endParaRPr>
-          </a:p>
-          <a:p>
-            <a:pPr>
-              <a:spcBef>
-                <a:spcPct val="20000"/>
-              </a:spcBef>
-              <a:spcAft>
-                <a:spcPts val="600"/>
-              </a:spcAft>
-            </a:pPr>
-            <a:r>
-              <a:rPr lang="en-US" dirty="0">
-                <a:solidFill>
-                  <a:schemeClr val="accent1">
-                    <a:lumMod val="75000"/>
-                  </a:schemeClr>
-                </a:solidFill>
-              </a:rPr>
-              <a:t>Role:</a:t>
-            </a:r>
-          </a:p>
-          <a:p>
-            <a:pPr marL="285750" indent="-285750">
-              <a:spcBef>
-                <a:spcPct val="20000"/>
-              </a:spcBef>
-              <a:spcAft>
-                <a:spcPts val="600"/>
-              </a:spcAft>
-              <a:buFont typeface="Courier New"/>
-              <a:buChar char="o"/>
-            </a:pPr>
-            <a:r>
-              <a:rPr lang="en-US" dirty="0"/>
-              <a:t>Control item placement and interactions</a:t>
-            </a:r>
-          </a:p>
-          <a:p>
-            <a:pPr lvl="1" indent="-285750">
-              <a:spcBef>
-                <a:spcPct val="20000"/>
-              </a:spcBef>
-              <a:spcAft>
-                <a:spcPts val="600"/>
-              </a:spcAft>
-              <a:buFont typeface="Courier New"/>
-              <a:buChar char="o"/>
-            </a:pPr>
-            <a:r>
-              <a:rPr lang="en-US" dirty="0"/>
-              <a:t>Chalice</a:t>
-            </a:r>
-          </a:p>
-          <a:p>
-            <a:pPr lvl="1" indent="-285750">
-              <a:spcBef>
-                <a:spcPct val="20000"/>
-              </a:spcBef>
-              <a:spcAft>
-                <a:spcPts val="600"/>
-              </a:spcAft>
-              <a:buFont typeface="Courier New"/>
-              <a:buChar char="o"/>
-            </a:pPr>
-            <a:r>
-              <a:rPr lang="en-US" dirty="0"/>
-              <a:t>Key</a:t>
-            </a:r>
-          </a:p>
-          <a:p>
-            <a:pPr lvl="1" indent="-285750">
-              <a:spcBef>
-                <a:spcPct val="20000"/>
-              </a:spcBef>
-              <a:spcAft>
-                <a:spcPts val="600"/>
-              </a:spcAft>
-              <a:buFont typeface="Courier New"/>
-              <a:buChar char="o"/>
-            </a:pPr>
-            <a:r>
-              <a:rPr lang="en-US" dirty="0"/>
-              <a:t>Sword</a:t>
-            </a:r>
-          </a:p>
-          <a:p>
-            <a:pPr marL="285750" indent="-285750">
-              <a:spcBef>
-                <a:spcPct val="20000"/>
-              </a:spcBef>
-              <a:spcAft>
-                <a:spcPts val="600"/>
-              </a:spcAft>
-              <a:buFont typeface="Courier New"/>
-              <a:buChar char="o"/>
-            </a:pPr>
-            <a:r>
-              <a:rPr lang="en-US" dirty="0"/>
-              <a:t>Manage user-item/enemy-item/map-item interactions</a:t>
-            </a:r>
-          </a:p>
-          <a:p>
-            <a:pPr lvl="1" indent="-285750">
-              <a:spcBef>
-                <a:spcPct val="20000"/>
-              </a:spcBef>
-              <a:spcAft>
-                <a:spcPts val="600"/>
-              </a:spcAft>
-              <a:buFont typeface="Courier New"/>
-              <a:buChar char="o"/>
-            </a:pPr>
-            <a:r>
-              <a:rPr lang="en-US" dirty="0"/>
-              <a:t>Pick up item</a:t>
-            </a:r>
-          </a:p>
-          <a:p>
-            <a:pPr lvl="1" indent="-285750">
-              <a:spcBef>
-                <a:spcPct val="20000"/>
-              </a:spcBef>
-              <a:spcAft>
-                <a:spcPts val="600"/>
-              </a:spcAft>
-              <a:buFont typeface="Courier New"/>
-              <a:buChar char="o"/>
-            </a:pPr>
-            <a:r>
-              <a:rPr lang="en-US" dirty="0"/>
-              <a:t>Drop item</a:t>
-            </a:r>
-          </a:p>
-          <a:p>
-            <a:pPr lvl="1" indent="-285750">
-              <a:spcBef>
-                <a:spcPct val="20000"/>
-              </a:spcBef>
-              <a:spcAft>
-                <a:spcPts val="600"/>
-              </a:spcAft>
-              <a:buFont typeface="Courier New"/>
-              <a:buChar char="o"/>
-            </a:pPr>
-            <a:r>
-              <a:rPr lang="en-US" dirty="0"/>
-              <a:t>Use item (unlock door, attack enemy)</a:t>
-            </a:r>
-          </a:p>
-          <a:p>
-            <a:pPr marL="171450" lvl="1">
-              <a:spcBef>
-                <a:spcPct val="20000"/>
-              </a:spcBef>
-              <a:spcAft>
-                <a:spcPts val="600"/>
-              </a:spcAft>
-            </a:pPr>
-            <a:endParaRPr lang="en-US" dirty="0"/>
-          </a:p>
-          <a:p>
-            <a:pPr marL="171450" lvl="1">
-              <a:spcBef>
-                <a:spcPct val="20000"/>
-              </a:spcBef>
-              <a:spcAft>
-                <a:spcPts val="600"/>
-              </a:spcAft>
-            </a:pPr>
-            <a:endParaRPr lang="en-US" dirty="0"/>
-          </a:p>
-        </p:txBody>
-      </p:sp>
-    </p:spTree>
-    <p:extLst>
-      <p:ext uri="{BB962C8B-B14F-4D97-AF65-F5344CB8AC3E}">
-        <p14:creationId xmlns:p14="http://schemas.microsoft.com/office/powerpoint/2010/main" val="3889907452"/>
       </p:ext>
     </p:extLst>
   </p:cSld>
@@ -9334,7 +9787,7 @@
           <a:lstStyle/>
           <a:p>
             <a:r>
-              <a:rPr lang="en-US" dirty="0">
+              <a:rPr lang="en-US">
                 <a:solidFill>
                   <a:schemeClr val="accent1">
                     <a:lumMod val="75000"/>
@@ -9344,7 +9797,7 @@
               <a:t>Virtual Reality,</a:t>
             </a:r>
             <a:br>
-              <a:rPr lang="en-US" dirty="0">
+              <a:rPr lang="en-US">
                 <a:solidFill>
                   <a:schemeClr val="accent1">
                     <a:lumMod val="75000"/>
@@ -9353,7 +9806,7 @@
               </a:rPr>
             </a:br>
             <a:r>
-              <a:rPr lang="en-US" dirty="0">
+              <a:rPr lang="en-US">
                 <a:solidFill>
                   <a:schemeClr val="accent1">
                     <a:lumMod val="75000"/>
@@ -9579,6 +10032,350 @@
         </p:nvSpPr>
         <p:spPr>
           <a:xfrm>
+            <a:off x="4229923" y="2013064"/>
+            <a:ext cx="8574622" cy="53550"/>
+          </a:xfrm>
+        </p:spPr>
+        <p:txBody>
+          <a:bodyPr>
+            <a:normAutofit fontScale="90000"/>
+          </a:bodyPr>
+          <a:lstStyle/>
+          <a:p>
+            <a:pPr algn="ctr"/>
+            <a:r>
+              <a:rPr lang="en-US">
+                <a:solidFill>
+                  <a:schemeClr val="accent1">
+                    <a:lumMod val="75000"/>
+                  </a:schemeClr>
+                </a:solidFill>
+              </a:rPr>
+              <a:t>Item Management</a:t>
+            </a:r>
+          </a:p>
+        </p:txBody>
+      </p:sp>
+      <p:pic>
+        <p:nvPicPr>
+          <p:cNvPr id="4" name="Picture 4" descr="A close up of a sign&#10;&#10;Description generated with very high confidence">
+            <a:extLst>
+              <a:ext uri="{FF2B5EF4-FFF2-40B4-BE49-F238E27FC236}">
+                <a16:creationId xmlns:a16="http://schemas.microsoft.com/office/drawing/2014/main" id="{B3B5CCD3-B535-488B-94C2-2086E3C7B5C9}"/>
+              </a:ext>
+            </a:extLst>
+          </p:cNvPr>
+          <p:cNvPicPr>
+            <a:picLocks noChangeAspect="1"/>
+          </p:cNvPicPr>
+          <p:nvPr/>
+        </p:nvPicPr>
+        <p:blipFill>
+          <a:blip r:embed="rId2"/>
+          <a:stretch>
+            <a:fillRect/>
+          </a:stretch>
+        </p:blipFill>
+        <p:spPr>
+          <a:xfrm>
+            <a:off x="1503" y="4426614"/>
+            <a:ext cx="2502114" cy="2499171"/>
+          </a:xfrm>
+          <a:prstGeom prst="rect">
+            <a:avLst/>
+          </a:prstGeom>
+        </p:spPr>
+      </p:pic>
+      <p:sp>
+        <p:nvSpPr>
+          <p:cNvPr id="3" name="TextBox 2">
+            <a:extLst>
+              <a:ext uri="{FF2B5EF4-FFF2-40B4-BE49-F238E27FC236}">
+                <a16:creationId xmlns:a16="http://schemas.microsoft.com/office/drawing/2014/main" id="{1F35DE07-1F27-48B2-A9B8-FBD0D2898BF7}"/>
+              </a:ext>
+            </a:extLst>
+          </p:cNvPr>
+          <p:cNvSpPr txBox="1"/>
+          <p:nvPr/>
+        </p:nvSpPr>
+        <p:spPr>
+          <a:xfrm>
+            <a:off x="4930022" y="2008650"/>
+            <a:ext cx="7346630" cy="5281446"/>
+          </a:xfrm>
+          <a:prstGeom prst="rect">
+            <a:avLst/>
+          </a:prstGeom>
+        </p:spPr>
+        <p:txBody>
+          <a:bodyPr rot="0" spcFirstLastPara="0" vertOverflow="overflow" horzOverflow="overflow" vert="horz" wrap="square" lIns="91440" tIns="45720" rIns="91440" bIns="45720" numCol="1" spcCol="0" rtlCol="0" fromWordArt="0" anchor="t" anchorCtr="0" forceAA="0" compatLnSpc="1">
+            <a:prstTxWarp prst="textNoShape">
+              <a:avLst/>
+            </a:prstTxWarp>
+            <a:spAutoFit/>
+          </a:bodyPr>
+          <a:lstStyle/>
+          <a:p>
+            <a:pPr>
+              <a:spcBef>
+                <a:spcPct val="20000"/>
+              </a:spcBef>
+              <a:spcAft>
+                <a:spcPts val="600"/>
+              </a:spcAft>
+            </a:pPr>
+            <a:r>
+              <a:rPr lang="en-US">
+                <a:solidFill>
+                  <a:schemeClr val="accent1">
+                    <a:lumMod val="75000"/>
+                  </a:schemeClr>
+                </a:solidFill>
+              </a:rPr>
+              <a:t>Priority: </a:t>
+            </a:r>
+            <a:r>
+              <a:rPr lang="en-US"/>
+              <a:t>2</a:t>
+            </a:r>
+          </a:p>
+          <a:p>
+            <a:pPr>
+              <a:spcBef>
+                <a:spcPct val="20000"/>
+              </a:spcBef>
+              <a:spcAft>
+                <a:spcPts val="600"/>
+              </a:spcAft>
+            </a:pPr>
+            <a:endParaRPr lang="en-US">
+              <a:solidFill>
+                <a:schemeClr val="accent1">
+                  <a:lumMod val="75000"/>
+                </a:schemeClr>
+              </a:solidFill>
+            </a:endParaRPr>
+          </a:p>
+          <a:p>
+            <a:pPr>
+              <a:spcBef>
+                <a:spcPct val="20000"/>
+              </a:spcBef>
+              <a:spcAft>
+                <a:spcPts val="600"/>
+              </a:spcAft>
+            </a:pPr>
+            <a:r>
+              <a:rPr lang="en-US">
+                <a:solidFill>
+                  <a:schemeClr val="accent1">
+                    <a:lumMod val="75000"/>
+                  </a:schemeClr>
+                </a:solidFill>
+              </a:rPr>
+              <a:t>Role:</a:t>
+            </a:r>
+          </a:p>
+          <a:p>
+            <a:pPr marL="285750" indent="-285750">
+              <a:spcBef>
+                <a:spcPct val="20000"/>
+              </a:spcBef>
+              <a:spcAft>
+                <a:spcPts val="600"/>
+              </a:spcAft>
+              <a:buFont typeface="Courier New"/>
+              <a:buChar char="o"/>
+            </a:pPr>
+            <a:r>
+              <a:rPr lang="en-US"/>
+              <a:t>Control item placement and interactions</a:t>
+            </a:r>
+          </a:p>
+          <a:p>
+            <a:pPr lvl="1" indent="-285750">
+              <a:spcBef>
+                <a:spcPct val="20000"/>
+              </a:spcBef>
+              <a:spcAft>
+                <a:spcPts val="600"/>
+              </a:spcAft>
+              <a:buFont typeface="Courier New"/>
+              <a:buChar char="o"/>
+            </a:pPr>
+            <a:r>
+              <a:rPr lang="en-US"/>
+              <a:t>Chalice</a:t>
+            </a:r>
+          </a:p>
+          <a:p>
+            <a:pPr lvl="1" indent="-285750">
+              <a:spcBef>
+                <a:spcPct val="20000"/>
+              </a:spcBef>
+              <a:spcAft>
+                <a:spcPts val="600"/>
+              </a:spcAft>
+              <a:buFont typeface="Courier New"/>
+              <a:buChar char="o"/>
+            </a:pPr>
+            <a:r>
+              <a:rPr lang="en-US"/>
+              <a:t>Key</a:t>
+            </a:r>
+          </a:p>
+          <a:p>
+            <a:pPr lvl="1" indent="-285750">
+              <a:spcBef>
+                <a:spcPct val="20000"/>
+              </a:spcBef>
+              <a:spcAft>
+                <a:spcPts val="600"/>
+              </a:spcAft>
+              <a:buFont typeface="Courier New"/>
+              <a:buChar char="o"/>
+            </a:pPr>
+            <a:r>
+              <a:rPr lang="en-US"/>
+              <a:t>Sword</a:t>
+            </a:r>
+          </a:p>
+          <a:p>
+            <a:pPr marL="285750" indent="-285750">
+              <a:spcBef>
+                <a:spcPct val="20000"/>
+              </a:spcBef>
+              <a:spcAft>
+                <a:spcPts val="600"/>
+              </a:spcAft>
+              <a:buFont typeface="Courier New"/>
+              <a:buChar char="o"/>
+            </a:pPr>
+            <a:r>
+              <a:rPr lang="en-US"/>
+              <a:t>Manage user-item/enemy-item/map-item interactions</a:t>
+            </a:r>
+          </a:p>
+          <a:p>
+            <a:pPr lvl="1" indent="-285750">
+              <a:spcBef>
+                <a:spcPct val="20000"/>
+              </a:spcBef>
+              <a:spcAft>
+                <a:spcPts val="600"/>
+              </a:spcAft>
+              <a:buFont typeface="Courier New"/>
+              <a:buChar char="o"/>
+            </a:pPr>
+            <a:r>
+              <a:rPr lang="en-US"/>
+              <a:t>Pick up item</a:t>
+            </a:r>
+          </a:p>
+          <a:p>
+            <a:pPr lvl="1" indent="-285750">
+              <a:spcBef>
+                <a:spcPct val="20000"/>
+              </a:spcBef>
+              <a:spcAft>
+                <a:spcPts val="600"/>
+              </a:spcAft>
+              <a:buFont typeface="Courier New"/>
+              <a:buChar char="o"/>
+            </a:pPr>
+            <a:r>
+              <a:rPr lang="en-US"/>
+              <a:t>Drop item</a:t>
+            </a:r>
+          </a:p>
+          <a:p>
+            <a:pPr lvl="1" indent="-285750">
+              <a:spcBef>
+                <a:spcPct val="20000"/>
+              </a:spcBef>
+              <a:spcAft>
+                <a:spcPts val="600"/>
+              </a:spcAft>
+              <a:buFont typeface="Courier New"/>
+              <a:buChar char="o"/>
+            </a:pPr>
+            <a:r>
+              <a:rPr lang="en-US"/>
+              <a:t>Use item (unlock door, attack enemy)</a:t>
+            </a:r>
+          </a:p>
+          <a:p>
+            <a:pPr marL="171450" lvl="1">
+              <a:spcBef>
+                <a:spcPct val="20000"/>
+              </a:spcBef>
+              <a:spcAft>
+                <a:spcPts val="600"/>
+              </a:spcAft>
+            </a:pPr>
+            <a:endParaRPr lang="en-US"/>
+          </a:p>
+          <a:p>
+            <a:pPr marL="171450" lvl="1">
+              <a:spcBef>
+                <a:spcPct val="20000"/>
+              </a:spcBef>
+              <a:spcAft>
+                <a:spcPts val="600"/>
+              </a:spcAft>
+            </a:pPr>
+            <a:endParaRPr lang="en-US"/>
+          </a:p>
+        </p:txBody>
+      </p:sp>
+    </p:spTree>
+    <p:extLst>
+      <p:ext uri="{BB962C8B-B14F-4D97-AF65-F5344CB8AC3E}">
+        <p14:creationId xmlns:p14="http://schemas.microsoft.com/office/powerpoint/2010/main" val="3889907452"/>
+      </p:ext>
+    </p:extLst>
+  </p:cSld>
+  <p:clrMapOvr>
+    <a:masterClrMapping/>
+  </p:clrMapOvr>
+</p:sld>
+</file>
+
+<file path=ppt/slides/slide21.xml><?xml version="1.0" encoding="utf-8"?>
+<p:sld xmlns:a="http://schemas.openxmlformats.org/drawingml/2006/main" xmlns:r="http://schemas.openxmlformats.org/officeDocument/2006/relationships" xmlns:p="http://schemas.openxmlformats.org/presentationml/2006/main">
+  <p:cSld>
+    <p:spTree>
+      <p:nvGrpSpPr>
+        <p:cNvPr id="1" name=""/>
+        <p:cNvGrpSpPr/>
+        <p:nvPr/>
+      </p:nvGrpSpPr>
+      <p:grpSpPr>
+        <a:xfrm>
+          <a:off x="0" y="0"/>
+          <a:ext cx="0" cy="0"/>
+          <a:chOff x="0" y="0"/>
+          <a:chExt cx="0" cy="0"/>
+        </a:xfrm>
+      </p:grpSpPr>
+      <p:sp>
+        <p:nvSpPr>
+          <p:cNvPr id="2" name="Title 1">
+            <a:extLst>
+              <a:ext uri="{FF2B5EF4-FFF2-40B4-BE49-F238E27FC236}">
+                <a16:creationId xmlns:a16="http://schemas.microsoft.com/office/drawing/2014/main" id="{59D2053B-3B08-4FC5-9C84-634719D44497}"/>
+              </a:ext>
+            </a:extLst>
+          </p:cNvPr>
+          <p:cNvSpPr>
+            <a:spLocks noGrp="1"/>
+          </p:cNvSpPr>
+          <p:nvPr>
+            <p:ph type="ctrTitle"/>
+          </p:nvPr>
+        </p:nvSpPr>
+        <p:spPr>
+          <a:xfrm>
             <a:off x="3537619" y="767845"/>
             <a:ext cx="8574622" cy="53550"/>
           </a:xfrm>
@@ -9675,7 +10472,7 @@
 </p:sld>
 </file>
 
-<file path=ppt/slides/slide21.xml><?xml version="1.0" encoding="utf-8"?>
+<file path=ppt/slides/slide22.xml><?xml version="1.0" encoding="utf-8"?>
 <p:sld xmlns:a="http://schemas.openxmlformats.org/drawingml/2006/main" xmlns:r="http://schemas.openxmlformats.org/officeDocument/2006/relationships" xmlns:p="http://schemas.openxmlformats.org/presentationml/2006/main">
   <p:cSld>
     <p:spTree>
@@ -9825,12 +10622,12 @@
                     <a:p>
                       <a:pPr fontAlgn="base"/>
                       <a:r>
-                        <a:rPr lang="en-US" dirty="0">
+                        <a:rPr lang="en-US">
                           <a:effectLst/>
                         </a:rPr>
                         <a:t>Task​​</a:t>
                       </a:r>
-                      <a:endParaRPr lang="en-US" b="1" dirty="0">
+                      <a:endParaRPr lang="en-US" b="1">
                         <a:solidFill>
                           <a:srgbClr val="FFFFFF"/>
                         </a:solidFill>
@@ -9847,24 +10644,24 @@
                     <a:p>
                       <a:pPr fontAlgn="base"/>
                       <a:r>
-                        <a:rPr lang="en-US" dirty="0">
+                        <a:rPr lang="en-US">
                           <a:effectLst/>
                         </a:rPr>
                         <a:t>Duration (</a:t>
                       </a:r>
                       <a:r>
-                        <a:rPr lang="en-US" dirty="0" err="1">
+                        <a:rPr lang="en-US" err="1">
                           <a:effectLst/>
                         </a:rPr>
                         <a:t>PWks</a:t>
                       </a:r>
                       <a:r>
-                        <a:rPr lang="en-US" dirty="0">
+                        <a:rPr lang="en-US">
                           <a:effectLst/>
                         </a:rPr>
                         <a:t>)​​</a:t>
                       </a:r>
-                      <a:endParaRPr lang="en-US" b="1" dirty="0">
+                      <a:endParaRPr lang="en-US" b="1">
                         <a:solidFill>
                           <a:srgbClr val="FFFFFF"/>
                         </a:solidFill>
@@ -9881,12 +10678,12 @@
                     <a:p>
                       <a:pPr fontAlgn="base"/>
                       <a:r>
-                        <a:rPr lang="en-US" dirty="0">
+                        <a:rPr lang="en-US">
                           <a:effectLst/>
                         </a:rPr>
                         <a:t>Predecessor Task(s)​​</a:t>
                       </a:r>
-                      <a:endParaRPr lang="en-US" b="1" dirty="0">
+                      <a:endParaRPr lang="en-US" b="1">
                         <a:solidFill>
                           <a:srgbClr val="FFFFFF"/>
                         </a:solidFill>
@@ -9910,7 +10707,7 @@
                     <a:p>
                       <a:pPr fontAlgn="base"/>
                       <a:r>
-                        <a:rPr lang="en-US" dirty="0">
+                        <a:rPr lang="en-US">
                           <a:effectLst/>
                         </a:rPr>
                         <a:t>1.  Requirements Collection​​</a:t>
@@ -9926,10 +10723,10 @@
                     <a:p>
                       <a:pPr fontAlgn="base"/>
                       <a:r>
-                        <a:rPr lang="en-US" dirty="0"/>
+                        <a:rPr lang="en-US"/>
                         <a:t>3</a:t>
                       </a:r>
-                      <a:endParaRPr lang="en-US" dirty="0">
+                      <a:endParaRPr lang="en-US">
                         <a:effectLst/>
                       </a:endParaRPr>
                     </a:p>
@@ -9943,7 +10740,7 @@
                     <a:p>
                       <a:pPr fontAlgn="base"/>
                       <a:r>
-                        <a:rPr lang="en-US" dirty="0">
+                        <a:rPr lang="en-US">
                           <a:effectLst/>
                         </a:rPr>
                         <a:t>-​​</a:t>
@@ -9965,16 +10762,16 @@
                     <a:lstStyle/>
                     <a:p>
                       <a:r>
-                        <a:rPr lang="en-US" dirty="0">
+                        <a:rPr lang="en-US">
                           <a:effectLst/>
                         </a:rPr>
                         <a:t>2.  ​​</a:t>
                       </a:r>
                       <a:r>
-                        <a:rPr lang="en-US" dirty="0"/>
+                        <a:rPr lang="en-US"/>
                         <a:t>Function Definitions</a:t>
                       </a:r>
-                      <a:endParaRPr lang="en-US" dirty="0">
+                      <a:endParaRPr lang="en-US">
                         <a:effectLst/>
                       </a:endParaRPr>
                     </a:p>
@@ -9988,10 +10785,10 @@
                     <a:p>
                       <a:pPr fontAlgn="base"/>
                       <a:r>
-                        <a:rPr lang="en-US" dirty="0"/>
+                        <a:rPr lang="en-US"/>
                         <a:t>2</a:t>
                       </a:r>
-                      <a:endParaRPr lang="en-US" dirty="0">
+                      <a:endParaRPr lang="en-US">
                         <a:effectLst/>
                       </a:endParaRPr>
                     </a:p>
@@ -10005,7 +10802,7 @@
                     <a:p>
                       <a:pPr fontAlgn="base"/>
                       <a:r>
-                        <a:rPr lang="en-US" dirty="0">
+                        <a:rPr lang="en-US">
                           <a:effectLst/>
                         </a:rPr>
                         <a:t>1​​</a:t>
@@ -10027,16 +10824,16 @@
                     <a:lstStyle/>
                     <a:p>
                       <a:r>
-                        <a:rPr lang="en-US" dirty="0">
+                        <a:rPr lang="en-US">
                           <a:effectLst/>
                         </a:rPr>
                         <a:t>3.  ​​</a:t>
                       </a:r>
                       <a:r>
-                        <a:rPr lang="en-US" dirty="0"/>
+                        <a:rPr lang="en-US"/>
                         <a:t>User Documentation</a:t>
                       </a:r>
-                      <a:endParaRPr lang="en-US" dirty="0">
+                      <a:endParaRPr lang="en-US">
                         <a:effectLst/>
                       </a:endParaRPr>
                     </a:p>
@@ -10050,10 +10847,10 @@
                     <a:p>
                       <a:pPr fontAlgn="base"/>
                       <a:r>
-                        <a:rPr lang="en-US" dirty="0"/>
+                        <a:rPr lang="en-US"/>
                         <a:t>1</a:t>
                       </a:r>
-                      <a:endParaRPr lang="en-US" dirty="0">
+                      <a:endParaRPr lang="en-US">
                         <a:effectLst/>
                       </a:endParaRPr>
                     </a:p>
@@ -10067,10 +10864,10 @@
                     <a:p>
                       <a:pPr fontAlgn="base"/>
                       <a:r>
-                        <a:rPr lang="en-US" dirty="0"/>
+                        <a:rPr lang="en-US"/>
                         <a:t>1</a:t>
                       </a:r>
-                      <a:endParaRPr lang="en-US" dirty="0">
+                      <a:endParaRPr lang="en-US">
                         <a:effectLst/>
                       </a:endParaRPr>
                     </a:p>
@@ -10090,16 +10887,16 @@
                     <a:lstStyle/>
                     <a:p>
                       <a:r>
-                        <a:rPr lang="en-US" dirty="0">
+                        <a:rPr lang="en-US">
                           <a:effectLst/>
                         </a:rPr>
                         <a:t>4.</a:t>
                       </a:r>
                       <a:r>
-                        <a:rPr lang="en-US" dirty="0"/>
+                        <a:rPr lang="en-US"/>
                         <a:t>  Programming</a:t>
                       </a:r>
-                      <a:endParaRPr lang="en-US" dirty="0">
+                      <a:endParaRPr lang="en-US">
                         <a:effectLst/>
                       </a:endParaRPr>
                     </a:p>
@@ -10113,7 +10910,7 @@
                     <a:p>
                       <a:pPr fontAlgn="base"/>
                       <a:r>
-                        <a:rPr lang="en-US" dirty="0">
+                        <a:rPr lang="en-US">
                           <a:effectLst/>
                         </a:rPr>
                         <a:t>3​​</a:t>
@@ -10129,11 +10926,11 @@
                     <a:p>
                       <a:pPr fontAlgn="base"/>
                       <a:r>
-                        <a:rPr lang="en-US" dirty="0"/>
+                        <a:rPr lang="en-US"/>
                         <a:t>2,3</a:t>
                       </a:r>
                       <a:r>
-                        <a:rPr lang="en-US" dirty="0">
+                        <a:rPr lang="en-US">
                           <a:effectLst/>
                         </a:rPr>
                         <a:t>​​</a:t>
@@ -10155,16 +10952,16 @@
                     <a:lstStyle/>
                     <a:p>
                       <a:r>
-                        <a:rPr lang="en-US" dirty="0">
+                        <a:rPr lang="en-US">
                           <a:effectLst/>
                         </a:rPr>
                         <a:t>5.</a:t>
                       </a:r>
                       <a:r>
-                        <a:rPr lang="en-US" dirty="0"/>
+                        <a:rPr lang="en-US"/>
                         <a:t>  Testing</a:t>
                       </a:r>
-                      <a:endParaRPr lang="en-US" dirty="0">
+                      <a:endParaRPr lang="en-US">
                         <a:effectLst/>
                       </a:endParaRPr>
                     </a:p>
@@ -10178,7 +10975,7 @@
                     <a:p>
                       <a:pPr fontAlgn="base"/>
                       <a:r>
-                        <a:rPr lang="en-US" dirty="0">
+                        <a:rPr lang="en-US">
                           <a:effectLst/>
                         </a:rPr>
                         <a:t>2​​</a:t>
@@ -10194,7 +10991,7 @@
                     <a:p>
                       <a:pPr fontAlgn="base"/>
                       <a:r>
-                        <a:rPr lang="en-US" dirty="0">
+                        <a:rPr lang="en-US">
                           <a:effectLst/>
                         </a:rPr>
                         <a:t>4​​</a:t>
@@ -10216,16 +11013,16 @@
                     <a:lstStyle/>
                     <a:p>
                       <a:r>
-                        <a:rPr lang="en-US" dirty="0">
+                        <a:rPr lang="en-US">
                           <a:effectLst/>
                         </a:rPr>
                         <a:t>6.</a:t>
                       </a:r>
                       <a:r>
-                        <a:rPr lang="en-US" dirty="0"/>
+                        <a:rPr lang="en-US"/>
                         <a:t>  Installation</a:t>
                       </a:r>
-                      <a:endParaRPr lang="en-US" dirty="0">
+                      <a:endParaRPr lang="en-US">
                         <a:effectLst/>
                       </a:endParaRPr>
                     </a:p>
@@ -10239,7 +11036,7 @@
                     <a:p>
                       <a:pPr fontAlgn="base"/>
                       <a:r>
-                        <a:rPr lang="en-US" dirty="0">
+                        <a:rPr lang="en-US">
                           <a:effectLst/>
                         </a:rPr>
                         <a:t>2​​</a:t>
@@ -10255,11 +11052,11 @@
                     <a:p>
                       <a:pPr fontAlgn="base"/>
                       <a:r>
-                        <a:rPr lang="en-US" dirty="0"/>
+                        <a:rPr lang="en-US"/>
                         <a:t>5</a:t>
                       </a:r>
                       <a:r>
-                        <a:rPr lang="en-US" dirty="0">
+                        <a:rPr lang="en-US">
                           <a:effectLst/>
                         </a:rPr>
                         <a:t>​​</a:t>
@@ -10291,7 +11088,7 @@
 </p:sld>
 </file>
 
-<file path=ppt/slides/slide22.xml><?xml version="1.0" encoding="utf-8"?>
+<file path=ppt/slides/slide23.xml><?xml version="1.0" encoding="utf-8"?>
 <p:sld xmlns:a="http://schemas.openxmlformats.org/drawingml/2006/main" xmlns:r="http://schemas.openxmlformats.org/officeDocument/2006/relationships" xmlns:p="http://schemas.openxmlformats.org/presentationml/2006/main">
   <p:cSld>
     <p:spTree>
@@ -10338,7 +11135,7 @@
           <a:p>
             <a:pPr algn="ctr"/>
             <a:r>
-              <a:rPr lang="en-US" dirty="0">
+              <a:rPr lang="en-US">
                 <a:solidFill>
                   <a:schemeClr val="accent1">
                     <a:lumMod val="75000"/>
@@ -10427,7 +11224,7 @@
 </p:sld>
 </file>
 
-<file path=ppt/slides/slide23.xml><?xml version="1.0" encoding="utf-8"?>
+<file path=ppt/slides/slide24.xml><?xml version="1.0" encoding="utf-8"?>
 <p:sld xmlns:a="http://schemas.openxmlformats.org/drawingml/2006/main" xmlns:r="http://schemas.openxmlformats.org/officeDocument/2006/relationships" xmlns:p="http://schemas.openxmlformats.org/presentationml/2006/main">
   <p:cSld>
     <p:spTree>
@@ -10551,7 +11348,7 @@
               <a:buChar char="•"/>
             </a:pPr>
             <a:r>
-              <a:rPr lang="en-US" sz="2200" dirty="0"/>
+              <a:rPr lang="en-US" sz="2200"/>
               <a:t>Priority Level: 3</a:t>
             </a:r>
           </a:p>
@@ -10568,7 +11365,7 @@
               <a:buChar char="•"/>
             </a:pPr>
             <a:r>
-              <a:rPr lang="en-US" sz="2200" dirty="0"/>
+              <a:rPr lang="en-US" sz="2200"/>
               <a:t>Role of the Menu:</a:t>
             </a:r>
           </a:p>
@@ -10578,7 +11375,7 @@
               <a:buChar char="•"/>
             </a:pPr>
             <a:r>
-              <a:rPr lang="en-US" sz="2200" dirty="0"/>
+              <a:rPr lang="en-US" sz="2200"/>
               <a:t>Take user input and translate that into something the game can use</a:t>
             </a:r>
           </a:p>
@@ -10588,7 +11385,7 @@
               <a:buChar char="•"/>
             </a:pPr>
             <a:r>
-              <a:rPr lang="en-US" sz="2200" dirty="0"/>
+              <a:rPr lang="en-US" sz="2200"/>
               <a:t>Create a customizable/unique user experience</a:t>
             </a:r>
           </a:p>
@@ -10614,7 +11411,7 @@
 </p:sld>
 </file>
 
-<file path=ppt/slides/slide24.xml><?xml version="1.0" encoding="utf-8"?>
+<file path=ppt/slides/slide25.xml><?xml version="1.0" encoding="utf-8"?>
 <p:sld xmlns:a="http://schemas.openxmlformats.org/drawingml/2006/main" xmlns:r="http://schemas.openxmlformats.org/officeDocument/2006/relationships" xmlns:p="http://schemas.openxmlformats.org/presentationml/2006/main">
   <p:cSld>
     <p:spTree>
@@ -10746,7 +11543,7 @@
 </p:sld>
 </file>
 
-<file path=ppt/slides/slide25.xml><?xml version="1.0" encoding="utf-8"?>
+<file path=ppt/slides/slide26.xml><?xml version="1.0" encoding="utf-8"?>
 <p:sld xmlns:a="http://schemas.openxmlformats.org/drawingml/2006/main" xmlns:r="http://schemas.openxmlformats.org/officeDocument/2006/relationships" xmlns:p="http://schemas.openxmlformats.org/presentationml/2006/main">
   <p:cSld>
     <p:spTree>
@@ -10900,7 +11697,7 @@
                         </a:spcAft>
                       </a:pPr>
                       <a:r>
-                        <a:rPr lang="en-US" dirty="0">
+                        <a:rPr lang="en-US">
                           <a:effectLst/>
                         </a:rPr>
                         <a:t>Task</a:t>
@@ -10920,19 +11717,19 @@
                         </a:spcAft>
                       </a:pPr>
                       <a:r>
-                        <a:rPr lang="en-US" dirty="0">
+                        <a:rPr lang="en-US">
                           <a:effectLst/>
                         </a:rPr>
                         <a:t>Duration (</a:t>
                       </a:r>
                       <a:r>
-                        <a:rPr lang="en-US" dirty="0" err="1">
+                        <a:rPr lang="en-US" err="1">
                           <a:effectLst/>
                         </a:rPr>
                         <a:t>PHrs</a:t>
                       </a:r>
                       <a:r>
-                        <a:rPr lang="en-US" dirty="0">
+                        <a:rPr lang="en-US">
                           <a:effectLst/>
                         </a:rPr>
                         <a:t>)</a:t>
@@ -10952,7 +11749,7 @@
                         </a:spcAft>
                       </a:pPr>
                       <a:r>
-                        <a:rPr lang="en-US" dirty="0">
+                        <a:rPr lang="en-US">
                           <a:effectLst/>
                         </a:rPr>
                         <a:t>Predecessor Task(s)</a:t>
@@ -10979,17 +11776,17 @@
                         </a:spcAft>
                       </a:pPr>
                       <a:r>
-                        <a:rPr lang="en-US" dirty="0">
+                        <a:rPr lang="en-US">
                           <a:effectLst/>
                         </a:rPr>
                         <a:t>1.</a:t>
                       </a:r>
                       <a:r>
-                        <a:rPr lang="en-US" dirty="0"/>
+                        <a:rPr lang="en-US"/>
                         <a:t> </a:t>
                       </a:r>
                       <a:r>
-                        <a:rPr lang="en-US" dirty="0">
+                        <a:rPr lang="en-US">
                           <a:effectLst/>
                         </a:rPr>
                         <a:t> Define Settings</a:t>
@@ -11009,7 +11806,7 @@
                         </a:spcAft>
                       </a:pPr>
                       <a:r>
-                        <a:rPr lang="en-US" dirty="0">
+                        <a:rPr lang="en-US">
                           <a:effectLst/>
                         </a:rPr>
                         <a:t>1</a:t>
@@ -11029,7 +11826,7 @@
                         </a:spcAft>
                       </a:pPr>
                       <a:r>
-                        <a:rPr lang="en-US" dirty="0">
+                        <a:rPr lang="en-US">
                           <a:effectLst/>
                         </a:rPr>
                         <a:t>-</a:t>
@@ -11056,17 +11853,17 @@
                         </a:spcAft>
                       </a:pPr>
                       <a:r>
-                        <a:rPr lang="en-US" dirty="0">
+                        <a:rPr lang="en-US">
                           <a:effectLst/>
                         </a:rPr>
                         <a:t>2.</a:t>
                       </a:r>
                       <a:r>
-                        <a:rPr lang="en-US" dirty="0"/>
+                        <a:rPr lang="en-US"/>
                         <a:t> </a:t>
                       </a:r>
                       <a:r>
-                        <a:rPr lang="en-US" dirty="0">
+                        <a:rPr lang="en-US">
                           <a:effectLst/>
                         </a:rPr>
                         <a:t> Menu Layout</a:t>
@@ -11086,7 +11883,7 @@
                         </a:spcAft>
                       </a:pPr>
                       <a:r>
-                        <a:rPr lang="en-US" dirty="0">
+                        <a:rPr lang="en-US">
                           <a:effectLst/>
                         </a:rPr>
                         <a:t>1</a:t>
@@ -11106,7 +11903,7 @@
                         </a:spcAft>
                       </a:pPr>
                       <a:r>
-                        <a:rPr lang="en-US" dirty="0">
+                        <a:rPr lang="en-US">
                           <a:effectLst/>
                         </a:rPr>
                         <a:t>1</a:t>
@@ -11133,17 +11930,17 @@
                         </a:spcAft>
                       </a:pPr>
                       <a:r>
-                        <a:rPr lang="en-US" dirty="0">
+                        <a:rPr lang="en-US">
                           <a:effectLst/>
                         </a:rPr>
                         <a:t>3.</a:t>
                       </a:r>
                       <a:r>
-                        <a:rPr lang="en-US" dirty="0"/>
+                        <a:rPr lang="en-US"/>
                         <a:t> </a:t>
                       </a:r>
                       <a:r>
-                        <a:rPr lang="en-US" dirty="0">
+                        <a:rPr lang="en-US">
                           <a:effectLst/>
                         </a:rPr>
                         <a:t> Create Main Menu</a:t>
@@ -11163,7 +11960,7 @@
                         </a:spcAft>
                       </a:pPr>
                       <a:r>
-                        <a:rPr lang="en-US" dirty="0">
+                        <a:rPr lang="en-US">
                           <a:effectLst/>
                         </a:rPr>
                         <a:t>5</a:t>
@@ -11183,7 +11980,7 @@
                         </a:spcAft>
                       </a:pPr>
                       <a:r>
-                        <a:rPr lang="en-US" dirty="0">
+                        <a:rPr lang="en-US">
                           <a:effectLst/>
                         </a:rPr>
                         <a:t>1,2</a:t>
@@ -11210,17 +12007,17 @@
                         </a:spcAft>
                       </a:pPr>
                       <a:r>
-                        <a:rPr lang="en-US" dirty="0">
+                        <a:rPr lang="en-US">
                           <a:effectLst/>
                         </a:rPr>
                         <a:t>4.</a:t>
                       </a:r>
                       <a:r>
-                        <a:rPr lang="en-US" dirty="0"/>
+                        <a:rPr lang="en-US"/>
                         <a:t> </a:t>
                       </a:r>
                       <a:r>
-                        <a:rPr lang="en-US" dirty="0">
+                        <a:rPr lang="en-US">
                           <a:effectLst/>
                         </a:rPr>
                         <a:t> Create Scene Switcher</a:t>
@@ -11240,7 +12037,7 @@
                         </a:spcAft>
                       </a:pPr>
                       <a:r>
-                        <a:rPr lang="en-US" dirty="0">
+                        <a:rPr lang="en-US">
                           <a:effectLst/>
                         </a:rPr>
                         <a:t>1</a:t>
@@ -11260,7 +12057,7 @@
                         </a:spcAft>
                       </a:pPr>
                       <a:r>
-                        <a:rPr lang="en-US" dirty="0">
+                        <a:rPr lang="en-US">
                           <a:effectLst/>
                         </a:rPr>
                         <a:t>3</a:t>
@@ -11287,17 +12084,17 @@
                         </a:spcAft>
                       </a:pPr>
                       <a:r>
-                        <a:rPr lang="en-US" dirty="0">
+                        <a:rPr lang="en-US">
                           <a:effectLst/>
                         </a:rPr>
                         <a:t>5.</a:t>
                       </a:r>
                       <a:r>
-                        <a:rPr lang="en-US" dirty="0"/>
+                        <a:rPr lang="en-US"/>
                         <a:t> </a:t>
                       </a:r>
                       <a:r>
-                        <a:rPr lang="en-US" dirty="0">
+                        <a:rPr lang="en-US">
                           <a:effectLst/>
                         </a:rPr>
                         <a:t> Create Buttons</a:t>
@@ -11317,7 +12114,7 @@
                         </a:spcAft>
                       </a:pPr>
                       <a:r>
-                        <a:rPr lang="en-US" dirty="0">
+                        <a:rPr lang="en-US">
                           <a:effectLst/>
                         </a:rPr>
                         <a:t>6</a:t>
@@ -11337,7 +12134,7 @@
                         </a:spcAft>
                       </a:pPr>
                       <a:r>
-                        <a:rPr lang="en-US" dirty="0">
+                        <a:rPr lang="en-US">
                           <a:effectLst/>
                         </a:rPr>
                         <a:t>3</a:t>
@@ -11364,17 +12161,17 @@
                         </a:spcAft>
                       </a:pPr>
                       <a:r>
-                        <a:rPr lang="en-US" dirty="0">
+                        <a:rPr lang="en-US">
                           <a:effectLst/>
                         </a:rPr>
                         <a:t>6.</a:t>
                       </a:r>
                       <a:r>
-                        <a:rPr lang="en-US" dirty="0"/>
+                        <a:rPr lang="en-US"/>
                         <a:t> </a:t>
                       </a:r>
                       <a:r>
-                        <a:rPr lang="en-US" dirty="0">
+                        <a:rPr lang="en-US">
                           <a:effectLst/>
                         </a:rPr>
                         <a:t> Create Options Menu</a:t>
@@ -11415,10 +12212,10 @@
                         </a:spcAft>
                       </a:pPr>
                       <a:r>
-                        <a:rPr lang="en-US" dirty="0"/>
+                        <a:rPr lang="en-US"/>
                         <a:t>3</a:t>
                       </a:r>
-                      <a:endParaRPr lang="en-US" dirty="0">
+                      <a:endParaRPr lang="en-US">
                         <a:effectLst/>
                       </a:endParaRPr>
                     </a:p>
@@ -11443,17 +12240,17 @@
                         </a:spcAft>
                       </a:pPr>
                       <a:r>
-                        <a:rPr lang="en-US" dirty="0">
+                        <a:rPr lang="en-US">
                           <a:effectLst/>
                         </a:rPr>
                         <a:t>7.</a:t>
                       </a:r>
                       <a:r>
-                        <a:rPr lang="en-US" dirty="0"/>
+                        <a:rPr lang="en-US"/>
                         <a:t> </a:t>
                       </a:r>
                       <a:r>
-                        <a:rPr lang="en-US" dirty="0">
+                        <a:rPr lang="en-US">
                           <a:effectLst/>
                         </a:rPr>
                         <a:t> Testing</a:t>
@@ -11473,7 +12270,7 @@
                         </a:spcAft>
                       </a:pPr>
                       <a:r>
-                        <a:rPr lang="en-US" dirty="0">
+                        <a:rPr lang="en-US">
                           <a:effectLst/>
                         </a:rPr>
                         <a:t>6</a:t>
@@ -11493,10 +12290,10 @@
                         </a:spcAft>
                       </a:pPr>
                       <a:r>
-                        <a:rPr lang="en-US" dirty="0"/>
+                        <a:rPr lang="en-US"/>
                         <a:t>3,6</a:t>
                       </a:r>
-                      <a:endParaRPr lang="en-US" dirty="0">
+                      <a:endParaRPr lang="en-US">
                         <a:effectLst/>
                       </a:endParaRPr>
                     </a:p>
@@ -11521,17 +12318,17 @@
                         </a:spcAft>
                       </a:pPr>
                       <a:r>
-                        <a:rPr lang="en-US" dirty="0">
+                        <a:rPr lang="en-US">
                           <a:effectLst/>
                         </a:rPr>
                         <a:t>8.</a:t>
                       </a:r>
                       <a:r>
-                        <a:rPr lang="en-US" dirty="0"/>
+                        <a:rPr lang="en-US"/>
                         <a:t> </a:t>
                       </a:r>
                       <a:r>
-                        <a:rPr lang="en-US" dirty="0">
+                        <a:rPr lang="en-US">
                           <a:effectLst/>
                         </a:rPr>
                         <a:t> Installation</a:t>
@@ -11551,7 +12348,7 @@
                         </a:spcAft>
                       </a:pPr>
                       <a:r>
-                        <a:rPr lang="en-US" dirty="0">
+                        <a:rPr lang="en-US">
                           <a:effectLst/>
                         </a:rPr>
                         <a:t>8</a:t>
@@ -11571,10 +12368,10 @@
                         </a:spcAft>
                       </a:pPr>
                       <a:r>
-                        <a:rPr lang="en-US" dirty="0"/>
+                        <a:rPr lang="en-US"/>
                         <a:t>7</a:t>
                       </a:r>
-                      <a:endParaRPr lang="en-US" dirty="0">
+                      <a:endParaRPr lang="en-US">
                         <a:effectLst/>
                       </a:endParaRPr>
                     </a:p>
@@ -11604,7 +12401,7 @@
 </p:sld>
 </file>
 
-<file path=ppt/slides/slide26.xml><?xml version="1.0" encoding="utf-8"?>
+<file path=ppt/slides/slide27.xml><?xml version="1.0" encoding="utf-8"?>
 <p:sld xmlns:a="http://schemas.openxmlformats.org/drawingml/2006/main" xmlns:r="http://schemas.openxmlformats.org/officeDocument/2006/relationships" xmlns:p="http://schemas.openxmlformats.org/presentationml/2006/main">
   <p:cSld>
     <p:spTree>
@@ -11740,7 +12537,7 @@
 </p:sld>
 </file>
 
-<file path=ppt/slides/slide27.xml><?xml version="1.0" encoding="utf-8"?>
+<file path=ppt/slides/slide28.xml><?xml version="1.0" encoding="utf-8"?>
 <p:sld xmlns:a="http://schemas.openxmlformats.org/drawingml/2006/main" xmlns:r="http://schemas.openxmlformats.org/officeDocument/2006/relationships" xmlns:p="http://schemas.openxmlformats.org/presentationml/2006/main">
   <p:cSld>
     <p:spTree>
@@ -11829,7 +12626,7 @@
           <a:p>
             <a:pPr algn="l"/>
             <a:r>
-              <a:rPr lang="en-US" b="1" dirty="0">
+              <a:rPr lang="en-US" b="1">
                 <a:solidFill>
                   <a:schemeClr val="accent1">
                     <a:lumMod val="75000"/>
@@ -11839,21 +12636,21 @@
               <a:t>Role:</a:t>
             </a:r>
             <a:br>
-              <a:rPr lang="en-US" b="1" dirty="0"/>
+              <a:rPr lang="en-US" b="1"/>
             </a:br>
             <a:r>
-              <a:rPr lang="en-US" dirty="0"/>
+              <a:rPr lang="en-US"/>
               <a:t>Provide auditory sensory to player to construct a more powerful Virtual Reality Experience</a:t>
             </a:r>
           </a:p>
           <a:p>
             <a:pPr algn="l"/>
-            <a:endParaRPr lang="en-US" dirty="0"/>
+            <a:endParaRPr lang="en-US"/>
           </a:p>
           <a:p>
             <a:pPr algn="l"/>
             <a:r>
-              <a:rPr lang="en-US" b="1" dirty="0">
+              <a:rPr lang="en-US" b="1">
                 <a:solidFill>
                   <a:schemeClr val="accent1">
                     <a:lumMod val="75000"/>
@@ -11862,7 +12659,7 @@
               </a:rPr>
               <a:t>Priority: 3</a:t>
             </a:r>
-            <a:endParaRPr lang="en-US" sz="3100" b="1" dirty="0">
+            <a:endParaRPr lang="en-US" sz="3100" b="1">
               <a:solidFill>
                 <a:schemeClr val="accent1">
                   <a:lumMod val="75000"/>
@@ -11873,10 +12670,10 @@
           <a:p>
             <a:pPr algn="l"/>
             <a:r>
-              <a:rPr lang="en-US" i="1" dirty="0"/>
+              <a:rPr lang="en-US" i="1"/>
               <a:t>no other systems depend on this mechanism, but we value it as an essential feature</a:t>
             </a:r>
-            <a:endParaRPr lang="en-US" b="1" i="1" dirty="0"/>
+            <a:endParaRPr lang="en-US" b="1" i="1"/>
           </a:p>
         </p:txBody>
       </p:sp>
@@ -11995,7 +12792,7 @@
 </p:sld>
 </file>
 
-<file path=ppt/slides/slide28.xml><?xml version="1.0" encoding="utf-8"?>
+<file path=ppt/slides/slide29.xml><?xml version="1.0" encoding="utf-8"?>
 <p:sld xmlns:a="http://schemas.openxmlformats.org/drawingml/2006/main" xmlns:r="http://schemas.openxmlformats.org/officeDocument/2006/relationships" xmlns:p="http://schemas.openxmlformats.org/presentationml/2006/main">
   <p:cSld>
     <p:spTree>
@@ -12209,7 +13006,178 @@
 </p:sld>
 </file>
 
-<file path=ppt/slides/slide29.xml><?xml version="1.0" encoding="utf-8"?>
+<file path=ppt/slides/slide3.xml><?xml version="1.0" encoding="utf-8"?>
+<p:sld xmlns:a="http://schemas.openxmlformats.org/drawingml/2006/main" xmlns:r="http://schemas.openxmlformats.org/officeDocument/2006/relationships" xmlns:p="http://schemas.openxmlformats.org/presentationml/2006/main">
+  <p:cSld>
+    <p:spTree>
+      <p:nvGrpSpPr>
+        <p:cNvPr id="1" name=""/>
+        <p:cNvGrpSpPr/>
+        <p:nvPr/>
+      </p:nvGrpSpPr>
+      <p:grpSpPr>
+        <a:xfrm>
+          <a:off x="0" y="0"/>
+          <a:ext cx="0" cy="0"/>
+          <a:chOff x="0" y="0"/>
+          <a:chExt cx="0" cy="0"/>
+        </a:xfrm>
+      </p:grpSpPr>
+      <p:sp>
+        <p:nvSpPr>
+          <p:cNvPr id="2" name="Title 1">
+            <a:extLst>
+              <a:ext uri="{FF2B5EF4-FFF2-40B4-BE49-F238E27FC236}">
+                <a16:creationId xmlns:a16="http://schemas.microsoft.com/office/drawing/2014/main" id="{59D2053B-3B08-4FC5-9C84-634719D44497}"/>
+              </a:ext>
+            </a:extLst>
+          </p:cNvPr>
+          <p:cNvSpPr>
+            <a:spLocks noGrp="1"/>
+          </p:cNvSpPr>
+          <p:nvPr>
+            <p:ph type="ctrTitle"/>
+          </p:nvPr>
+        </p:nvSpPr>
+        <p:spPr>
+          <a:xfrm>
+            <a:off x="2506146" y="-1163168"/>
+            <a:ext cx="8574622" cy="2616199"/>
+          </a:xfrm>
+        </p:spPr>
+        <p:txBody>
+          <a:bodyPr/>
+          <a:lstStyle/>
+          <a:p>
+            <a:pPr algn="ctr"/>
+            <a:r>
+              <a:rPr lang="en-US">
+                <a:solidFill>
+                  <a:schemeClr val="accent1">
+                    <a:lumMod val="75000"/>
+                  </a:schemeClr>
+                </a:solidFill>
+              </a:rPr>
+              <a:t>Meet the Team</a:t>
+            </a:r>
+          </a:p>
+        </p:txBody>
+      </p:sp>
+      <p:sp>
+        <p:nvSpPr>
+          <p:cNvPr id="3" name="Subtitle 2">
+            <a:extLst>
+              <a:ext uri="{FF2B5EF4-FFF2-40B4-BE49-F238E27FC236}">
+                <a16:creationId xmlns:a16="http://schemas.microsoft.com/office/drawing/2014/main" id="{4A3C2BE8-C9F0-4C1D-B6F4-0E7F68071EE3}"/>
+              </a:ext>
+            </a:extLst>
+          </p:cNvPr>
+          <p:cNvSpPr>
+            <a:spLocks noGrp="1"/>
+          </p:cNvSpPr>
+          <p:nvPr>
+            <p:ph type="subTitle" idx="1"/>
+          </p:nvPr>
+        </p:nvSpPr>
+        <p:spPr>
+          <a:xfrm>
+            <a:off x="4515377" y="1453033"/>
+            <a:ext cx="6987645" cy="3931768"/>
+          </a:xfrm>
+        </p:spPr>
+        <p:txBody>
+          <a:bodyPr>
+            <a:normAutofit/>
+          </a:bodyPr>
+          <a:lstStyle/>
+          <a:p>
+            <a:pPr algn="l"/>
+            <a:r>
+              <a:rPr lang="en-US" sz="3200"/>
+              <a:t>IT Manager: Jacob</a:t>
+            </a:r>
+          </a:p>
+          <a:p>
+            <a:pPr algn="l"/>
+            <a:r>
+              <a:rPr lang="en-US" sz="3200"/>
+              <a:t>Software Architect: Cameron</a:t>
+            </a:r>
+          </a:p>
+          <a:p>
+            <a:pPr algn="l"/>
+            <a:r>
+              <a:rPr lang="en-US" sz="3200"/>
+              <a:t>Quality Assurance Manager: Conrad</a:t>
+            </a:r>
+          </a:p>
+          <a:p>
+            <a:pPr algn="l"/>
+            <a:r>
+              <a:rPr lang="en-US" sz="3200"/>
+              <a:t>Project Manager: Benjamin</a:t>
+            </a:r>
+          </a:p>
+          <a:p>
+            <a:pPr algn="l"/>
+            <a:r>
+              <a:rPr lang="en-US" sz="3200"/>
+              <a:t>Coding Standards: Delaney</a:t>
+            </a:r>
+          </a:p>
+          <a:p>
+            <a:pPr algn="l"/>
+            <a:r>
+              <a:rPr lang="en-US" sz="3200"/>
+              <a:t>Documentation Specialist: Corbin</a:t>
+            </a:r>
+          </a:p>
+        </p:txBody>
+      </p:sp>
+      <p:pic>
+        <p:nvPicPr>
+          <p:cNvPr id="4" name="Picture 4" descr="A close up of a sign&#10;&#10;Description generated with very high confidence">
+            <a:extLst>
+              <a:ext uri="{FF2B5EF4-FFF2-40B4-BE49-F238E27FC236}">
+                <a16:creationId xmlns:a16="http://schemas.microsoft.com/office/drawing/2014/main" id="{B3B5CCD3-B535-488B-94C2-2086E3C7B5C9}"/>
+              </a:ext>
+            </a:extLst>
+          </p:cNvPr>
+          <p:cNvPicPr>
+            <a:picLocks noChangeAspect="1"/>
+          </p:cNvPicPr>
+          <p:nvPr/>
+        </p:nvPicPr>
+        <p:blipFill>
+          <a:blip r:embed="rId2"/>
+          <a:stretch>
+            <a:fillRect/>
+          </a:stretch>
+        </p:blipFill>
+        <p:spPr>
+          <a:xfrm>
+            <a:off x="1503" y="4426614"/>
+            <a:ext cx="2502114" cy="2499171"/>
+          </a:xfrm>
+          <a:prstGeom prst="rect">
+            <a:avLst/>
+          </a:prstGeom>
+        </p:spPr>
+      </p:pic>
+    </p:spTree>
+    <p:extLst>
+      <p:ext uri="{BB962C8B-B14F-4D97-AF65-F5344CB8AC3E}">
+        <p14:creationId xmlns:p14="http://schemas.microsoft.com/office/powerpoint/2010/main" val="544610563"/>
+      </p:ext>
+    </p:extLst>
+  </p:cSld>
+  <p:clrMapOvr>
+    <a:masterClrMapping/>
+  </p:clrMapOvr>
+</p:sld>
+</file>
+
+<file path=ppt/slides/slide30.xml><?xml version="1.0" encoding="utf-8"?>
 <p:sld xmlns:a="http://schemas.openxmlformats.org/drawingml/2006/main" xmlns:r="http://schemas.openxmlformats.org/officeDocument/2006/relationships" xmlns:p="http://schemas.openxmlformats.org/presentationml/2006/main">
   <p:cSld>
     <p:spTree>
@@ -12361,7 +13329,7 @@
                         <a:buNone/>
                       </a:pPr>
                       <a:r>
-                        <a:rPr lang="en-US" dirty="0"/>
+                        <a:rPr lang="en-US"/>
                         <a:t>Task</a:t>
                       </a:r>
                     </a:p>
@@ -12374,7 +13342,7 @@
                     <a:lstStyle/>
                     <a:p>
                       <a:r>
-                        <a:rPr lang="en-US" dirty="0"/>
+                        <a:rPr lang="en-US"/>
                         <a:t>Duration</a:t>
                       </a:r>
                     </a:p>
@@ -12386,7 +13354,6 @@
                         <a:rPr lang="en-US"/>
                         <a:t>(P. Days)</a:t>
                       </a:r>
-                      <a:endParaRPr lang="en-US" dirty="0"/>
                     </a:p>
                   </a:txBody>
                   <a:tcPr/>
@@ -12397,7 +13364,7 @@
                     <a:lstStyle/>
                     <a:p>
                       <a:r>
-                        <a:rPr lang="en-US" dirty="0"/>
+                        <a:rPr lang="en-US"/>
                         <a:t>Predecessor Task(s)</a:t>
                       </a:r>
                     </a:p>
@@ -12417,7 +13384,7 @@
                     <a:lstStyle/>
                     <a:p>
                       <a:r>
-                        <a:rPr lang="en-US" dirty="0"/>
+                        <a:rPr lang="en-US"/>
                         <a:t>1. Event Decoding</a:t>
                       </a:r>
                     </a:p>
@@ -12430,7 +13397,7 @@
                     <a:lstStyle/>
                     <a:p>
                       <a:r>
-                        <a:rPr lang="en-US" dirty="0"/>
+                        <a:rPr lang="en-US"/>
                         <a:t>1</a:t>
                       </a:r>
                     </a:p>
@@ -12443,7 +13410,7 @@
                     <a:lstStyle/>
                     <a:p>
                       <a:r>
-                        <a:rPr lang="en-US" dirty="0"/>
+                        <a:rPr lang="en-US"/>
                         <a:t>5</a:t>
                       </a:r>
                     </a:p>
@@ -12463,7 +13430,7 @@
                     <a:lstStyle/>
                     <a:p>
                       <a:r>
-                        <a:rPr lang="en-US" dirty="0"/>
+                        <a:rPr lang="en-US"/>
                         <a:t>2. Sound Control</a:t>
                       </a:r>
                     </a:p>
@@ -12476,7 +13443,7 @@
                     <a:lstStyle/>
                     <a:p>
                       <a:r>
-                        <a:rPr lang="en-US" dirty="0"/>
+                        <a:rPr lang="en-US"/>
                         <a:t>1</a:t>
                       </a:r>
                     </a:p>
@@ -12489,7 +13456,7 @@
                     <a:lstStyle/>
                     <a:p>
                       <a:r>
-                        <a:rPr lang="en-US" dirty="0"/>
+                        <a:rPr lang="en-US"/>
                         <a:t>-</a:t>
                       </a:r>
                     </a:p>
@@ -12509,7 +13476,7 @@
                     <a:lstStyle/>
                     <a:p>
                       <a:r>
-                        <a:rPr lang="en-US" dirty="0"/>
+                        <a:rPr lang="en-US"/>
                         <a:t>3. Music Control</a:t>
                       </a:r>
                     </a:p>
@@ -12522,7 +13489,7 @@
                     <a:lstStyle/>
                     <a:p>
                       <a:r>
-                        <a:rPr lang="en-US" dirty="0"/>
+                        <a:rPr lang="en-US"/>
                         <a:t>1</a:t>
                       </a:r>
                     </a:p>
@@ -12535,7 +13502,7 @@
                     <a:lstStyle/>
                     <a:p>
                       <a:r>
-                        <a:rPr lang="en-US" dirty="0"/>
+                        <a:rPr lang="en-US"/>
                         <a:t>2</a:t>
                       </a:r>
                     </a:p>
@@ -12555,7 +13522,7 @@
                     <a:lstStyle/>
                     <a:p>
                       <a:r>
-                        <a:rPr lang="en-US" dirty="0"/>
+                        <a:rPr lang="en-US"/>
                         <a:t>4. Testing</a:t>
                       </a:r>
                     </a:p>
@@ -12568,7 +13535,7 @@
                     <a:lstStyle/>
                     <a:p>
                       <a:r>
-                        <a:rPr lang="en-US" dirty="0"/>
+                        <a:rPr lang="en-US"/>
                         <a:t>2</a:t>
                       </a:r>
                     </a:p>
@@ -12581,7 +13548,7 @@
                     <a:lstStyle/>
                     <a:p>
                       <a:r>
-                        <a:rPr lang="en-US" dirty="0"/>
+                        <a:rPr lang="en-US"/>
                         <a:t>1, 3</a:t>
                       </a:r>
                     </a:p>
@@ -12601,7 +13568,7 @@
                     <a:lstStyle/>
                     <a:p>
                       <a:r>
-                        <a:rPr lang="en-US" dirty="0"/>
+                        <a:rPr lang="en-US"/>
                         <a:t>5. Asset Collection</a:t>
                       </a:r>
                     </a:p>
@@ -12614,7 +13581,7 @@
                     <a:lstStyle/>
                     <a:p>
                       <a:r>
-                        <a:rPr lang="en-US" dirty="0"/>
+                        <a:rPr lang="en-US"/>
                         <a:t>2</a:t>
                       </a:r>
                     </a:p>
@@ -12627,7 +13594,7 @@
                     <a:lstStyle/>
                     <a:p>
                       <a:r>
-                        <a:rPr lang="en-US" dirty="0"/>
+                        <a:rPr lang="en-US"/>
                         <a:t>-</a:t>
                       </a:r>
                     </a:p>
@@ -12647,7 +13614,7 @@
                     <a:lstStyle/>
                     <a:p>
                       <a:r>
-                        <a:rPr lang="en-US" dirty="0"/>
+                        <a:rPr lang="en-US"/>
                         <a:t>6. Final Merge</a:t>
                       </a:r>
                     </a:p>
@@ -12660,7 +13627,7 @@
                     <a:lstStyle/>
                     <a:p>
                       <a:r>
-                        <a:rPr lang="en-US" dirty="0"/>
+                        <a:rPr lang="en-US"/>
                         <a:t>1</a:t>
                       </a:r>
                     </a:p>
@@ -12673,7 +13640,7 @@
                     <a:lstStyle/>
                     <a:p>
                       <a:r>
-                        <a:rPr lang="en-US" dirty="0"/>
+                        <a:rPr lang="en-US"/>
                         <a:t>4</a:t>
                       </a:r>
                     </a:p>
@@ -12703,178 +13670,7 @@
 </p:sld>
 </file>
 
-<file path=ppt/slides/slide3.xml><?xml version="1.0" encoding="utf-8"?>
-<p:sld xmlns:a="http://schemas.openxmlformats.org/drawingml/2006/main" xmlns:r="http://schemas.openxmlformats.org/officeDocument/2006/relationships" xmlns:p="http://schemas.openxmlformats.org/presentationml/2006/main">
-  <p:cSld>
-    <p:spTree>
-      <p:nvGrpSpPr>
-        <p:cNvPr id="1" name=""/>
-        <p:cNvGrpSpPr/>
-        <p:nvPr/>
-      </p:nvGrpSpPr>
-      <p:grpSpPr>
-        <a:xfrm>
-          <a:off x="0" y="0"/>
-          <a:ext cx="0" cy="0"/>
-          <a:chOff x="0" y="0"/>
-          <a:chExt cx="0" cy="0"/>
-        </a:xfrm>
-      </p:grpSpPr>
-      <p:sp>
-        <p:nvSpPr>
-          <p:cNvPr id="2" name="Title 1">
-            <a:extLst>
-              <a:ext uri="{FF2B5EF4-FFF2-40B4-BE49-F238E27FC236}">
-                <a16:creationId xmlns:a16="http://schemas.microsoft.com/office/drawing/2014/main" id="{59D2053B-3B08-4FC5-9C84-634719D44497}"/>
-              </a:ext>
-            </a:extLst>
-          </p:cNvPr>
-          <p:cNvSpPr>
-            <a:spLocks noGrp="1"/>
-          </p:cNvSpPr>
-          <p:nvPr>
-            <p:ph type="ctrTitle"/>
-          </p:nvPr>
-        </p:nvSpPr>
-        <p:spPr>
-          <a:xfrm>
-            <a:off x="2506146" y="-1163168"/>
-            <a:ext cx="8574622" cy="2616199"/>
-          </a:xfrm>
-        </p:spPr>
-        <p:txBody>
-          <a:bodyPr/>
-          <a:lstStyle/>
-          <a:p>
-            <a:pPr algn="ctr"/>
-            <a:r>
-              <a:rPr lang="en-US">
-                <a:solidFill>
-                  <a:schemeClr val="accent1">
-                    <a:lumMod val="75000"/>
-                  </a:schemeClr>
-                </a:solidFill>
-              </a:rPr>
-              <a:t>Meet the Team</a:t>
-            </a:r>
-          </a:p>
-        </p:txBody>
-      </p:sp>
-      <p:sp>
-        <p:nvSpPr>
-          <p:cNvPr id="3" name="Subtitle 2">
-            <a:extLst>
-              <a:ext uri="{FF2B5EF4-FFF2-40B4-BE49-F238E27FC236}">
-                <a16:creationId xmlns:a16="http://schemas.microsoft.com/office/drawing/2014/main" id="{4A3C2BE8-C9F0-4C1D-B6F4-0E7F68071EE3}"/>
-              </a:ext>
-            </a:extLst>
-          </p:cNvPr>
-          <p:cNvSpPr>
-            <a:spLocks noGrp="1"/>
-          </p:cNvSpPr>
-          <p:nvPr>
-            <p:ph type="subTitle" idx="1"/>
-          </p:nvPr>
-        </p:nvSpPr>
-        <p:spPr>
-          <a:xfrm>
-            <a:off x="4515377" y="1453033"/>
-            <a:ext cx="6987645" cy="3931768"/>
-          </a:xfrm>
-        </p:spPr>
-        <p:txBody>
-          <a:bodyPr>
-            <a:normAutofit/>
-          </a:bodyPr>
-          <a:lstStyle/>
-          <a:p>
-            <a:pPr algn="l"/>
-            <a:r>
-              <a:rPr lang="en-US" sz="3200"/>
-              <a:t>IT Manager: Jacob</a:t>
-            </a:r>
-          </a:p>
-          <a:p>
-            <a:pPr algn="l"/>
-            <a:r>
-              <a:rPr lang="en-US" sz="3200"/>
-              <a:t>Software Architect: Cameron</a:t>
-            </a:r>
-          </a:p>
-          <a:p>
-            <a:pPr algn="l"/>
-            <a:r>
-              <a:rPr lang="en-US" sz="3200"/>
-              <a:t>Quality Assurance Manager: Conrad</a:t>
-            </a:r>
-          </a:p>
-          <a:p>
-            <a:pPr algn="l"/>
-            <a:r>
-              <a:rPr lang="en-US" sz="3200"/>
-              <a:t>Project Manager: Benjamin</a:t>
-            </a:r>
-          </a:p>
-          <a:p>
-            <a:pPr algn="l"/>
-            <a:r>
-              <a:rPr lang="en-US" sz="3200"/>
-              <a:t>Coding Standards: Delaney</a:t>
-            </a:r>
-          </a:p>
-          <a:p>
-            <a:pPr algn="l"/>
-            <a:r>
-              <a:rPr lang="en-US" sz="3200"/>
-              <a:t>Documentation Specialist: Corbin</a:t>
-            </a:r>
-          </a:p>
-        </p:txBody>
-      </p:sp>
-      <p:pic>
-        <p:nvPicPr>
-          <p:cNvPr id="4" name="Picture 4" descr="A close up of a sign&#10;&#10;Description generated with very high confidence">
-            <a:extLst>
-              <a:ext uri="{FF2B5EF4-FFF2-40B4-BE49-F238E27FC236}">
-                <a16:creationId xmlns:a16="http://schemas.microsoft.com/office/drawing/2014/main" id="{B3B5CCD3-B535-488B-94C2-2086E3C7B5C9}"/>
-              </a:ext>
-            </a:extLst>
-          </p:cNvPr>
-          <p:cNvPicPr>
-            <a:picLocks noChangeAspect="1"/>
-          </p:cNvPicPr>
-          <p:nvPr/>
-        </p:nvPicPr>
-        <p:blipFill>
-          <a:blip r:embed="rId2"/>
-          <a:stretch>
-            <a:fillRect/>
-          </a:stretch>
-        </p:blipFill>
-        <p:spPr>
-          <a:xfrm>
-            <a:off x="1503" y="4426614"/>
-            <a:ext cx="2502114" cy="2499171"/>
-          </a:xfrm>
-          <a:prstGeom prst="rect">
-            <a:avLst/>
-          </a:prstGeom>
-        </p:spPr>
-      </p:pic>
-    </p:spTree>
-    <p:extLst>
-      <p:ext uri="{BB962C8B-B14F-4D97-AF65-F5344CB8AC3E}">
-        <p14:creationId xmlns:p14="http://schemas.microsoft.com/office/powerpoint/2010/main" val="544610563"/>
-      </p:ext>
-    </p:extLst>
-  </p:cSld>
-  <p:clrMapOvr>
-    <a:masterClrMapping/>
-  </p:clrMapOvr>
-</p:sld>
-</file>
-
-<file path=ppt/slides/slide30.xml><?xml version="1.0" encoding="utf-8"?>
+<file path=ppt/slides/slide31.xml><?xml version="1.0" encoding="utf-8"?>
 <p:sld xmlns:a="http://schemas.openxmlformats.org/drawingml/2006/main" xmlns:r="http://schemas.openxmlformats.org/officeDocument/2006/relationships" xmlns:p="http://schemas.openxmlformats.org/presentationml/2006/main">
   <p:cSld>
     <p:spTree>
@@ -13010,7 +13806,7 @@
 </p:sld>
 </file>
 
-<file path=ppt/slides/slide31.xml><?xml version="1.0" encoding="utf-8"?>
+<file path=ppt/slides/slide32.xml><?xml version="1.0" encoding="utf-8"?>
 <p:sld xmlns:a="http://schemas.openxmlformats.org/drawingml/2006/main" xmlns:r="http://schemas.openxmlformats.org/officeDocument/2006/relationships" xmlns:p="http://schemas.openxmlformats.org/presentationml/2006/main">
   <p:cSld>
     <p:spTree>
@@ -13425,13 +14221,13 @@
         </p:nvSpPr>
         <p:spPr>
           <a:xfrm>
-            <a:off x="3501428" y="499000"/>
+            <a:off x="3081351" y="-38308"/>
             <a:ext cx="8574622" cy="1116780"/>
           </a:xfrm>
         </p:spPr>
         <p:txBody>
           <a:bodyPr>
-            <a:normAutofit fontScale="90000"/>
+            <a:normAutofit/>
           </a:bodyPr>
           <a:lstStyle/>
           <a:p>
@@ -13443,11 +14239,7 @@
                   </a:schemeClr>
                 </a:solidFill>
               </a:rPr>
-              <a:t>Project breakdown Diagram</a:t>
-            </a:r>
-            <a:r>
-              <a:rPr lang="en-US"/>
-              <a:t> </a:t>
+              <a:t>Sample Screenshots</a:t>
             </a:r>
           </a:p>
         </p:txBody>
@@ -13482,340 +14274,66 @@
           </a:prstGeom>
         </p:spPr>
       </p:pic>
-      <p:graphicFrame>
-        <p:nvGraphicFramePr>
-          <p:cNvPr id="5" name="Table 5">
+      <p:pic>
+        <p:nvPicPr>
+          <p:cNvPr id="6" name="Picture 6" descr="A picture containing sky&#10;&#10;Description generated with very high confidence">
             <a:extLst>
               <a:ext uri="{FF2B5EF4-FFF2-40B4-BE49-F238E27FC236}">
-                <a16:creationId xmlns:a16="http://schemas.microsoft.com/office/drawing/2014/main" id="{CA077656-FA0E-461A-9079-73E36B4BA7F2}"/>
+                <a16:creationId xmlns:a16="http://schemas.microsoft.com/office/drawing/2014/main" id="{A8B07A30-3337-434A-A9B7-902BF233A919}"/>
               </a:ext>
             </a:extLst>
           </p:cNvPr>
-          <p:cNvGraphicFramePr>
-            <a:graphicFrameLocks noGrp="1"/>
-          </p:cNvGraphicFramePr>
-          <p:nvPr>
-            <p:extLst>
-              <p:ext uri="{D42A27DB-BD31-4B8C-83A1-F6EECF244321}">
-                <p14:modId xmlns:p14="http://schemas.microsoft.com/office/powerpoint/2010/main" val="3482911230"/>
-              </p:ext>
-            </p:extLst>
-          </p:nvPr>
-        </p:nvGraphicFramePr>
-        <p:xfrm>
-          <a:off x="3135363" y="1790942"/>
-          <a:ext cx="9081084" cy="5069328"/>
-        </p:xfrm>
-        <a:graphic>
-          <a:graphicData uri="http://schemas.openxmlformats.org/drawingml/2006/table">
-            <a:tbl>
-              <a:tblPr firstRow="1" bandRow="1">
-                <a:tableStyleId>{5C22544A-7EE6-4342-B048-85BDC9FD1C3A}</a:tableStyleId>
-              </a:tblPr>
-              <a:tblGrid>
-                <a:gridCol w="4540542">
-                  <a:extLst>
-                    <a:ext uri="{9D8B030D-6E8A-4147-A177-3AD203B41FA5}">
-                      <a16:colId xmlns:a16="http://schemas.microsoft.com/office/drawing/2014/main" val="3250754730"/>
-                    </a:ext>
-                  </a:extLst>
-                </a:gridCol>
-                <a:gridCol w="4540542">
-                  <a:extLst>
-                    <a:ext uri="{9D8B030D-6E8A-4147-A177-3AD203B41FA5}">
-                      <a16:colId xmlns:a16="http://schemas.microsoft.com/office/drawing/2014/main" val="1174061792"/>
-                    </a:ext>
-                  </a:extLst>
-                </a:gridCol>
-              </a:tblGrid>
-              <a:tr h="633666">
-                <a:tc>
-                  <a:txBody>
-                    <a:bodyPr/>
-                    <a:lstStyle/>
-                    <a:p>
-                      <a:pPr algn="ctr"/>
-                      <a:r>
-                        <a:rPr lang="en-US" sz="3200" dirty="0"/>
-                        <a:t>Team Member</a:t>
-                      </a:r>
-                    </a:p>
-                  </a:txBody>
-                  <a:tcPr/>
-                </a:tc>
-                <a:tc>
-                  <a:txBody>
-                    <a:bodyPr/>
-                    <a:lstStyle/>
-                    <a:p>
-                      <a:pPr algn="ctr"/>
-                      <a:r>
-                        <a:rPr lang="en-US" sz="3200" dirty="0"/>
-                        <a:t>Subsystem</a:t>
-                      </a:r>
-                    </a:p>
-                  </a:txBody>
-                  <a:tcPr/>
-                </a:tc>
-                <a:extLst>
-                  <a:ext uri="{0D108BD9-81ED-4DB2-BD59-A6C34878D82A}">
-                    <a16:rowId xmlns:a16="http://schemas.microsoft.com/office/drawing/2014/main" val="1575018293"/>
-                  </a:ext>
-                </a:extLst>
-              </a:tr>
-              <a:tr h="633666">
-                <a:tc>
-                  <a:txBody>
-                    <a:bodyPr/>
-                    <a:lstStyle/>
-                    <a:p>
-                      <a:pPr algn="ctr"/>
-                      <a:r>
-                        <a:rPr lang="en-US" sz="3200" dirty="0"/>
-                        <a:t>Jacob</a:t>
-                      </a:r>
-                    </a:p>
-                  </a:txBody>
-                  <a:tcPr/>
-                </a:tc>
-                <a:tc>
-                  <a:txBody>
-                    <a:bodyPr/>
-                    <a:lstStyle/>
-                    <a:p>
-                      <a:pPr algn="ctr"/>
-                      <a:r>
-                        <a:rPr lang="en-US" sz="3200"/>
-                        <a:t>Level Management</a:t>
-                      </a:r>
-                    </a:p>
-                  </a:txBody>
-                  <a:tcPr/>
-                </a:tc>
-                <a:extLst>
-                  <a:ext uri="{0D108BD9-81ED-4DB2-BD59-A6C34878D82A}">
-                    <a16:rowId xmlns:a16="http://schemas.microsoft.com/office/drawing/2014/main" val="4288836594"/>
-                  </a:ext>
-                </a:extLst>
-              </a:tr>
-              <a:tr h="633666">
-                <a:tc>
-                  <a:txBody>
-                    <a:bodyPr/>
-                    <a:lstStyle/>
-                    <a:p>
-                      <a:pPr algn="ctr"/>
-                      <a:r>
-                        <a:rPr lang="en-US" sz="3200" dirty="0"/>
-                        <a:t>Ben</a:t>
-                      </a:r>
-                    </a:p>
-                  </a:txBody>
-                  <a:tcPr/>
-                </a:tc>
-                <a:tc>
-                  <a:txBody>
-                    <a:bodyPr/>
-                    <a:lstStyle/>
-                    <a:p>
-                      <a:pPr algn="ctr"/>
-                      <a:r>
-                        <a:rPr lang="en-US" sz="3200" dirty="0"/>
-                        <a:t>Player Management</a:t>
-                      </a:r>
-                    </a:p>
-                  </a:txBody>
-                  <a:tcPr/>
-                </a:tc>
-                <a:extLst>
-                  <a:ext uri="{0D108BD9-81ED-4DB2-BD59-A6C34878D82A}">
-                    <a16:rowId xmlns:a16="http://schemas.microsoft.com/office/drawing/2014/main" val="3419221716"/>
-                  </a:ext>
-                </a:extLst>
-              </a:tr>
-              <a:tr h="633666">
-                <a:tc>
-                  <a:txBody>
-                    <a:bodyPr/>
-                    <a:lstStyle/>
-                    <a:p>
-                      <a:pPr algn="ctr"/>
-                      <a:r>
-                        <a:rPr lang="en-US" sz="3200" dirty="0"/>
-                        <a:t>Cameron</a:t>
-                      </a:r>
-                    </a:p>
-                  </a:txBody>
-                  <a:tcPr/>
-                </a:tc>
-                <a:tc>
-                  <a:txBody>
-                    <a:bodyPr/>
-                    <a:lstStyle/>
-                    <a:p>
-                      <a:pPr algn="ctr"/>
-                      <a:r>
-                        <a:rPr lang="en-US" sz="3200" dirty="0"/>
-                        <a:t>Menu Management</a:t>
-                      </a:r>
-                    </a:p>
-                  </a:txBody>
-                  <a:tcPr/>
-                </a:tc>
-                <a:extLst>
-                  <a:ext uri="{0D108BD9-81ED-4DB2-BD59-A6C34878D82A}">
-                    <a16:rowId xmlns:a16="http://schemas.microsoft.com/office/drawing/2014/main" val="2367153500"/>
-                  </a:ext>
-                </a:extLst>
-              </a:tr>
-              <a:tr h="633666">
-                <a:tc>
-                  <a:txBody>
-                    <a:bodyPr/>
-                    <a:lstStyle/>
-                    <a:p>
-                      <a:pPr algn="ctr"/>
-                      <a:r>
-                        <a:rPr lang="en-US" sz="3200" dirty="0"/>
-                        <a:t>Cameron</a:t>
-                      </a:r>
-                    </a:p>
-                  </a:txBody>
-                  <a:tcPr/>
-                </a:tc>
-                <a:tc>
-                  <a:txBody>
-                    <a:bodyPr/>
-                    <a:lstStyle/>
-                    <a:p>
-                      <a:pPr algn="ctr"/>
-                      <a:r>
-                        <a:rPr lang="en-US" sz="3200" dirty="0"/>
-                        <a:t>Sound Management</a:t>
-                      </a:r>
-                    </a:p>
-                  </a:txBody>
-                  <a:tcPr/>
-                </a:tc>
-                <a:extLst>
-                  <a:ext uri="{0D108BD9-81ED-4DB2-BD59-A6C34878D82A}">
-                    <a16:rowId xmlns:a16="http://schemas.microsoft.com/office/drawing/2014/main" val="2393919442"/>
-                  </a:ext>
-                </a:extLst>
-              </a:tr>
-              <a:tr h="633666">
-                <a:tc>
-                  <a:txBody>
-                    <a:bodyPr/>
-                    <a:lstStyle/>
-                    <a:p>
-                      <a:pPr lvl="0" algn="ctr">
-                        <a:buNone/>
-                      </a:pPr>
-                      <a:r>
-                        <a:rPr lang="en-US" sz="3200" dirty="0"/>
-                        <a:t>Corbin</a:t>
-                      </a:r>
-                    </a:p>
-                  </a:txBody>
-                  <a:tcPr/>
-                </a:tc>
-                <a:tc>
-                  <a:txBody>
-                    <a:bodyPr/>
-                    <a:lstStyle/>
-                    <a:p>
-                      <a:pPr lvl="0" algn="ctr">
-                        <a:buNone/>
-                      </a:pPr>
-                      <a:r>
-                        <a:rPr lang="en-US" sz="3200" dirty="0"/>
-                        <a:t>Enemy Management</a:t>
-                      </a:r>
-                    </a:p>
-                  </a:txBody>
-                  <a:tcPr/>
-                </a:tc>
-                <a:extLst>
-                  <a:ext uri="{0D108BD9-81ED-4DB2-BD59-A6C34878D82A}">
-                    <a16:rowId xmlns:a16="http://schemas.microsoft.com/office/drawing/2014/main" val="3901782036"/>
-                  </a:ext>
-                </a:extLst>
-              </a:tr>
-              <a:tr h="633666">
-                <a:tc>
-                  <a:txBody>
-                    <a:bodyPr/>
-                    <a:lstStyle/>
-                    <a:p>
-                      <a:pPr algn="ctr"/>
-                      <a:r>
-                        <a:rPr lang="en-US" sz="3200" dirty="0"/>
-                        <a:t>Delaney</a:t>
-                      </a:r>
-                    </a:p>
-                  </a:txBody>
-                  <a:tcPr/>
-                </a:tc>
-                <a:tc>
-                  <a:txBody>
-                    <a:bodyPr/>
-                    <a:lstStyle/>
-                    <a:p>
-                      <a:pPr algn="ctr"/>
-                      <a:r>
-                        <a:rPr lang="en-US" sz="3200" dirty="0"/>
-                        <a:t>Item Management</a:t>
-                      </a:r>
-                    </a:p>
-                  </a:txBody>
-                  <a:tcPr/>
-                </a:tc>
-                <a:extLst>
-                  <a:ext uri="{0D108BD9-81ED-4DB2-BD59-A6C34878D82A}">
-                    <a16:rowId xmlns:a16="http://schemas.microsoft.com/office/drawing/2014/main" val="2500252187"/>
-                  </a:ext>
-                </a:extLst>
-              </a:tr>
-              <a:tr h="633666">
-                <a:tc>
-                  <a:txBody>
-                    <a:bodyPr/>
-                    <a:lstStyle/>
-                    <a:p>
-                      <a:pPr algn="ctr"/>
-                      <a:r>
-                        <a:rPr lang="en-US" sz="3200" dirty="0"/>
-                        <a:t>Conrad</a:t>
-                      </a:r>
-                    </a:p>
-                  </a:txBody>
-                  <a:tcPr/>
-                </a:tc>
-                <a:tc>
-                  <a:txBody>
-                    <a:bodyPr/>
-                    <a:lstStyle/>
-                    <a:p>
-                      <a:pPr algn="ctr"/>
-                      <a:r>
-                        <a:rPr lang="en-US" sz="3200" dirty="0"/>
-                        <a:t>Score Management</a:t>
-                      </a:r>
-                    </a:p>
-                  </a:txBody>
-                  <a:tcPr/>
-                </a:tc>
-                <a:extLst>
-                  <a:ext uri="{0D108BD9-81ED-4DB2-BD59-A6C34878D82A}">
-                    <a16:rowId xmlns:a16="http://schemas.microsoft.com/office/drawing/2014/main" val="275262631"/>
-                  </a:ext>
-                </a:extLst>
-              </a:tr>
-            </a:tbl>
-          </a:graphicData>
-        </a:graphic>
-      </p:graphicFrame>
+          <p:cNvPicPr>
+            <a:picLocks noChangeAspect="1"/>
+          </p:cNvPicPr>
+          <p:nvPr/>
+        </p:nvPicPr>
+        <p:blipFill>
+          <a:blip r:embed="rId3"/>
+          <a:stretch>
+            <a:fillRect/>
+          </a:stretch>
+        </p:blipFill>
+        <p:spPr>
+          <a:xfrm>
+            <a:off x="6912079" y="3652226"/>
+            <a:ext cx="4734231" cy="2675287"/>
+          </a:xfrm>
+          <a:prstGeom prst="rect">
+            <a:avLst/>
+          </a:prstGeom>
+        </p:spPr>
+      </p:pic>
+      <p:pic>
+        <p:nvPicPr>
+          <p:cNvPr id="3" name="Picture 3" descr="A picture containing object&#10;&#10;Description generated with high confidence">
+            <a:extLst>
+              <a:ext uri="{FF2B5EF4-FFF2-40B4-BE49-F238E27FC236}">
+                <a16:creationId xmlns:a16="http://schemas.microsoft.com/office/drawing/2014/main" id="{C3AE9E14-1F14-450E-8291-4BF4BD0A6ED6}"/>
+              </a:ext>
+            </a:extLst>
+          </p:cNvPr>
+          <p:cNvPicPr>
+            <a:picLocks noChangeAspect="1"/>
+          </p:cNvPicPr>
+          <p:nvPr/>
+        </p:nvPicPr>
+        <p:blipFill>
+          <a:blip r:embed="rId4"/>
+          <a:stretch>
+            <a:fillRect/>
+          </a:stretch>
+        </p:blipFill>
+        <p:spPr>
+          <a:xfrm>
+            <a:off x="2985161" y="1349658"/>
+            <a:ext cx="5453688" cy="3077448"/>
+          </a:xfrm>
+          <a:prstGeom prst="rect">
+            <a:avLst/>
+          </a:prstGeom>
+        </p:spPr>
+      </p:pic>
     </p:spTree>
     <p:extLst>
       <p:ext uri="{BB962C8B-B14F-4D97-AF65-F5344CB8AC3E}">
@@ -13864,6 +14382,441 @@
         </p:nvSpPr>
         <p:spPr>
           <a:xfrm>
+            <a:off x="3501428" y="499000"/>
+            <a:ext cx="8574622" cy="1116780"/>
+          </a:xfrm>
+        </p:spPr>
+        <p:txBody>
+          <a:bodyPr>
+            <a:normAutofit fontScale="90000"/>
+          </a:bodyPr>
+          <a:lstStyle/>
+          <a:p>
+            <a:r>
+              <a:rPr lang="en-US">
+                <a:solidFill>
+                  <a:schemeClr val="accent1">
+                    <a:lumMod val="75000"/>
+                  </a:schemeClr>
+                </a:solidFill>
+              </a:rPr>
+              <a:t>Project breakdown Diagram</a:t>
+            </a:r>
+            <a:r>
+              <a:rPr lang="en-US"/>
+              <a:t> </a:t>
+            </a:r>
+          </a:p>
+        </p:txBody>
+      </p:sp>
+      <p:pic>
+        <p:nvPicPr>
+          <p:cNvPr id="4" name="Picture 4" descr="A close up of a sign&#10;&#10;Description generated with very high confidence">
+            <a:extLst>
+              <a:ext uri="{FF2B5EF4-FFF2-40B4-BE49-F238E27FC236}">
+                <a16:creationId xmlns:a16="http://schemas.microsoft.com/office/drawing/2014/main" id="{B3B5CCD3-B535-488B-94C2-2086E3C7B5C9}"/>
+              </a:ext>
+            </a:extLst>
+          </p:cNvPr>
+          <p:cNvPicPr>
+            <a:picLocks noChangeAspect="1"/>
+          </p:cNvPicPr>
+          <p:nvPr/>
+        </p:nvPicPr>
+        <p:blipFill>
+          <a:blip r:embed="rId2"/>
+          <a:stretch>
+            <a:fillRect/>
+          </a:stretch>
+        </p:blipFill>
+        <p:spPr>
+          <a:xfrm>
+            <a:off x="1503" y="4426614"/>
+            <a:ext cx="2502114" cy="2499171"/>
+          </a:xfrm>
+          <a:prstGeom prst="rect">
+            <a:avLst/>
+          </a:prstGeom>
+        </p:spPr>
+      </p:pic>
+      <p:graphicFrame>
+        <p:nvGraphicFramePr>
+          <p:cNvPr id="5" name="Table 5">
+            <a:extLst>
+              <a:ext uri="{FF2B5EF4-FFF2-40B4-BE49-F238E27FC236}">
+                <a16:creationId xmlns:a16="http://schemas.microsoft.com/office/drawing/2014/main" id="{CA077656-FA0E-461A-9079-73E36B4BA7F2}"/>
+              </a:ext>
+            </a:extLst>
+          </p:cNvPr>
+          <p:cNvGraphicFramePr>
+            <a:graphicFrameLocks noGrp="1"/>
+          </p:cNvGraphicFramePr>
+          <p:nvPr>
+            <p:extLst/>
+          </p:nvPr>
+        </p:nvGraphicFramePr>
+        <p:xfrm>
+          <a:off x="3135363" y="1790942"/>
+          <a:ext cx="9081084" cy="5069328"/>
+        </p:xfrm>
+        <a:graphic>
+          <a:graphicData uri="http://schemas.openxmlformats.org/drawingml/2006/table">
+            <a:tbl>
+              <a:tblPr firstRow="1" bandRow="1">
+                <a:tableStyleId>{5C22544A-7EE6-4342-B048-85BDC9FD1C3A}</a:tableStyleId>
+              </a:tblPr>
+              <a:tblGrid>
+                <a:gridCol w="4540542">
+                  <a:extLst>
+                    <a:ext uri="{9D8B030D-6E8A-4147-A177-3AD203B41FA5}">
+                      <a16:colId xmlns:a16="http://schemas.microsoft.com/office/drawing/2014/main" val="3250754730"/>
+                    </a:ext>
+                  </a:extLst>
+                </a:gridCol>
+                <a:gridCol w="4540542">
+                  <a:extLst>
+                    <a:ext uri="{9D8B030D-6E8A-4147-A177-3AD203B41FA5}">
+                      <a16:colId xmlns:a16="http://schemas.microsoft.com/office/drawing/2014/main" val="1174061792"/>
+                    </a:ext>
+                  </a:extLst>
+                </a:gridCol>
+              </a:tblGrid>
+              <a:tr h="633666">
+                <a:tc>
+                  <a:txBody>
+                    <a:bodyPr/>
+                    <a:lstStyle/>
+                    <a:p>
+                      <a:pPr algn="ctr"/>
+                      <a:r>
+                        <a:rPr lang="en-US" sz="3200"/>
+                        <a:t>Team Member</a:t>
+                      </a:r>
+                    </a:p>
+                  </a:txBody>
+                  <a:tcPr/>
+                </a:tc>
+                <a:tc>
+                  <a:txBody>
+                    <a:bodyPr/>
+                    <a:lstStyle/>
+                    <a:p>
+                      <a:pPr algn="ctr"/>
+                      <a:r>
+                        <a:rPr lang="en-US" sz="3200"/>
+                        <a:t>Subsystem</a:t>
+                      </a:r>
+                    </a:p>
+                  </a:txBody>
+                  <a:tcPr/>
+                </a:tc>
+                <a:extLst>
+                  <a:ext uri="{0D108BD9-81ED-4DB2-BD59-A6C34878D82A}">
+                    <a16:rowId xmlns:a16="http://schemas.microsoft.com/office/drawing/2014/main" val="1575018293"/>
+                  </a:ext>
+                </a:extLst>
+              </a:tr>
+              <a:tr h="633666">
+                <a:tc>
+                  <a:txBody>
+                    <a:bodyPr/>
+                    <a:lstStyle/>
+                    <a:p>
+                      <a:pPr algn="ctr"/>
+                      <a:r>
+                        <a:rPr lang="en-US" sz="3200"/>
+                        <a:t>Jacob</a:t>
+                      </a:r>
+                    </a:p>
+                  </a:txBody>
+                  <a:tcPr/>
+                </a:tc>
+                <a:tc>
+                  <a:txBody>
+                    <a:bodyPr/>
+                    <a:lstStyle/>
+                    <a:p>
+                      <a:pPr algn="ctr"/>
+                      <a:r>
+                        <a:rPr lang="en-US" sz="3200"/>
+                        <a:t>Level Management</a:t>
+                      </a:r>
+                    </a:p>
+                  </a:txBody>
+                  <a:tcPr/>
+                </a:tc>
+                <a:extLst>
+                  <a:ext uri="{0D108BD9-81ED-4DB2-BD59-A6C34878D82A}">
+                    <a16:rowId xmlns:a16="http://schemas.microsoft.com/office/drawing/2014/main" val="4288836594"/>
+                  </a:ext>
+                </a:extLst>
+              </a:tr>
+              <a:tr h="633666">
+                <a:tc>
+                  <a:txBody>
+                    <a:bodyPr/>
+                    <a:lstStyle/>
+                    <a:p>
+                      <a:pPr algn="ctr"/>
+                      <a:r>
+                        <a:rPr lang="en-US" sz="3200"/>
+                        <a:t>Ben</a:t>
+                      </a:r>
+                    </a:p>
+                  </a:txBody>
+                  <a:tcPr/>
+                </a:tc>
+                <a:tc>
+                  <a:txBody>
+                    <a:bodyPr/>
+                    <a:lstStyle/>
+                    <a:p>
+                      <a:pPr algn="ctr"/>
+                      <a:r>
+                        <a:rPr lang="en-US" sz="3200"/>
+                        <a:t>Player Management</a:t>
+                      </a:r>
+                    </a:p>
+                  </a:txBody>
+                  <a:tcPr/>
+                </a:tc>
+                <a:extLst>
+                  <a:ext uri="{0D108BD9-81ED-4DB2-BD59-A6C34878D82A}">
+                    <a16:rowId xmlns:a16="http://schemas.microsoft.com/office/drawing/2014/main" val="3419221716"/>
+                  </a:ext>
+                </a:extLst>
+              </a:tr>
+              <a:tr h="633666">
+                <a:tc>
+                  <a:txBody>
+                    <a:bodyPr/>
+                    <a:lstStyle/>
+                    <a:p>
+                      <a:pPr algn="ctr"/>
+                      <a:r>
+                        <a:rPr lang="en-US" sz="3200"/>
+                        <a:t>Cameron</a:t>
+                      </a:r>
+                    </a:p>
+                  </a:txBody>
+                  <a:tcPr/>
+                </a:tc>
+                <a:tc>
+                  <a:txBody>
+                    <a:bodyPr/>
+                    <a:lstStyle/>
+                    <a:p>
+                      <a:pPr algn="ctr"/>
+                      <a:r>
+                        <a:rPr lang="en-US" sz="3200"/>
+                        <a:t>Menu Management</a:t>
+                      </a:r>
+                    </a:p>
+                  </a:txBody>
+                  <a:tcPr/>
+                </a:tc>
+                <a:extLst>
+                  <a:ext uri="{0D108BD9-81ED-4DB2-BD59-A6C34878D82A}">
+                    <a16:rowId xmlns:a16="http://schemas.microsoft.com/office/drawing/2014/main" val="2367153500"/>
+                  </a:ext>
+                </a:extLst>
+              </a:tr>
+              <a:tr h="633666">
+                <a:tc>
+                  <a:txBody>
+                    <a:bodyPr/>
+                    <a:lstStyle/>
+                    <a:p>
+                      <a:pPr algn="ctr"/>
+                      <a:r>
+                        <a:rPr lang="en-US" sz="3200"/>
+                        <a:t>Cameron</a:t>
+                      </a:r>
+                    </a:p>
+                  </a:txBody>
+                  <a:tcPr/>
+                </a:tc>
+                <a:tc>
+                  <a:txBody>
+                    <a:bodyPr/>
+                    <a:lstStyle/>
+                    <a:p>
+                      <a:pPr algn="ctr"/>
+                      <a:r>
+                        <a:rPr lang="en-US" sz="3200"/>
+                        <a:t>Sound Management</a:t>
+                      </a:r>
+                    </a:p>
+                  </a:txBody>
+                  <a:tcPr/>
+                </a:tc>
+                <a:extLst>
+                  <a:ext uri="{0D108BD9-81ED-4DB2-BD59-A6C34878D82A}">
+                    <a16:rowId xmlns:a16="http://schemas.microsoft.com/office/drawing/2014/main" val="2393919442"/>
+                  </a:ext>
+                </a:extLst>
+              </a:tr>
+              <a:tr h="633666">
+                <a:tc>
+                  <a:txBody>
+                    <a:bodyPr/>
+                    <a:lstStyle/>
+                    <a:p>
+                      <a:pPr lvl="0" algn="ctr">
+                        <a:buNone/>
+                      </a:pPr>
+                      <a:r>
+                        <a:rPr lang="en-US" sz="3200"/>
+                        <a:t>Corbin</a:t>
+                      </a:r>
+                    </a:p>
+                  </a:txBody>
+                  <a:tcPr/>
+                </a:tc>
+                <a:tc>
+                  <a:txBody>
+                    <a:bodyPr/>
+                    <a:lstStyle/>
+                    <a:p>
+                      <a:pPr lvl="0" algn="ctr">
+                        <a:buNone/>
+                      </a:pPr>
+                      <a:r>
+                        <a:rPr lang="en-US" sz="3200"/>
+                        <a:t>Enemy Management</a:t>
+                      </a:r>
+                    </a:p>
+                  </a:txBody>
+                  <a:tcPr/>
+                </a:tc>
+                <a:extLst>
+                  <a:ext uri="{0D108BD9-81ED-4DB2-BD59-A6C34878D82A}">
+                    <a16:rowId xmlns:a16="http://schemas.microsoft.com/office/drawing/2014/main" val="3901782036"/>
+                  </a:ext>
+                </a:extLst>
+              </a:tr>
+              <a:tr h="633666">
+                <a:tc>
+                  <a:txBody>
+                    <a:bodyPr/>
+                    <a:lstStyle/>
+                    <a:p>
+                      <a:pPr algn="ctr"/>
+                      <a:r>
+                        <a:rPr lang="en-US" sz="3200"/>
+                        <a:t>Delaney</a:t>
+                      </a:r>
+                    </a:p>
+                  </a:txBody>
+                  <a:tcPr/>
+                </a:tc>
+                <a:tc>
+                  <a:txBody>
+                    <a:bodyPr/>
+                    <a:lstStyle/>
+                    <a:p>
+                      <a:pPr algn="ctr"/>
+                      <a:r>
+                        <a:rPr lang="en-US" sz="3200"/>
+                        <a:t>Item Management</a:t>
+                      </a:r>
+                    </a:p>
+                  </a:txBody>
+                  <a:tcPr/>
+                </a:tc>
+                <a:extLst>
+                  <a:ext uri="{0D108BD9-81ED-4DB2-BD59-A6C34878D82A}">
+                    <a16:rowId xmlns:a16="http://schemas.microsoft.com/office/drawing/2014/main" val="2500252187"/>
+                  </a:ext>
+                </a:extLst>
+              </a:tr>
+              <a:tr h="633666">
+                <a:tc>
+                  <a:txBody>
+                    <a:bodyPr/>
+                    <a:lstStyle/>
+                    <a:p>
+                      <a:pPr algn="ctr"/>
+                      <a:r>
+                        <a:rPr lang="en-US" sz="3200"/>
+                        <a:t>Conrad</a:t>
+                      </a:r>
+                    </a:p>
+                  </a:txBody>
+                  <a:tcPr/>
+                </a:tc>
+                <a:tc>
+                  <a:txBody>
+                    <a:bodyPr/>
+                    <a:lstStyle/>
+                    <a:p>
+                      <a:pPr algn="ctr"/>
+                      <a:r>
+                        <a:rPr lang="en-US" sz="3200"/>
+                        <a:t>Score Management</a:t>
+                      </a:r>
+                    </a:p>
+                  </a:txBody>
+                  <a:tcPr/>
+                </a:tc>
+                <a:extLst>
+                  <a:ext uri="{0D108BD9-81ED-4DB2-BD59-A6C34878D82A}">
+                    <a16:rowId xmlns:a16="http://schemas.microsoft.com/office/drawing/2014/main" val="275262631"/>
+                  </a:ext>
+                </a:extLst>
+              </a:tr>
+            </a:tbl>
+          </a:graphicData>
+        </a:graphic>
+      </p:graphicFrame>
+    </p:spTree>
+    <p:extLst>
+      <p:ext uri="{BB962C8B-B14F-4D97-AF65-F5344CB8AC3E}">
+        <p14:creationId xmlns:p14="http://schemas.microsoft.com/office/powerpoint/2010/main" val="3484490192"/>
+      </p:ext>
+    </p:extLst>
+  </p:cSld>
+  <p:clrMapOvr>
+    <a:masterClrMapping/>
+  </p:clrMapOvr>
+</p:sld>
+</file>
+
+<file path=ppt/slides/slide8.xml><?xml version="1.0" encoding="utf-8"?>
+<p:sld xmlns:a="http://schemas.openxmlformats.org/drawingml/2006/main" xmlns:r="http://schemas.openxmlformats.org/officeDocument/2006/relationships" xmlns:p="http://schemas.openxmlformats.org/presentationml/2006/main">
+  <p:cSld>
+    <p:spTree>
+      <p:nvGrpSpPr>
+        <p:cNvPr id="1" name=""/>
+        <p:cNvGrpSpPr/>
+        <p:nvPr/>
+      </p:nvGrpSpPr>
+      <p:grpSpPr>
+        <a:xfrm>
+          <a:off x="0" y="0"/>
+          <a:ext cx="0" cy="0"/>
+          <a:chOff x="0" y="0"/>
+          <a:chExt cx="0" cy="0"/>
+        </a:xfrm>
+      </p:grpSpPr>
+      <p:sp>
+        <p:nvSpPr>
+          <p:cNvPr id="2" name="Title 1">
+            <a:extLst>
+              <a:ext uri="{FF2B5EF4-FFF2-40B4-BE49-F238E27FC236}">
+                <a16:creationId xmlns:a16="http://schemas.microsoft.com/office/drawing/2014/main" id="{59D2053B-3B08-4FC5-9C84-634719D44497}"/>
+              </a:ext>
+            </a:extLst>
+          </p:cNvPr>
+          <p:cNvSpPr>
+            <a:spLocks noGrp="1"/>
+          </p:cNvSpPr>
+          <p:nvPr>
+            <p:ph type="ctrTitle"/>
+          </p:nvPr>
+        </p:nvSpPr>
+        <p:spPr>
+          <a:xfrm>
             <a:off x="4137925" y="1367973"/>
             <a:ext cx="8574622" cy="29282"/>
           </a:xfrm>
@@ -13931,7 +14884,6 @@
               <a:rPr lang="en-US" sz="2200"/>
               <a:t>: 1</a:t>
             </a:r>
-            <a:endParaRPr lang="en-US" sz="2200" dirty="0"/>
           </a:p>
           <a:p>
             <a:pPr algn="l"/>
@@ -13949,7 +14901,6 @@
               <a:rPr lang="en-US" sz="2200"/>
               <a:t>:</a:t>
             </a:r>
-            <a:endParaRPr lang="en-US" sz="2200" dirty="0"/>
           </a:p>
           <a:p>
             <a:pPr marL="342900" indent="-342900" algn="l">
@@ -13959,7 +14910,6 @@
               <a:rPr lang="en-US" sz="2200"/>
               <a:t>Load all game assets properly into the world</a:t>
             </a:r>
-            <a:endParaRPr lang="en-US" sz="2200" dirty="0"/>
           </a:p>
           <a:p>
             <a:pPr marL="800100" lvl="1" indent="-342900" algn="l">
@@ -14021,7 +14971,6 @@
               <a:rPr lang="en-US" sz="2200"/>
               <a:t>Bounds check all game assets</a:t>
             </a:r>
-            <a:endParaRPr lang="en-US" sz="2200" dirty="0"/>
           </a:p>
           <a:p>
             <a:pPr marL="342900" indent="-342900" algn="l">
@@ -14031,7 +14980,6 @@
               <a:rPr lang="en-US" sz="2200"/>
               <a:t>Raise collision flags on player collision with map assets</a:t>
             </a:r>
-            <a:endParaRPr lang="en-US" sz="2200" dirty="0"/>
           </a:p>
           <a:p>
             <a:pPr marL="342900" indent="-342900" algn="l">
@@ -14041,27 +14989,26 @@
               <a:rPr lang="en-US" sz="2200"/>
               <a:t>Swap scenes</a:t>
             </a:r>
-            <a:endParaRPr lang="en-US" sz="2200" dirty="0"/>
           </a:p>
           <a:p>
             <a:pPr marL="342900" indent="-342900" algn="l">
               <a:buChar char="•"/>
             </a:pPr>
-            <a:endParaRPr lang="en-US" sz="2200" dirty="0"/>
+            <a:endParaRPr lang="en-US" sz="2200"/>
           </a:p>
           <a:p>
             <a:pPr marL="342900" indent="-342900" algn="l">
               <a:buChar char="•"/>
             </a:pPr>
-            <a:endParaRPr lang="en-US" sz="2200" dirty="0"/>
+            <a:endParaRPr lang="en-US" sz="2200"/>
           </a:p>
           <a:p>
             <a:pPr algn="l"/>
-            <a:endParaRPr lang="en-US" sz="2200" dirty="0"/>
+            <a:endParaRPr lang="en-US" sz="2200"/>
           </a:p>
           <a:p>
             <a:pPr algn="l"/>
-            <a:endParaRPr lang="en-US" sz="2200" dirty="0"/>
+            <a:endParaRPr lang="en-US" sz="2200"/>
           </a:p>
         </p:txBody>
       </p:sp>
@@ -14108,7 +15055,7 @@
 </p:sld>
 </file>
 
-<file path=ppt/slides/slide8.xml><?xml version="1.0" encoding="utf-8"?>
+<file path=ppt/slides/slide9.xml><?xml version="1.0" encoding="utf-8"?>
 <p:sld xmlns:a="http://schemas.openxmlformats.org/drawingml/2006/main" xmlns:r="http://schemas.openxmlformats.org/officeDocument/2006/relationships" xmlns:p="http://schemas.openxmlformats.org/presentationml/2006/main">
   <p:cSld>
     <p:spTree>
@@ -14300,797 +15247,6 @@
     <p:extLst>
       <p:ext uri="{BB962C8B-B14F-4D97-AF65-F5344CB8AC3E}">
         <p14:creationId xmlns:p14="http://schemas.microsoft.com/office/powerpoint/2010/main" val="2709184028"/>
-      </p:ext>
-    </p:extLst>
-  </p:cSld>
-  <p:clrMapOvr>
-    <a:masterClrMapping/>
-  </p:clrMapOvr>
-</p:sld>
-</file>
-
-<file path=ppt/slides/slide9.xml><?xml version="1.0" encoding="utf-8"?>
-<p:sld xmlns:a="http://schemas.openxmlformats.org/drawingml/2006/main" xmlns:r="http://schemas.openxmlformats.org/officeDocument/2006/relationships" xmlns:p="http://schemas.openxmlformats.org/presentationml/2006/main">
-  <p:cSld>
-    <p:spTree>
-      <p:nvGrpSpPr>
-        <p:cNvPr id="1" name=""/>
-        <p:cNvGrpSpPr/>
-        <p:nvPr/>
-      </p:nvGrpSpPr>
-      <p:grpSpPr>
-        <a:xfrm>
-          <a:off x="0" y="0"/>
-          <a:ext cx="0" cy="0"/>
-          <a:chOff x="0" y="0"/>
-          <a:chExt cx="0" cy="0"/>
-        </a:xfrm>
-      </p:grpSpPr>
-      <p:sp>
-        <p:nvSpPr>
-          <p:cNvPr id="2" name="Title 1">
-            <a:extLst>
-              <a:ext uri="{FF2B5EF4-FFF2-40B4-BE49-F238E27FC236}">
-                <a16:creationId xmlns:a16="http://schemas.microsoft.com/office/drawing/2014/main" id="{59D2053B-3B08-4FC5-9C84-634719D44497}"/>
-              </a:ext>
-            </a:extLst>
-          </p:cNvPr>
-          <p:cNvSpPr>
-            <a:spLocks noGrp="1"/>
-          </p:cNvSpPr>
-          <p:nvPr>
-            <p:ph type="ctrTitle"/>
-          </p:nvPr>
-        </p:nvSpPr>
-        <p:spPr>
-          <a:xfrm>
-            <a:off x="822368" y="864826"/>
-            <a:ext cx="11489571" cy="488900"/>
-          </a:xfrm>
-        </p:spPr>
-        <p:txBody>
-          <a:bodyPr>
-            <a:normAutofit fontScale="90000"/>
-          </a:bodyPr>
-          <a:lstStyle/>
-          <a:p>
-            <a:pPr algn="ctr"/>
-            <a:r>
-              <a:rPr lang="en-US">
-                <a:solidFill>
-                  <a:schemeClr val="accent1">
-                    <a:lumMod val="75000"/>
-                  </a:schemeClr>
-                </a:solidFill>
-              </a:rPr>
-              <a:t>                                 Level Management</a:t>
-            </a:r>
-          </a:p>
-        </p:txBody>
-      </p:sp>
-      <p:sp>
-        <p:nvSpPr>
-          <p:cNvPr id="3" name="Subtitle 2">
-            <a:extLst>
-              <a:ext uri="{FF2B5EF4-FFF2-40B4-BE49-F238E27FC236}">
-                <a16:creationId xmlns:a16="http://schemas.microsoft.com/office/drawing/2014/main" id="{4A3C2BE8-C9F0-4C1D-B6F4-0E7F68071EE3}"/>
-              </a:ext>
-            </a:extLst>
-          </p:cNvPr>
-          <p:cNvSpPr>
-            <a:spLocks noGrp="1"/>
-          </p:cNvSpPr>
-          <p:nvPr>
-            <p:ph type="subTitle" idx="1"/>
-          </p:nvPr>
-        </p:nvSpPr>
-        <p:spPr>
-          <a:xfrm>
-            <a:off x="3261764" y="1415299"/>
-            <a:ext cx="6987645" cy="1388534"/>
-          </a:xfrm>
-        </p:spPr>
-        <p:txBody>
-          <a:bodyPr/>
-          <a:lstStyle/>
-          <a:p>
-            <a:pPr algn="l"/>
-            <a:endParaRPr lang="en-US"/>
-          </a:p>
-          <a:p>
-            <a:pPr algn="l"/>
-            <a:endParaRPr lang="en-US"/>
-          </a:p>
-          <a:p>
-            <a:pPr algn="l"/>
-            <a:endParaRPr lang="en-US"/>
-          </a:p>
-        </p:txBody>
-      </p:sp>
-      <p:pic>
-        <p:nvPicPr>
-          <p:cNvPr id="4" name="Picture 4" descr="A close up of a sign&#10;&#10;Description generated with very high confidence">
-            <a:extLst>
-              <a:ext uri="{FF2B5EF4-FFF2-40B4-BE49-F238E27FC236}">
-                <a16:creationId xmlns:a16="http://schemas.microsoft.com/office/drawing/2014/main" id="{B3B5CCD3-B535-488B-94C2-2086E3C7B5C9}"/>
-              </a:ext>
-            </a:extLst>
-          </p:cNvPr>
-          <p:cNvPicPr>
-            <a:picLocks noChangeAspect="1"/>
-          </p:cNvPicPr>
-          <p:nvPr/>
-        </p:nvPicPr>
-        <p:blipFill>
-          <a:blip r:embed="rId2"/>
-          <a:stretch>
-            <a:fillRect/>
-          </a:stretch>
-        </p:blipFill>
-        <p:spPr>
-          <a:xfrm>
-            <a:off x="1503" y="4426614"/>
-            <a:ext cx="2502114" cy="2499171"/>
-          </a:xfrm>
-          <a:prstGeom prst="rect">
-            <a:avLst/>
-          </a:prstGeom>
-        </p:spPr>
-      </p:pic>
-      <p:graphicFrame>
-        <p:nvGraphicFramePr>
-          <p:cNvPr id="6" name="Table 5">
-            <a:extLst>
-              <a:ext uri="{FF2B5EF4-FFF2-40B4-BE49-F238E27FC236}">
-                <a16:creationId xmlns:a16="http://schemas.microsoft.com/office/drawing/2014/main" id="{272FD6EF-4F73-47B6-906D-8B2025B1FF60}"/>
-              </a:ext>
-            </a:extLst>
-          </p:cNvPr>
-          <p:cNvGraphicFramePr>
-            <a:graphicFrameLocks noGrp="1"/>
-          </p:cNvGraphicFramePr>
-          <p:nvPr>
-            <p:extLst>
-              <p:ext uri="{D42A27DB-BD31-4B8C-83A1-F6EECF244321}">
-                <p14:modId xmlns:p14="http://schemas.microsoft.com/office/powerpoint/2010/main" val="3161421678"/>
-              </p:ext>
-            </p:extLst>
-          </p:nvPr>
-        </p:nvGraphicFramePr>
-        <p:xfrm>
-          <a:off x="6033139" y="1567446"/>
-          <a:ext cx="5716504" cy="5291167"/>
-        </p:xfrm>
-        <a:graphic>
-          <a:graphicData uri="http://schemas.openxmlformats.org/drawingml/2006/table">
-            <a:tbl>
-              <a:tblPr firstRow="1" bandRow="1">
-                <a:tableStyleId>{5C22544A-7EE6-4342-B048-85BDC9FD1C3A}</a:tableStyleId>
-              </a:tblPr>
-              <a:tblGrid>
-                <a:gridCol w="2372058">
-                  <a:extLst>
-                    <a:ext uri="{9D8B030D-6E8A-4147-A177-3AD203B41FA5}">
-                      <a16:colId xmlns:a16="http://schemas.microsoft.com/office/drawing/2014/main" val="279455896"/>
-                    </a:ext>
-                  </a:extLst>
-                </a:gridCol>
-                <a:gridCol w="1897063">
-                  <a:extLst>
-                    <a:ext uri="{9D8B030D-6E8A-4147-A177-3AD203B41FA5}">
-                      <a16:colId xmlns:a16="http://schemas.microsoft.com/office/drawing/2014/main" val="475482780"/>
-                    </a:ext>
-                  </a:extLst>
-                </a:gridCol>
-                <a:gridCol w="1447383">
-                  <a:extLst>
-                    <a:ext uri="{9D8B030D-6E8A-4147-A177-3AD203B41FA5}">
-                      <a16:colId xmlns:a16="http://schemas.microsoft.com/office/drawing/2014/main" val="3558108574"/>
-                    </a:ext>
-                  </a:extLst>
-                </a:gridCol>
-              </a:tblGrid>
-              <a:tr h="637942">
-                <a:tc>
-                  <a:txBody>
-                    <a:bodyPr/>
-                    <a:lstStyle/>
-                    <a:p>
-                      <a:pPr fontAlgn="base"/>
-                      <a:r>
-                        <a:rPr lang="en-US" sz="1400">
-                          <a:effectLst/>
-                        </a:rPr>
-                        <a:t>Task​</a:t>
-                      </a:r>
-                      <a:endParaRPr lang="en-US" sz="1400" b="1">
-                        <a:solidFill>
-                          <a:srgbClr val="FFFFFF"/>
-                        </a:solidFill>
-                        <a:effectLst/>
-                      </a:endParaRPr>
-                    </a:p>
-                  </a:txBody>
-                  <a:tcPr anchor="ctr"/>
-                </a:tc>
-                <a:tc>
-                  <a:txBody>
-                    <a:bodyPr/>
-                    <a:lstStyle/>
-                    <a:p>
-                      <a:pPr fontAlgn="base"/>
-                      <a:r>
-                        <a:rPr lang="en-US" sz="1400">
-                          <a:effectLst/>
-                        </a:rPr>
-                        <a:t>Duration (</a:t>
-                      </a:r>
-                      <a:r>
-                        <a:rPr lang="en-US" sz="1400" err="1">
-                          <a:effectLst/>
-                        </a:rPr>
-                        <a:t>PWks</a:t>
-                      </a:r>
-                      <a:r>
-                        <a:rPr lang="en-US" sz="1400">
-                          <a:effectLst/>
-                        </a:rPr>
-                        <a:t>)​</a:t>
-                      </a:r>
-                      <a:endParaRPr lang="en-US" sz="1400" b="1">
-                        <a:solidFill>
-                          <a:srgbClr val="FFFFFF"/>
-                        </a:solidFill>
-                        <a:effectLst/>
-                      </a:endParaRPr>
-                    </a:p>
-                  </a:txBody>
-                  <a:tcPr anchor="ctr"/>
-                </a:tc>
-                <a:tc>
-                  <a:txBody>
-                    <a:bodyPr/>
-                    <a:lstStyle/>
-                    <a:p>
-                      <a:pPr fontAlgn="base"/>
-                      <a:r>
-                        <a:rPr lang="en-US" sz="1400">
-                          <a:effectLst/>
-                        </a:rPr>
-                        <a:t>Predecessor Task(s)​</a:t>
-                      </a:r>
-                      <a:endParaRPr lang="en-US" sz="1400" b="1">
-                        <a:solidFill>
-                          <a:srgbClr val="FFFFFF"/>
-                        </a:solidFill>
-                        <a:effectLst/>
-                      </a:endParaRPr>
-                    </a:p>
-                  </a:txBody>
-                  <a:tcPr anchor="ctr"/>
-                </a:tc>
-                <a:extLst>
-                  <a:ext uri="{0D108BD9-81ED-4DB2-BD59-A6C34878D82A}">
-                    <a16:rowId xmlns:a16="http://schemas.microsoft.com/office/drawing/2014/main" val="3253265889"/>
-                  </a:ext>
-                </a:extLst>
-              </a:tr>
-              <a:tr h="575399">
-                <a:tc>
-                  <a:txBody>
-                    <a:bodyPr/>
-                    <a:lstStyle/>
-                    <a:p>
-                      <a:r>
-                        <a:rPr lang="en-US" sz="1400">
-                          <a:effectLst/>
-                        </a:rPr>
-                        <a:t>1. </a:t>
-                      </a:r>
-                      <a:r>
-                        <a:rPr lang="en-US" sz="1400"/>
-                        <a:t> Obtain 3D assets</a:t>
-                      </a:r>
-                      <a:endParaRPr lang="en-US" sz="1400">
-                        <a:effectLst/>
-                      </a:endParaRPr>
-                    </a:p>
-                  </a:txBody>
-                  <a:tcPr anchor="ctr"/>
-                </a:tc>
-                <a:tc>
-                  <a:txBody>
-                    <a:bodyPr/>
-                    <a:lstStyle/>
-                    <a:p>
-                      <a:pPr fontAlgn="base"/>
-                      <a:r>
-                        <a:rPr lang="en-US" sz="1400">
-                          <a:effectLst/>
-                        </a:rPr>
-                        <a:t>1​</a:t>
-                      </a:r>
-                    </a:p>
-                  </a:txBody>
-                  <a:tcPr anchor="ctr"/>
-                </a:tc>
-                <a:tc>
-                  <a:txBody>
-                    <a:bodyPr/>
-                    <a:lstStyle/>
-                    <a:p>
-                      <a:pPr fontAlgn="base"/>
-                      <a:r>
-                        <a:rPr lang="en-US" sz="1400">
-                          <a:effectLst/>
-                        </a:rPr>
-                        <a:t>-​</a:t>
-                      </a:r>
-                    </a:p>
-                  </a:txBody>
-                  <a:tcPr anchor="ctr"/>
-                </a:tc>
-                <a:extLst>
-                  <a:ext uri="{0D108BD9-81ED-4DB2-BD59-A6C34878D82A}">
-                    <a16:rowId xmlns:a16="http://schemas.microsoft.com/office/drawing/2014/main" val="3390788293"/>
-                  </a:ext>
-                </a:extLst>
-              </a:tr>
-              <a:tr h="800555">
-                <a:tc>
-                  <a:txBody>
-                    <a:bodyPr/>
-                    <a:lstStyle/>
-                    <a:p>
-                      <a:r>
-                        <a:rPr lang="en-US" sz="1400">
-                          <a:effectLst/>
-                        </a:rPr>
-                        <a:t>2.  Implement </a:t>
-                      </a:r>
-                      <a:r>
-                        <a:rPr lang="en-US" sz="1400"/>
-                        <a:t>World loading</a:t>
-                      </a:r>
-                      <a:endParaRPr lang="en-US" sz="1400">
-                        <a:effectLst/>
-                      </a:endParaRPr>
-                    </a:p>
-                  </a:txBody>
-                  <a:tcPr anchor="ctr"/>
-                </a:tc>
-                <a:tc>
-                  <a:txBody>
-                    <a:bodyPr/>
-                    <a:lstStyle/>
-                    <a:p>
-                      <a:pPr fontAlgn="base"/>
-                      <a:r>
-                        <a:rPr lang="en-US" sz="1400">
-                          <a:effectLst/>
-                        </a:rPr>
-                        <a:t>2​</a:t>
-                      </a:r>
-                    </a:p>
-                  </a:txBody>
-                  <a:tcPr anchor="ctr"/>
-                </a:tc>
-                <a:tc>
-                  <a:txBody>
-                    <a:bodyPr/>
-                    <a:lstStyle/>
-                    <a:p>
-                      <a:pPr fontAlgn="base"/>
-                      <a:r>
-                        <a:rPr lang="en-US" sz="1400">
-                          <a:effectLst/>
-                        </a:rPr>
-                        <a:t>1​</a:t>
-                      </a:r>
-                    </a:p>
-                  </a:txBody>
-                  <a:tcPr anchor="ctr"/>
-                </a:tc>
-                <a:extLst>
-                  <a:ext uri="{0D108BD9-81ED-4DB2-BD59-A6C34878D82A}">
-                    <a16:rowId xmlns:a16="http://schemas.microsoft.com/office/drawing/2014/main" val="468149078"/>
-                  </a:ext>
-                </a:extLst>
-              </a:tr>
-              <a:tr h="913134">
-                <a:tc>
-                  <a:txBody>
-                    <a:bodyPr/>
-                    <a:lstStyle/>
-                    <a:p>
-                      <a:r>
-                        <a:rPr lang="en-US" sz="1400">
-                          <a:effectLst/>
-                        </a:rPr>
-                        <a:t>3.  Implement </a:t>
-                      </a:r>
-                      <a:r>
-                        <a:rPr lang="en-US" sz="1400"/>
-                        <a:t>Item/Player/Enemy loading</a:t>
-                      </a:r>
-                      <a:endParaRPr lang="en-US" sz="1400">
-                        <a:effectLst/>
-                      </a:endParaRPr>
-                    </a:p>
-                  </a:txBody>
-                  <a:tcPr anchor="ctr"/>
-                </a:tc>
-                <a:tc>
-                  <a:txBody>
-                    <a:bodyPr/>
-                    <a:lstStyle/>
-                    <a:p>
-                      <a:pPr fontAlgn="base"/>
-                      <a:r>
-                        <a:rPr lang="en-US" sz="1400"/>
-                        <a:t>3</a:t>
-                      </a:r>
-                      <a:endParaRPr lang="en-US" sz="1400">
-                        <a:effectLst/>
-                      </a:endParaRPr>
-                    </a:p>
-                  </a:txBody>
-                  <a:tcPr anchor="ctr"/>
-                </a:tc>
-                <a:tc>
-                  <a:txBody>
-                    <a:bodyPr/>
-                    <a:lstStyle/>
-                    <a:p>
-                      <a:pPr fontAlgn="base"/>
-                      <a:r>
-                        <a:rPr lang="en-US" sz="1400">
-                          <a:effectLst/>
-                        </a:rPr>
-                        <a:t>2​</a:t>
-                      </a:r>
-                    </a:p>
-                  </a:txBody>
-                  <a:tcPr anchor="ctr"/>
-                </a:tc>
-                <a:extLst>
-                  <a:ext uri="{0D108BD9-81ED-4DB2-BD59-A6C34878D82A}">
-                    <a16:rowId xmlns:a16="http://schemas.microsoft.com/office/drawing/2014/main" val="2880229805"/>
-                  </a:ext>
-                </a:extLst>
-              </a:tr>
-              <a:tr h="637942">
-                <a:tc>
-                  <a:txBody>
-                    <a:bodyPr/>
-                    <a:lstStyle/>
-                    <a:p>
-                      <a:r>
-                        <a:rPr lang="en-US" sz="1400">
-                          <a:effectLst/>
-                        </a:rPr>
-                        <a:t>4.  Implement</a:t>
-                      </a:r>
-                      <a:r>
-                        <a:rPr lang="en-US" sz="1400"/>
-                        <a:t> Bounds </a:t>
-                      </a:r>
-                      <a:r>
-                        <a:rPr lang="en-US" sz="1400">
-                          <a:effectLst/>
-                        </a:rPr>
-                        <a:t>Check​</a:t>
-                      </a:r>
-                    </a:p>
-                  </a:txBody>
-                  <a:tcPr anchor="ctr"/>
-                </a:tc>
-                <a:tc>
-                  <a:txBody>
-                    <a:bodyPr/>
-                    <a:lstStyle/>
-                    <a:p>
-                      <a:pPr fontAlgn="base"/>
-                      <a:r>
-                        <a:rPr lang="en-US" sz="1400">
-                          <a:effectLst/>
-                        </a:rPr>
-                        <a:t>2​</a:t>
-                      </a:r>
-                    </a:p>
-                  </a:txBody>
-                  <a:tcPr anchor="ctr"/>
-                </a:tc>
-                <a:tc>
-                  <a:txBody>
-                    <a:bodyPr/>
-                    <a:lstStyle/>
-                    <a:p>
-                      <a:pPr fontAlgn="base"/>
-                      <a:r>
-                        <a:rPr lang="en-US" sz="1400">
-                          <a:effectLst/>
-                        </a:rPr>
-                        <a:t>3​</a:t>
-                      </a:r>
-                    </a:p>
-                  </a:txBody>
-                  <a:tcPr anchor="ctr"/>
-                </a:tc>
-                <a:extLst>
-                  <a:ext uri="{0D108BD9-81ED-4DB2-BD59-A6C34878D82A}">
-                    <a16:rowId xmlns:a16="http://schemas.microsoft.com/office/drawing/2014/main" val="102433061"/>
-                  </a:ext>
-                </a:extLst>
-              </a:tr>
-              <a:tr h="637942">
-                <a:tc>
-                  <a:txBody>
-                    <a:bodyPr/>
-                    <a:lstStyle/>
-                    <a:p>
-                      <a:r>
-                        <a:rPr lang="en-US" sz="1400">
-                          <a:effectLst/>
-                        </a:rPr>
-                        <a:t>5.  Implement </a:t>
-                      </a:r>
-                      <a:r>
-                        <a:rPr lang="en-US" sz="1400"/>
-                        <a:t>Player manager </a:t>
-                      </a:r>
-                      <a:r>
-                        <a:rPr lang="en-US" sz="1400">
-                          <a:effectLst/>
-                        </a:rPr>
-                        <a:t>Collision Check​</a:t>
-                      </a:r>
-                    </a:p>
-                  </a:txBody>
-                  <a:tcPr anchor="ctr"/>
-                </a:tc>
-                <a:tc>
-                  <a:txBody>
-                    <a:bodyPr/>
-                    <a:lstStyle/>
-                    <a:p>
-                      <a:pPr fontAlgn="base"/>
-                      <a:r>
-                        <a:rPr lang="en-US" sz="1400">
-                          <a:effectLst/>
-                        </a:rPr>
-                        <a:t>1​</a:t>
-                      </a:r>
-                    </a:p>
-                  </a:txBody>
-                  <a:tcPr anchor="ctr"/>
-                </a:tc>
-                <a:tc>
-                  <a:txBody>
-                    <a:bodyPr/>
-                    <a:lstStyle/>
-                    <a:p>
-                      <a:pPr fontAlgn="base"/>
-                      <a:r>
-                        <a:rPr lang="en-US" sz="1400">
-                          <a:effectLst/>
-                        </a:rPr>
-                        <a:t>3​</a:t>
-                      </a:r>
-                    </a:p>
-                  </a:txBody>
-                  <a:tcPr anchor="ctr"/>
-                </a:tc>
-                <a:extLst>
-                  <a:ext uri="{0D108BD9-81ED-4DB2-BD59-A6C34878D82A}">
-                    <a16:rowId xmlns:a16="http://schemas.microsoft.com/office/drawing/2014/main" val="1060254917"/>
-                  </a:ext>
-                </a:extLst>
-              </a:tr>
-              <a:tr h="362751">
-                <a:tc>
-                  <a:txBody>
-                    <a:bodyPr/>
-                    <a:lstStyle/>
-                    <a:p>
-                      <a:r>
-                        <a:rPr lang="en-US" sz="1400"/>
-                        <a:t>6. Implement scene swapper</a:t>
-                      </a:r>
-                      <a:endParaRPr lang="en-US" sz="1400">
-                        <a:effectLst/>
-                      </a:endParaRPr>
-                    </a:p>
-                  </a:txBody>
-                  <a:tcPr anchor="ctr"/>
-                </a:tc>
-                <a:tc>
-                  <a:txBody>
-                    <a:bodyPr/>
-                    <a:lstStyle/>
-                    <a:p>
-                      <a:pPr fontAlgn="base"/>
-                      <a:r>
-                        <a:rPr lang="en-US" sz="1400"/>
-                        <a:t>1</a:t>
-                      </a:r>
-                      <a:endParaRPr lang="en-US" sz="1400">
-                        <a:effectLst/>
-                      </a:endParaRPr>
-                    </a:p>
-                  </a:txBody>
-                  <a:tcPr anchor="ctr"/>
-                </a:tc>
-                <a:tc>
-                  <a:txBody>
-                    <a:bodyPr/>
-                    <a:lstStyle/>
-                    <a:p>
-                      <a:pPr fontAlgn="base"/>
-                      <a:r>
-                        <a:rPr lang="en-US" sz="1400"/>
-                        <a:t>2</a:t>
-                      </a:r>
-                      <a:endParaRPr lang="en-US" sz="1400">
-                        <a:effectLst/>
-                      </a:endParaRPr>
-                    </a:p>
-                  </a:txBody>
-                  <a:tcPr anchor="ctr"/>
-                </a:tc>
-                <a:extLst>
-                  <a:ext uri="{0D108BD9-81ED-4DB2-BD59-A6C34878D82A}">
-                    <a16:rowId xmlns:a16="http://schemas.microsoft.com/office/drawing/2014/main" val="2972935163"/>
-                  </a:ext>
-                </a:extLst>
-              </a:tr>
-              <a:tr h="362751">
-                <a:tc>
-                  <a:txBody>
-                    <a:bodyPr/>
-                    <a:lstStyle/>
-                    <a:p>
-                      <a:pPr lvl="0">
-                        <a:buNone/>
-                      </a:pPr>
-                      <a:r>
-                        <a:rPr lang="en-US" sz="1400" b="0" i="0" u="none" strike="noStrike" noProof="0">
-                          <a:solidFill>
-                            <a:srgbClr val="000000"/>
-                          </a:solidFill>
-                          <a:latin typeface="Corbel"/>
-                        </a:rPr>
-                        <a:t>7.  Testing </a:t>
-                      </a:r>
-                      <a:endParaRPr lang="en-US">
-                        <a:effectLst/>
-                      </a:endParaRPr>
-                    </a:p>
-                  </a:txBody>
-                  <a:tcPr anchor="ctr"/>
-                </a:tc>
-                <a:tc>
-                  <a:txBody>
-                    <a:bodyPr/>
-                    <a:lstStyle/>
-                    <a:p>
-                      <a:pPr fontAlgn="base"/>
-                      <a:r>
-                        <a:rPr lang="en-US" sz="1400"/>
-                        <a:t>2</a:t>
-                      </a:r>
-                      <a:endParaRPr lang="en-US" sz="1400">
-                        <a:effectLst/>
-                      </a:endParaRPr>
-                    </a:p>
-                  </a:txBody>
-                  <a:tcPr anchor="ctr"/>
-                </a:tc>
-                <a:tc>
-                  <a:txBody>
-                    <a:bodyPr/>
-                    <a:lstStyle/>
-                    <a:p>
-                      <a:pPr fontAlgn="base"/>
-                      <a:r>
-                        <a:rPr lang="en-US" sz="1400"/>
-                        <a:t>6</a:t>
-                      </a:r>
-                      <a:endParaRPr lang="en-US" sz="1400">
-                        <a:effectLst/>
-                      </a:endParaRPr>
-                    </a:p>
-                  </a:txBody>
-                  <a:tcPr anchor="ctr"/>
-                </a:tc>
-                <a:extLst>
-                  <a:ext uri="{0D108BD9-81ED-4DB2-BD59-A6C34878D82A}">
-                    <a16:rowId xmlns:a16="http://schemas.microsoft.com/office/drawing/2014/main" val="4207013997"/>
-                  </a:ext>
-                </a:extLst>
-              </a:tr>
-              <a:tr h="362751">
-                <a:tc>
-                  <a:txBody>
-                    <a:bodyPr/>
-                    <a:lstStyle/>
-                    <a:p>
-                      <a:pPr lvl="0">
-                        <a:buNone/>
-                      </a:pPr>
-                      <a:r>
-                        <a:rPr lang="en-US" sz="1400" b="0" i="0" u="none" strike="noStrike" noProof="0">
-                          <a:solidFill>
-                            <a:srgbClr val="000000"/>
-                          </a:solidFill>
-                          <a:latin typeface="Corbel"/>
-                        </a:rPr>
-                        <a:t>8.  Installation </a:t>
-                      </a:r>
-                      <a:endParaRPr lang="en-US">
-                        <a:effectLst/>
-                      </a:endParaRPr>
-                    </a:p>
-                  </a:txBody>
-                  <a:tcPr anchor="ctr"/>
-                </a:tc>
-                <a:tc>
-                  <a:txBody>
-                    <a:bodyPr/>
-                    <a:lstStyle/>
-                    <a:p>
-                      <a:pPr lvl="0" fontAlgn="base">
-                        <a:buNone/>
-                      </a:pPr>
-                      <a:r>
-                        <a:rPr lang="en-US" sz="1400" b="0" i="0" u="none" strike="noStrike" noProof="0">
-                          <a:solidFill>
-                            <a:srgbClr val="000000"/>
-                          </a:solidFill>
-                          <a:latin typeface="Corbel"/>
-                        </a:rPr>
-                        <a:t>1</a:t>
-                      </a:r>
-                      <a:endParaRPr lang="en-US">
-                        <a:effectLst/>
-                      </a:endParaRPr>
-                    </a:p>
-                  </a:txBody>
-                  <a:tcPr anchor="ctr"/>
-                </a:tc>
-                <a:tc>
-                  <a:txBody>
-                    <a:bodyPr/>
-                    <a:lstStyle/>
-                    <a:p>
-                      <a:pPr lvl="0" fontAlgn="base">
-                        <a:buNone/>
-                      </a:pPr>
-                      <a:r>
-                        <a:rPr lang="en-US" sz="1400"/>
-                        <a:t>7</a:t>
-                      </a:r>
-                      <a:endParaRPr lang="en-US" sz="1400">
-                        <a:effectLst/>
-                      </a:endParaRPr>
-                    </a:p>
-                  </a:txBody>
-                  <a:tcPr anchor="ctr"/>
-                </a:tc>
-                <a:extLst>
-                  <a:ext uri="{0D108BD9-81ED-4DB2-BD59-A6C34878D82A}">
-                    <a16:rowId xmlns:a16="http://schemas.microsoft.com/office/drawing/2014/main" val="2672255137"/>
-                  </a:ext>
-                </a:extLst>
-              </a:tr>
-            </a:tbl>
-          </a:graphicData>
-        </a:graphic>
-      </p:graphicFrame>
-    </p:spTree>
-    <p:extLst>
-      <p:ext uri="{BB962C8B-B14F-4D97-AF65-F5344CB8AC3E}">
-        <p14:creationId xmlns:p14="http://schemas.microsoft.com/office/powerpoint/2010/main" val="616362022"/>
       </p:ext>
     </p:extLst>
   </p:cSld>
